--- a/[PPTPLUG]PP-151/Progressive Layered Extraction Review_20224314_강현구 .pptx
+++ b/[PPTPLUG]PP-151/Progressive Layered Extraction Review_20224314_강현구 .pptx
@@ -38,7 +38,7 @@
     <p:sldId id="371" r:id="rId29"/>
   </p:sldIdLst>
   <p:sldSz cx="12192000" cy="6858000"/>
-  <p:notesSz cx="6858000" cy="9144000"/>
+  <p:notesSz cx="6669088" cy="9926638"/>
   <p:defaultTextStyle>
     <a:defPPr>
       <a:defRPr lang="ko-KR"/>
@@ -199,7 +199,7 @@
         <p:spPr>
           <a:xfrm>
             <a:off x="0" y="0"/>
-            <a:ext cx="2971800" cy="458788"/>
+            <a:ext cx="2889938" cy="498056"/>
           </a:xfrm>
           <a:prstGeom prst="rect">
             <a:avLst/>
@@ -229,8 +229,8 @@
         </p:nvSpPr>
         <p:spPr>
           <a:xfrm>
-            <a:off x="3884613" y="0"/>
-            <a:ext cx="2971800" cy="458788"/>
+            <a:off x="3777607" y="0"/>
+            <a:ext cx="2889938" cy="498056"/>
           </a:xfrm>
           <a:prstGeom prst="rect">
             <a:avLst/>
@@ -264,8 +264,8 @@
         </p:nvSpPr>
         <p:spPr>
           <a:xfrm>
-            <a:off x="685800" y="1143000"/>
-            <a:ext cx="5486400" cy="3086100"/>
+            <a:off x="357188" y="1241425"/>
+            <a:ext cx="5954712" cy="3349625"/>
           </a:xfrm>
           <a:prstGeom prst="rect">
             <a:avLst/>
@@ -297,8 +297,8 @@
         </p:nvSpPr>
         <p:spPr>
           <a:xfrm>
-            <a:off x="685800" y="4400550"/>
-            <a:ext cx="5486400" cy="3600450"/>
+            <a:off x="666909" y="4777194"/>
+            <a:ext cx="5335270" cy="3908614"/>
           </a:xfrm>
           <a:prstGeom prst="rect">
             <a:avLst/>
@@ -356,8 +356,8 @@
         </p:nvSpPr>
         <p:spPr>
           <a:xfrm>
-            <a:off x="0" y="8685213"/>
-            <a:ext cx="2971800" cy="458787"/>
+            <a:off x="0" y="9428584"/>
+            <a:ext cx="2889938" cy="498055"/>
           </a:xfrm>
           <a:prstGeom prst="rect">
             <a:avLst/>
@@ -387,8 +387,8 @@
         </p:nvSpPr>
         <p:spPr>
           <a:xfrm>
-            <a:off x="3884613" y="8685213"/>
-            <a:ext cx="2971800" cy="458787"/>
+            <a:off x="3777607" y="9428584"/>
+            <a:ext cx="2889938" cy="498055"/>
           </a:xfrm>
           <a:prstGeom prst="rect">
             <a:avLst/>
@@ -558,45 +558,8 @@
           <a:lstStyle/>
           <a:p>
             <a:r>
-              <a:rPr lang="ko-KR" altLang="en-US" dirty="0"/>
-              <a:t>안녕하세요 오늘 </a:t>
-            </a:r>
-            <a:r>
-              <a:rPr lang="en-US" altLang="ko-KR" dirty="0"/>
-              <a:t>Progressive Layered Extraction </a:t>
-            </a:r>
-            <a:r>
-              <a:rPr lang="ko-KR" altLang="en-US" dirty="0"/>
-              <a:t>논문 </a:t>
-            </a:r>
-            <a:r>
-              <a:rPr lang="en-US" altLang="ko-KR" dirty="0"/>
-              <a:t>Review</a:t>
-            </a:r>
-            <a:r>
-              <a:rPr lang="ko-KR" altLang="en-US" dirty="0"/>
-              <a:t>를 맡은 </a:t>
-            </a:r>
-            <a:r>
-              <a:rPr lang="en-US" altLang="ko-KR" dirty="0"/>
-              <a:t>GSDS </a:t>
-            </a:r>
-            <a:r>
-              <a:rPr lang="ko-KR" altLang="en-US" dirty="0"/>
-              <a:t>강현구입니다</a:t>
-            </a:r>
-            <a:r>
-              <a:rPr lang="en-US" altLang="ko-KR" dirty="0"/>
-              <a:t>.</a:t>
-            </a:r>
-          </a:p>
-          <a:p>
-            <a:endParaRPr lang="en-US" altLang="ko-KR" dirty="0"/>
-          </a:p>
-          <a:p>
-            <a:r>
-              <a:rPr lang="en-US" altLang="ko-KR" dirty="0"/>
-              <a:t>Hello, I’m Hyun-gu Kang of GSDS, in charge of the Progressive Layered Extraction paper review today.</a:t>
+              <a:rPr lang="en-US" altLang="ko-KR" dirty="0"/>
+              <a:t>Hello, I’m Hyun-gu Kang of GSDS. I will present Progressive Layered Extraction paper review.</a:t>
             </a:r>
             <a:endParaRPr lang="ko-KR" altLang="en-US" dirty="0"/>
           </a:p>
@@ -683,28 +646,8 @@
           <a:lstStyle/>
           <a:p>
             <a:r>
-              <a:rPr lang="ko-KR" altLang="en-US" dirty="0"/>
-              <a:t>이때 </a:t>
-            </a:r>
-            <a:r>
-              <a:rPr lang="en-US" altLang="ko-KR" dirty="0"/>
-              <a:t>MMOE</a:t>
-            </a:r>
-            <a:r>
-              <a:rPr lang="ko-KR" altLang="en-US" dirty="0"/>
-              <a:t>와 </a:t>
-            </a:r>
-            <a:r>
-              <a:rPr lang="en-US" altLang="ko-KR" dirty="0"/>
-              <a:t>CGC</a:t>
-            </a:r>
-            <a:r>
-              <a:rPr lang="ko-KR" altLang="en-US" dirty="0"/>
-              <a:t>의 차이점에 대해 짚고 넘어가겠습니다</a:t>
-            </a:r>
-            <a:r>
-              <a:rPr lang="en-US" altLang="ko-KR" dirty="0"/>
-              <a:t>. </a:t>
+              <a:rPr lang="en-US" altLang="ko-KR" b="1" dirty="0"/>
+              <a:t>Let's talk about the difference between MMOE and CGC. </a:t>
             </a:r>
           </a:p>
           <a:p>
@@ -712,44 +655,14 @@
           </a:p>
           <a:p>
             <a:r>
-              <a:rPr lang="ko-KR" altLang="en-US" dirty="0"/>
-              <a:t>차이점은 </a:t>
-            </a:r>
-            <a:r>
-              <a:rPr lang="en-US" altLang="ko-KR" dirty="0"/>
-              <a:t>2</a:t>
-            </a:r>
-            <a:r>
-              <a:rPr lang="ko-KR" altLang="en-US" dirty="0"/>
-              <a:t>가지로</a:t>
-            </a:r>
-            <a:r>
-              <a:rPr lang="en-US" altLang="ko-KR" dirty="0"/>
-              <a:t>, </a:t>
-            </a:r>
-            <a:r>
-              <a:rPr lang="ko-KR" altLang="en-US" dirty="0"/>
-              <a:t>연결 방식</a:t>
-            </a:r>
-            <a:r>
-              <a:rPr lang="en-US" altLang="ko-KR" dirty="0"/>
-              <a:t>(Routing) </a:t>
-            </a:r>
-            <a:r>
-              <a:rPr lang="ko-KR" altLang="en-US" dirty="0"/>
-              <a:t>과 </a:t>
-            </a:r>
-            <a:r>
-              <a:rPr lang="en-US" altLang="ko-KR" dirty="0"/>
-              <a:t>Bottom Ingredient </a:t>
-            </a:r>
-            <a:r>
-              <a:rPr lang="ko-KR" altLang="en-US" dirty="0"/>
-              <a:t>입니다</a:t>
-            </a:r>
-            <a:r>
-              <a:rPr lang="en-US" altLang="ko-KR" dirty="0"/>
-              <a:t>. </a:t>
+              <a:rPr lang="en-US" altLang="ko-KR" dirty="0"/>
+              <a:t>There are two differences: Routing Strategy and Bottom Ingredients. </a:t>
+            </a:r>
+          </a:p>
+          <a:p>
+            <a:r>
+              <a:rPr lang="en-US" altLang="ko-KR" dirty="0"/>
+              <a:t>The MMOE considers the relationship of all experts, but the CGC considers only each Specific Expert and Shared Expert. </a:t>
             </a:r>
           </a:p>
           <a:p>
@@ -757,56 +670,31 @@
           </a:p>
           <a:p>
             <a:r>
-              <a:rPr lang="en-US" altLang="ko-KR" dirty="0"/>
-              <a:t>MMOE</a:t>
-            </a:r>
-            <a:r>
-              <a:rPr lang="ko-KR" altLang="en-US" dirty="0"/>
-              <a:t>는 모든</a:t>
-            </a:r>
-            <a:r>
-              <a:rPr lang="en-US" altLang="ko-KR" dirty="0"/>
-              <a:t> Expert</a:t>
-            </a:r>
-            <a:r>
-              <a:rPr lang="ko-KR" altLang="en-US" dirty="0"/>
-              <a:t>의 관계를 고려하나</a:t>
-            </a:r>
-            <a:r>
-              <a:rPr lang="en-US" altLang="ko-KR" dirty="0"/>
-              <a:t>, CGC</a:t>
-            </a:r>
-            <a:r>
-              <a:rPr lang="ko-KR" altLang="en-US" dirty="0"/>
-              <a:t>는 각각의 </a:t>
-            </a:r>
-            <a:r>
-              <a:rPr lang="en-US" altLang="ko-KR" dirty="0"/>
-              <a:t>Specific Expert </a:t>
-            </a:r>
-            <a:r>
-              <a:rPr lang="ko-KR" altLang="en-US" dirty="0"/>
-              <a:t>와 </a:t>
-            </a:r>
-            <a:r>
-              <a:rPr lang="en-US" altLang="ko-KR" dirty="0"/>
-              <a:t>Shared expert </a:t>
-            </a:r>
-            <a:r>
-              <a:rPr lang="ko-KR" altLang="en-US" dirty="0"/>
-              <a:t>만</a:t>
-            </a:r>
-            <a:r>
-              <a:rPr lang="en-US" altLang="ko-KR" dirty="0"/>
-              <a:t> </a:t>
-            </a:r>
-            <a:r>
-              <a:rPr lang="ko-KR" altLang="en-US" dirty="0"/>
-              <a:t>고려합니다</a:t>
-            </a:r>
-            <a:r>
-              <a:rPr lang="en-US" altLang="ko-KR" dirty="0"/>
-              <a:t>. </a:t>
+              <a:rPr lang="en-US" altLang="ko-KR" b="1" dirty="0"/>
+              <a:t>At this time, the MMOE's routing strategy seems to be a generalization of the CGC's routing strategy, but the result is not. </a:t>
+            </a:r>
+          </a:p>
+          <a:p>
+            <a:pPr marL="0" marR="0" lvl="0" indent="0" algn="l" defTabSz="914400" rtl="0" eaLnBrk="1" fontAlgn="auto" latinLnBrk="1" hangingPunct="1">
+              <a:lnSpc>
+                <a:spcPct val="100000"/>
+              </a:lnSpc>
+              <a:spcBef>
+                <a:spcPts val="0"/>
+              </a:spcBef>
+              <a:spcAft>
+                <a:spcPts val="0"/>
+              </a:spcAft>
+              <a:buClrTx/>
+              <a:buSzTx/>
+              <a:buFontTx/>
+              <a:buNone/>
+              <a:tabLst/>
+              <a:defRPr/>
+            </a:pPr>
+            <a:r>
+              <a:rPr lang="en-US" altLang="ko-KR" b="1" dirty="0"/>
+              <a:t>I'll talk about this later.</a:t>
             </a:r>
           </a:p>
           <a:p>
@@ -814,216 +702,21 @@
           </a:p>
           <a:p>
             <a:r>
-              <a:rPr lang="ko-KR" altLang="en-US" dirty="0"/>
-              <a:t>또한 </a:t>
-            </a:r>
-            <a:r>
-              <a:rPr lang="en-US" altLang="ko-KR" dirty="0"/>
-              <a:t>MMOE</a:t>
-            </a:r>
-            <a:r>
-              <a:rPr lang="ko-KR" altLang="en-US" dirty="0"/>
-              <a:t>에서는 </a:t>
-            </a:r>
-            <a:r>
-              <a:rPr lang="en-US" altLang="ko-KR" dirty="0"/>
-              <a:t>Bottom</a:t>
-            </a:r>
-            <a:r>
-              <a:rPr lang="ko-KR" altLang="en-US" dirty="0"/>
-              <a:t>에서 </a:t>
-            </a:r>
-            <a:r>
-              <a:rPr lang="en-US" altLang="ko-KR" dirty="0"/>
-              <a:t>Specific Expert</a:t>
-            </a:r>
-            <a:r>
-              <a:rPr lang="ko-KR" altLang="en-US" dirty="0"/>
-              <a:t>을 고려하나</a:t>
-            </a:r>
-            <a:r>
-              <a:rPr lang="en-US" altLang="ko-KR" dirty="0"/>
-              <a:t>, CGC</a:t>
-            </a:r>
-            <a:r>
-              <a:rPr lang="ko-KR" altLang="en-US" dirty="0"/>
-              <a:t>는 추가적으로 </a:t>
-            </a:r>
-            <a:r>
-              <a:rPr lang="en-US" altLang="ko-KR" dirty="0"/>
-              <a:t>Shared Expert</a:t>
-            </a:r>
-            <a:r>
-              <a:rPr lang="ko-KR" altLang="en-US" dirty="0"/>
-              <a:t>를 고려합니다</a:t>
-            </a:r>
-            <a:r>
-              <a:rPr lang="en-US" altLang="ko-KR" dirty="0"/>
-              <a:t>. </a:t>
+              <a:rPr lang="en-US" altLang="ko-KR" dirty="0"/>
+              <a:t>MMOE also considers the Specific Expert in Bottom, but CGC additionally considers the Shared Expert. </a:t>
+            </a:r>
+          </a:p>
+          <a:p>
+            <a:endParaRPr lang="en-US" altLang="ko-KR" b="1" dirty="0"/>
+          </a:p>
+          <a:p>
+            <a:r>
+              <a:rPr lang="en-US" altLang="ko-KR" dirty="0"/>
+              <a:t>The difference between Routing Strategy and Bottom Ingressives allows CGC to consider the difference and relationship between Tasks.</a:t>
             </a:r>
           </a:p>
           <a:p>
             <a:endParaRPr lang="en-US" altLang="ko-KR" dirty="0"/>
-          </a:p>
-          <a:p>
-            <a:r>
-              <a:rPr lang="ko-KR" altLang="en-US" dirty="0"/>
-              <a:t>이때</a:t>
-            </a:r>
-            <a:r>
-              <a:rPr lang="en-US" altLang="ko-KR" dirty="0"/>
-              <a:t>, MMOE’s routing </a:t>
-            </a:r>
-            <a:r>
-              <a:rPr lang="ko-KR" altLang="en-US" dirty="0"/>
-              <a:t>방식이 </a:t>
-            </a:r>
-            <a:r>
-              <a:rPr lang="en-US" altLang="ko-KR" dirty="0"/>
-              <a:t>CGC</a:t>
-            </a:r>
-            <a:r>
-              <a:rPr lang="ko-KR" altLang="en-US" dirty="0"/>
-              <a:t>의 </a:t>
-            </a:r>
-            <a:r>
-              <a:rPr lang="en-US" altLang="ko-KR" dirty="0"/>
-              <a:t>Routing </a:t>
-            </a:r>
-            <a:r>
-              <a:rPr lang="ko-KR" altLang="en-US" dirty="0"/>
-              <a:t>방식의 일반화한 것 처럼 보이나</a:t>
-            </a:r>
-            <a:r>
-              <a:rPr lang="en-US" altLang="ko-KR" dirty="0"/>
-              <a:t>, </a:t>
-            </a:r>
-            <a:r>
-              <a:rPr lang="ko-KR" altLang="en-US" dirty="0"/>
-              <a:t>결과는 그렇지 않습니다</a:t>
-            </a:r>
-            <a:r>
-              <a:rPr lang="en-US" altLang="ko-KR" dirty="0"/>
-              <a:t>. </a:t>
-            </a:r>
-          </a:p>
-          <a:p>
-            <a:endParaRPr lang="en-US" altLang="ko-KR" dirty="0"/>
-          </a:p>
-          <a:p>
-            <a:r>
-              <a:rPr lang="en-US" altLang="ko-KR" dirty="0"/>
-              <a:t>Routing</a:t>
-            </a:r>
-            <a:r>
-              <a:rPr lang="ko-KR" altLang="en-US" dirty="0"/>
-              <a:t> </a:t>
-            </a:r>
-            <a:r>
-              <a:rPr lang="en-US" altLang="ko-KR" dirty="0"/>
-              <a:t>Strategy</a:t>
-            </a:r>
-            <a:r>
-              <a:rPr lang="ko-KR" altLang="en-US" dirty="0"/>
-              <a:t>와 </a:t>
-            </a:r>
-            <a:r>
-              <a:rPr lang="en-US" altLang="ko-KR" dirty="0"/>
-              <a:t>Bottom Ingredient</a:t>
-            </a:r>
-            <a:r>
-              <a:rPr lang="ko-KR" altLang="en-US" dirty="0"/>
-              <a:t>의 차이를 통해서 </a:t>
-            </a:r>
-            <a:r>
-              <a:rPr lang="en-US" altLang="ko-KR" dirty="0"/>
-              <a:t>CGC</a:t>
-            </a:r>
-            <a:r>
-              <a:rPr lang="ko-KR" altLang="en-US" dirty="0"/>
-              <a:t>는 </a:t>
-            </a:r>
-            <a:r>
-              <a:rPr lang="en-US" altLang="ko-KR" dirty="0"/>
-              <a:t>Task </a:t>
-            </a:r>
-            <a:r>
-              <a:rPr lang="ko-KR" altLang="en-US" dirty="0"/>
-              <a:t>간의 차이와 관계를 고려할 수 있습니다</a:t>
-            </a:r>
-            <a:r>
-              <a:rPr lang="en-US" altLang="ko-KR" dirty="0"/>
-              <a:t>. </a:t>
-            </a:r>
-          </a:p>
-          <a:p>
-            <a:endParaRPr lang="en-US" altLang="ko-KR" dirty="0"/>
-          </a:p>
-          <a:p>
-            <a:endParaRPr lang="en-US" altLang="ko-KR" dirty="0"/>
-          </a:p>
-          <a:p>
-            <a:endParaRPr lang="en-US" altLang="ko-KR" dirty="0"/>
-          </a:p>
-          <a:p>
-            <a:endParaRPr lang="en-US" altLang="ko-KR" dirty="0"/>
-          </a:p>
-          <a:p>
-            <a:r>
-              <a:rPr lang="en-US" altLang="ko-KR" dirty="0"/>
-              <a:t>Let's talk about the difference between MMOE and CGC. </a:t>
-            </a:r>
-          </a:p>
-          <a:p>
-            <a:endParaRPr lang="en-US" altLang="ko-KR" dirty="0"/>
-          </a:p>
-          <a:p>
-            <a:r>
-              <a:rPr lang="en-US" altLang="ko-KR" dirty="0"/>
-              <a:t>There are two differences: Routing Strategy and Bottom Ingredients. </a:t>
-            </a:r>
-          </a:p>
-          <a:p>
-            <a:endParaRPr lang="en-US" altLang="ko-KR" dirty="0"/>
-          </a:p>
-          <a:p>
-            <a:r>
-              <a:rPr lang="en-US" altLang="ko-KR" dirty="0"/>
-              <a:t>The MMOE considers the relationship of all experts, but the CGC considers only each Specific Expert and Shared Expert. </a:t>
-            </a:r>
-          </a:p>
-          <a:p>
-            <a:endParaRPr lang="en-US" altLang="ko-KR" dirty="0"/>
-          </a:p>
-          <a:p>
-            <a:r>
-              <a:rPr lang="en-US" altLang="ko-KR" dirty="0"/>
-              <a:t>MMOE also considers the Specific Expert in Bottom, but CGC additionally considers the Shared Expert. </a:t>
-            </a:r>
-          </a:p>
-          <a:p>
-            <a:endParaRPr lang="en-US" altLang="ko-KR" dirty="0"/>
-          </a:p>
-          <a:p>
-            <a:r>
-              <a:rPr lang="en-US" altLang="ko-KR" dirty="0"/>
-              <a:t>At this time, the MMOE's routing strategy seems to be a generalization of the CGC's routing strategy, but the result is not. </a:t>
-            </a:r>
-          </a:p>
-          <a:p>
-            <a:r>
-              <a:rPr lang="en-US" altLang="ko-KR" dirty="0"/>
-              <a:t>The difference between Routing Strategy and Bottom Ingressives allows CGC to consider the difference and relationship between Tasks.</a:t>
-            </a:r>
-          </a:p>
-          <a:p>
-            <a:endParaRPr lang="en-US" altLang="ko-KR" dirty="0"/>
-          </a:p>
-          <a:p>
-            <a:r>
-              <a:rPr lang="en-US" altLang="ko-KR" dirty="0"/>
-              <a:t>I'll talk about this later.</a:t>
-            </a:r>
           </a:p>
         </p:txBody>
       </p:sp>
@@ -1109,161 +802,6 @@
           <a:p>
             <a:r>
               <a:rPr lang="en-US" altLang="ko-KR" dirty="0"/>
-              <a:t>2</a:t>
-            </a:r>
-            <a:r>
-              <a:rPr lang="ko-KR" altLang="en-US" dirty="0"/>
-              <a:t>번째로 </a:t>
-            </a:r>
-            <a:r>
-              <a:rPr lang="en-US" altLang="ko-KR" dirty="0"/>
-              <a:t>Progressive Layered Extraction</a:t>
-            </a:r>
-            <a:r>
-              <a:rPr lang="ko-KR" altLang="en-US" dirty="0"/>
-              <a:t>을 활용합니다</a:t>
-            </a:r>
-            <a:r>
-              <a:rPr lang="en-US" altLang="ko-KR" dirty="0"/>
-              <a:t>. </a:t>
-            </a:r>
-          </a:p>
-          <a:p>
-            <a:r>
-              <a:rPr lang="ko-KR" altLang="en-US" dirty="0"/>
-              <a:t>이후 </a:t>
-            </a:r>
-            <a:r>
-              <a:rPr lang="en-US" altLang="ko-KR" dirty="0"/>
-              <a:t>PLE</a:t>
-            </a:r>
-            <a:r>
-              <a:rPr lang="ko-KR" altLang="en-US" dirty="0"/>
-              <a:t>로 지칭하겠습니다</a:t>
-            </a:r>
-            <a:r>
-              <a:rPr lang="en-US" altLang="ko-KR" dirty="0"/>
-              <a:t>. </a:t>
-            </a:r>
-          </a:p>
-          <a:p>
-            <a:endParaRPr lang="en-US" altLang="ko-KR" dirty="0"/>
-          </a:p>
-          <a:p>
-            <a:r>
-              <a:rPr lang="en-US" altLang="ko-KR" dirty="0"/>
-              <a:t>PLE</a:t>
-            </a:r>
-            <a:r>
-              <a:rPr lang="ko-KR" altLang="en-US" dirty="0"/>
-              <a:t>를 통해서 보다 고차원의 </a:t>
-            </a:r>
-            <a:r>
-              <a:rPr lang="en-US" altLang="ko-KR" dirty="0"/>
-              <a:t>Shared information </a:t>
-            </a:r>
-            <a:r>
-              <a:rPr lang="ko-KR" altLang="en-US" dirty="0"/>
-              <a:t>을 추출합니다</a:t>
-            </a:r>
-            <a:r>
-              <a:rPr lang="en-US" altLang="ko-KR" dirty="0"/>
-              <a:t>. </a:t>
-            </a:r>
-          </a:p>
-          <a:p>
-            <a:r>
-              <a:rPr lang="ko-KR" altLang="en-US" dirty="0"/>
-              <a:t>그리고 </a:t>
-            </a:r>
-            <a:r>
-              <a:rPr lang="en-US" altLang="ko-KR" dirty="0"/>
-              <a:t>Gate</a:t>
-            </a:r>
-            <a:r>
-              <a:rPr lang="ko-KR" altLang="en-US" dirty="0"/>
-              <a:t>를 통해서 저차원의 </a:t>
-            </a:r>
-            <a:r>
-              <a:rPr lang="en-US" altLang="ko-KR" dirty="0"/>
-              <a:t>Information</a:t>
-            </a:r>
-            <a:r>
-              <a:rPr lang="ko-KR" altLang="en-US" dirty="0"/>
-              <a:t>과 고차원의 </a:t>
-            </a:r>
-            <a:r>
-              <a:rPr lang="en-US" altLang="ko-KR" dirty="0"/>
-              <a:t>information </a:t>
-            </a:r>
-            <a:r>
-              <a:rPr lang="ko-KR" altLang="en-US" dirty="0"/>
-              <a:t>을 </a:t>
-            </a:r>
-            <a:r>
-              <a:rPr lang="en-US" altLang="ko-KR" dirty="0"/>
-              <a:t>Dynamic </a:t>
-            </a:r>
-            <a:r>
-              <a:rPr lang="ko-KR" altLang="en-US" dirty="0"/>
-              <a:t>하게 합칩니다</a:t>
-            </a:r>
-            <a:r>
-              <a:rPr lang="en-US" altLang="ko-KR" dirty="0"/>
-              <a:t>.</a:t>
-            </a:r>
-          </a:p>
-          <a:p>
-            <a:endParaRPr lang="en-US" altLang="ko-KR" dirty="0"/>
-          </a:p>
-          <a:p>
-            <a:r>
-              <a:rPr lang="ko-KR" altLang="en-US" dirty="0"/>
-              <a:t>이후 각 </a:t>
-            </a:r>
-            <a:r>
-              <a:rPr lang="en-US" altLang="ko-KR" dirty="0"/>
-              <a:t>Task-specific </a:t>
-            </a:r>
-            <a:r>
-              <a:rPr lang="ko-KR" altLang="en-US" dirty="0"/>
-              <a:t>끼리의 연결을 제거하여</a:t>
-            </a:r>
-            <a:r>
-              <a:rPr lang="en-US" altLang="ko-KR" dirty="0"/>
-              <a:t>, </a:t>
-            </a:r>
-            <a:r>
-              <a:rPr lang="ko-KR" altLang="en-US" dirty="0"/>
-              <a:t>고차원의 </a:t>
-            </a:r>
-            <a:r>
-              <a:rPr lang="en-US" altLang="ko-KR" dirty="0"/>
-              <a:t>Semantic representation </a:t>
-            </a:r>
-            <a:r>
-              <a:rPr lang="ko-KR" altLang="en-US" dirty="0"/>
-              <a:t>이 점차 반영될 수 있도록 </a:t>
-            </a:r>
-            <a:r>
-              <a:rPr lang="en-US" altLang="ko-KR" dirty="0"/>
-              <a:t>Network</a:t>
-            </a:r>
-            <a:r>
-              <a:rPr lang="ko-KR" altLang="en-US" dirty="0"/>
-              <a:t>를 구성합니다</a:t>
-            </a:r>
-            <a:r>
-              <a:rPr lang="en-US" altLang="ko-KR" dirty="0"/>
-              <a:t>. </a:t>
-            </a:r>
-          </a:p>
-          <a:p>
-            <a:endParaRPr lang="en-US" altLang="ko-KR" dirty="0"/>
-          </a:p>
-          <a:p>
-            <a:r>
-              <a:rPr lang="en-US" altLang="ko-KR" dirty="0"/>
               <a:t>Second, it utilize Progressive Layered Extraction. </a:t>
             </a:r>
           </a:p>
@@ -1381,20 +919,8 @@
           <a:lstStyle/>
           <a:p>
             <a:r>
-              <a:rPr lang="ko-KR" altLang="en-US" dirty="0"/>
-              <a:t>마지막으로 </a:t>
-            </a:r>
-            <a:r>
-              <a:rPr lang="en-US" altLang="ko-KR" dirty="0"/>
-              <a:t>Joint Loss optimization</a:t>
-            </a:r>
-            <a:r>
-              <a:rPr lang="ko-KR" altLang="en-US" dirty="0"/>
-              <a:t>을 도입합니다</a:t>
-            </a:r>
-            <a:r>
-              <a:rPr lang="en-US" altLang="ko-KR" dirty="0"/>
-              <a:t>. </a:t>
+              <a:rPr lang="en-US" altLang="ko-KR" dirty="0"/>
+              <a:t>Finally, we introduce Joint Loss Optimization. </a:t>
             </a:r>
           </a:p>
           <a:p>
@@ -1402,30 +928,14 @@
           </a:p>
           <a:p>
             <a:r>
-              <a:rPr lang="ko-KR" altLang="en-US" dirty="0"/>
-              <a:t>동일한 샘플로 고려해줘야 하나</a:t>
-            </a:r>
-            <a:r>
-              <a:rPr lang="en-US" altLang="ko-KR" dirty="0"/>
-              <a:t>, </a:t>
-            </a:r>
-            <a:r>
-              <a:rPr lang="ko-KR" altLang="en-US" dirty="0"/>
-              <a:t>유저의 연속적인 행동으로 인해 서로 다른 샘플로 고려되는 경우가 있습니다</a:t>
-            </a:r>
-            <a:r>
-              <a:rPr lang="en-US" altLang="ko-KR" dirty="0"/>
-              <a:t>. </a:t>
-            </a:r>
-          </a:p>
-          <a:p>
-            <a:r>
-              <a:rPr lang="ko-KR" altLang="en-US" dirty="0"/>
-              <a:t>따라서 이런 경우 샘플 공간을 합쳐줘 함께 학습할 수 있도록 합니다</a:t>
-            </a:r>
-            <a:r>
-              <a:rPr lang="en-US" altLang="ko-KR" dirty="0"/>
-              <a:t>. </a:t>
+              <a:rPr lang="en-US" altLang="ko-KR" b="1" dirty="0"/>
+              <a:t>Some samples should be considered as the same sample space, but it may be considered as a different sample due to the user's continuous behavior. </a:t>
+            </a:r>
+          </a:p>
+          <a:p>
+            <a:r>
+              <a:rPr lang="en-US" altLang="ko-KR" dirty="0"/>
+              <a:t>Therefore, in this case, combine the sample spaces so that they can learn together. </a:t>
             </a:r>
           </a:p>
           <a:p>
@@ -1433,64 +943,6 @@
           </a:p>
           <a:p>
             <a:r>
-              <a:rPr lang="ko-KR" altLang="en-US" dirty="0"/>
-              <a:t>또한 </a:t>
-            </a:r>
-            <a:r>
-              <a:rPr lang="en-US" altLang="ko-KR" dirty="0"/>
-              <a:t>MTL</a:t>
-            </a:r>
-            <a:r>
-              <a:rPr lang="ko-KR" altLang="en-US" dirty="0"/>
-              <a:t>의 성능이 가중치에 민감한 점을 고려하여</a:t>
-            </a:r>
-            <a:r>
-              <a:rPr lang="en-US" altLang="ko-KR" dirty="0"/>
-              <a:t>, </a:t>
-            </a:r>
-          </a:p>
-          <a:p>
-            <a:r>
-              <a:rPr lang="ko-KR" altLang="en-US" dirty="0"/>
-              <a:t>가중치가 시간에 따라 변화할 수 있도록 설정합니다</a:t>
-            </a:r>
-            <a:r>
-              <a:rPr lang="en-US" altLang="ko-KR" dirty="0"/>
-              <a:t>. </a:t>
-            </a:r>
-          </a:p>
-          <a:p>
-            <a:endParaRPr lang="en-US" altLang="ko-KR" dirty="0"/>
-          </a:p>
-          <a:p>
-            <a:endParaRPr lang="en-US" altLang="ko-KR" dirty="0"/>
-          </a:p>
-          <a:p>
-            <a:r>
-              <a:rPr lang="en-US" altLang="ko-KR" dirty="0"/>
-              <a:t>Finally, we introduce Joint Loss Optimization. </a:t>
-            </a:r>
-          </a:p>
-          <a:p>
-            <a:endParaRPr lang="en-US" altLang="ko-KR" dirty="0"/>
-          </a:p>
-          <a:p>
-            <a:r>
-              <a:rPr lang="en-US" altLang="ko-KR" dirty="0"/>
-              <a:t>Some samples should be considered as the same, but it may be considered as a different sample due to the user's continuous behavior. </a:t>
-            </a:r>
-          </a:p>
-          <a:p>
-            <a:r>
-              <a:rPr lang="en-US" altLang="ko-KR" dirty="0"/>
-              <a:t>Therefore, in this case, combine the sample spaces so that they can learn together. </a:t>
-            </a:r>
-          </a:p>
-          <a:p>
-            <a:endParaRPr lang="en-US" altLang="ko-KR" dirty="0"/>
-          </a:p>
-          <a:p>
-            <a:r>
               <a:rPr lang="en-US" altLang="ko-KR" dirty="0"/>
               <a:t>In addition, considering that MTL's performance is sensitive to weights, </a:t>
             </a:r>
@@ -1498,7 +950,7 @@
           <a:p>
             <a:r>
               <a:rPr lang="en-US" altLang="ko-KR" dirty="0"/>
-              <a:t>Sets up the weight to change over time.</a:t>
+              <a:t>Sets up the weight to change dynamically </a:t>
             </a:r>
             <a:endParaRPr lang="ko-KR" altLang="en-US" dirty="0"/>
           </a:p>
@@ -1585,49 +1037,8 @@
           <a:lstStyle/>
           <a:p>
             <a:r>
-              <a:rPr lang="ko-KR" altLang="en-US" dirty="0"/>
-              <a:t>앞서 설명한 방법들을 기반으로 </a:t>
-            </a:r>
-            <a:r>
-              <a:rPr lang="en-US" altLang="ko-KR" dirty="0"/>
-              <a:t>PLE</a:t>
-            </a:r>
-            <a:r>
-              <a:rPr lang="ko-KR" altLang="en-US" dirty="0"/>
-              <a:t>의 성능을 확인할 것입니다</a:t>
-            </a:r>
-            <a:r>
-              <a:rPr lang="en-US" altLang="ko-KR" dirty="0"/>
-              <a:t>. </a:t>
-            </a:r>
-          </a:p>
-          <a:p>
-            <a:endParaRPr lang="en-US" altLang="ko-KR" dirty="0"/>
-          </a:p>
-          <a:p>
-            <a:r>
-              <a:rPr lang="en-US" altLang="ko-KR" dirty="0"/>
-              <a:t>Experiment</a:t>
-            </a:r>
-            <a:r>
-              <a:rPr lang="ko-KR" altLang="en-US" dirty="0"/>
-              <a:t>의 세부 사항은 다음과 같습니다</a:t>
-            </a:r>
-            <a:r>
-              <a:rPr lang="en-US" altLang="ko-KR" dirty="0"/>
-              <a:t>. </a:t>
-            </a:r>
-          </a:p>
-          <a:p>
-            <a:endParaRPr lang="en-US" altLang="ko-KR" dirty="0"/>
-          </a:p>
-          <a:p>
-            <a:endParaRPr lang="en-US" altLang="ko-KR" dirty="0"/>
-          </a:p>
-          <a:p>
-            <a:r>
-              <a:rPr lang="en-US" altLang="ko-KR" dirty="0"/>
-              <a:t>Based on the methods described above, paper check the performance of the PLE. </a:t>
+              <a:rPr lang="en-US" altLang="ko-KR" dirty="0"/>
+              <a:t>, paper check the performance of the PLE. Based on the methods described above</a:t>
             </a:r>
           </a:p>
           <a:p>
@@ -1722,172 +1133,16 @@
           <a:bodyPr/>
           <a:lstStyle/>
           <a:p>
-            <a:r>
-              <a:rPr lang="ko-KR" altLang="en-US" dirty="0"/>
-              <a:t>노란색 영역을 통해 우리는 </a:t>
-            </a:r>
-            <a:r>
-              <a:rPr lang="en-US" altLang="ko-KR" dirty="0"/>
-              <a:t>Strong correlation </a:t>
-            </a:r>
-            <a:r>
-              <a:rPr lang="ko-KR" altLang="en-US" dirty="0"/>
-              <a:t>상황</a:t>
-            </a:r>
-            <a:r>
-              <a:rPr lang="en-US" altLang="ko-KR" dirty="0"/>
-              <a:t> </a:t>
-            </a:r>
-            <a:r>
-              <a:rPr lang="ko-KR" altLang="en-US" dirty="0"/>
-              <a:t>속에서</a:t>
-            </a:r>
-            <a:r>
-              <a:rPr lang="en-US" altLang="ko-KR" dirty="0"/>
-              <a:t> </a:t>
-            </a:r>
-            <a:r>
-              <a:rPr lang="ko-KR" altLang="en-US" dirty="0"/>
-              <a:t> </a:t>
-            </a:r>
-            <a:r>
-              <a:rPr lang="en-US" altLang="ko-KR" dirty="0"/>
-              <a:t>Seesaw phenomenon </a:t>
-            </a:r>
-            <a:r>
-              <a:rPr lang="ko-KR" altLang="en-US" dirty="0"/>
-              <a:t>이 실제로 있음을 확인할 수 있습니다</a:t>
-            </a:r>
-            <a:r>
-              <a:rPr lang="en-US" altLang="ko-KR" dirty="0"/>
-              <a:t>. </a:t>
-            </a:r>
-          </a:p>
-          <a:p>
-            <a:endParaRPr lang="en-US" altLang="ko-KR" dirty="0"/>
-          </a:p>
-          <a:p>
-            <a:r>
-              <a:rPr lang="ko-KR" altLang="en-US" dirty="0"/>
-              <a:t>그리고 </a:t>
-            </a:r>
-            <a:r>
-              <a:rPr lang="en-US" altLang="ko-KR" dirty="0"/>
-              <a:t>PLE</a:t>
-            </a:r>
-            <a:r>
-              <a:rPr lang="ko-KR" altLang="en-US" dirty="0"/>
-              <a:t>의 성능이 여러 </a:t>
-            </a:r>
-            <a:r>
-              <a:rPr lang="en-US" altLang="ko-KR" dirty="0"/>
-              <a:t>MTL </a:t>
-            </a:r>
-            <a:r>
-              <a:rPr lang="ko-KR" altLang="en-US" dirty="0"/>
-              <a:t>방법과 비교했을 때 </a:t>
-            </a:r>
-            <a:endParaRPr lang="en-US" altLang="ko-KR" dirty="0"/>
-          </a:p>
-          <a:p>
-            <a:pPr marL="228600" indent="-228600">
-              <a:buAutoNum type="arabicParenR"/>
-            </a:pPr>
-            <a:r>
-              <a:rPr lang="en-US" altLang="ko-KR" dirty="0"/>
-              <a:t>Seesaw phenomenon </a:t>
-            </a:r>
-            <a:r>
-              <a:rPr lang="ko-KR" altLang="en-US" dirty="0"/>
-              <a:t>을 해결한다는 점 </a:t>
-            </a:r>
-            <a:endParaRPr lang="en-US" altLang="ko-KR" dirty="0"/>
-          </a:p>
-          <a:p>
-            <a:pPr marL="228600" indent="-228600">
-              <a:buAutoNum type="arabicParenR"/>
-            </a:pPr>
-            <a:r>
-              <a:rPr lang="ko-KR" altLang="en-US" dirty="0"/>
-              <a:t>심지어 </a:t>
-            </a:r>
-            <a:r>
-              <a:rPr lang="en-US" altLang="ko-KR" dirty="0"/>
-              <a:t>seesaw phenomenon</a:t>
-            </a:r>
-            <a:r>
-              <a:rPr lang="ko-KR" altLang="en-US" dirty="0"/>
-              <a:t>이 거의 없는 </a:t>
-            </a:r>
-            <a:r>
-              <a:rPr lang="en-US" altLang="ko-KR" dirty="0"/>
-              <a:t>Loose Correlation </a:t>
-            </a:r>
-            <a:r>
-              <a:rPr lang="ko-KR" altLang="en-US" dirty="0"/>
-              <a:t>상황에서도 대부분</a:t>
-            </a:r>
-            <a:r>
-              <a:rPr lang="en-US" altLang="ko-KR" dirty="0"/>
-              <a:t> </a:t>
-            </a:r>
-            <a:r>
-              <a:rPr lang="ko-KR" altLang="en-US" dirty="0"/>
-              <a:t>최고</a:t>
-            </a:r>
-            <a:r>
-              <a:rPr lang="en-US" altLang="ko-KR" dirty="0"/>
-              <a:t> </a:t>
-            </a:r>
-            <a:r>
-              <a:rPr lang="ko-KR" altLang="en-US" dirty="0"/>
-              <a:t>성능을 내고 있음을 </a:t>
-            </a:r>
-            <a:endParaRPr lang="en-US" altLang="ko-KR" dirty="0"/>
-          </a:p>
-          <a:p>
-            <a:pPr marL="228600" indent="-228600">
-              <a:buAutoNum type="arabicParenR"/>
-            </a:pPr>
-            <a:endParaRPr lang="en-US" altLang="ko-KR" dirty="0"/>
-          </a:p>
-          <a:p>
             <a:pPr marL="0" indent="0">
               <a:buNone/>
             </a:pPr>
             <a:r>
-              <a:rPr lang="ko-KR" altLang="en-US" dirty="0"/>
-              <a:t>확인할 수 있습니다</a:t>
-            </a:r>
-            <a:r>
-              <a:rPr lang="en-US" altLang="ko-KR" dirty="0"/>
-              <a:t>. </a:t>
-            </a:r>
-            <a:r>
-              <a:rPr lang="ko-KR" altLang="en-US" dirty="0"/>
-              <a:t> </a:t>
-            </a:r>
-            <a:endParaRPr lang="en-US" altLang="ko-KR" dirty="0"/>
-          </a:p>
-          <a:p>
-            <a:pPr marL="0" indent="0">
-              <a:buNone/>
-            </a:pPr>
-            <a:endParaRPr lang="en-US" altLang="ko-KR" dirty="0"/>
-          </a:p>
-          <a:p>
-            <a:pPr marL="0" indent="0">
-              <a:buNone/>
-            </a:pPr>
-            <a:endParaRPr lang="en-US" altLang="ko-KR" dirty="0"/>
-          </a:p>
-          <a:p>
-            <a:pPr marL="0" indent="0">
-              <a:buNone/>
-            </a:pPr>
-            <a:r>
-              <a:rPr lang="en-US" altLang="ko-KR" dirty="0"/>
-              <a:t>Through the yellow area, we can see that Seesaw phenomenon really exists in the Strong correlation situation. </a:t>
+              <a:rPr lang="en-US" altLang="ko-KR" b="1" dirty="0"/>
+              <a:t>Through the yellow area, </a:t>
+            </a:r>
+            <a:r>
+              <a:rPr lang="en-US" altLang="ko-KR" dirty="0"/>
+              <a:t>we can see that Seesaw phenomenon really exists in the Strong correlation situation. </a:t>
             </a:r>
           </a:p>
           <a:p>
@@ -2013,114 +1268,6 @@
           <a:p>
             <a:r>
               <a:rPr lang="en-US" altLang="ko-KR" dirty="0"/>
-              <a:t>PLE</a:t>
-            </a:r>
-            <a:r>
-              <a:rPr lang="ko-KR" altLang="en-US" dirty="0"/>
-              <a:t>는 실제 </a:t>
-            </a:r>
-            <a:r>
-              <a:rPr lang="en-US" altLang="ko-KR" dirty="0"/>
-              <a:t>Online A/B test</a:t>
-            </a:r>
-            <a:r>
-              <a:rPr lang="ko-KR" altLang="en-US" dirty="0"/>
-              <a:t>에서도 </a:t>
-            </a:r>
-            <a:r>
-              <a:rPr lang="en-US" altLang="ko-KR" dirty="0"/>
-              <a:t>Total View Count </a:t>
-            </a:r>
-            <a:r>
-              <a:rPr lang="ko-KR" altLang="en-US" dirty="0"/>
-              <a:t>및 </a:t>
-            </a:r>
-            <a:r>
-              <a:rPr lang="en-US" altLang="ko-KR" dirty="0"/>
-              <a:t>Total watch Time</a:t>
-            </a:r>
-            <a:r>
-              <a:rPr lang="ko-KR" altLang="en-US" dirty="0"/>
-              <a:t>을 각각 </a:t>
-            </a:r>
-            <a:r>
-              <a:rPr lang="en-US" altLang="ko-KR" dirty="0"/>
-              <a:t>4.17%, 3.57% </a:t>
-            </a:r>
-            <a:r>
-              <a:rPr lang="ko-KR" altLang="en-US" dirty="0"/>
-              <a:t>향상시켜 최고의 결과를 도출했습니다</a:t>
-            </a:r>
-            <a:r>
-              <a:rPr lang="en-US" altLang="ko-KR" dirty="0"/>
-              <a:t>. </a:t>
-            </a:r>
-          </a:p>
-          <a:p>
-            <a:endParaRPr lang="en-US" altLang="ko-KR" dirty="0"/>
-          </a:p>
-          <a:p>
-            <a:r>
-              <a:rPr lang="ko-KR" altLang="en-US" dirty="0"/>
-              <a:t>또한 </a:t>
-            </a:r>
-            <a:r>
-              <a:rPr lang="en-US" altLang="ko-KR" dirty="0"/>
-              <a:t>Task Group</a:t>
-            </a:r>
-            <a:r>
-              <a:rPr lang="ko-KR" altLang="en-US" dirty="0"/>
-              <a:t>의 조합을 </a:t>
-            </a:r>
-            <a:r>
-              <a:rPr lang="en-US" altLang="ko-KR" dirty="0"/>
-              <a:t>3</a:t>
-            </a:r>
-            <a:r>
-              <a:rPr lang="ko-KR" altLang="en-US" dirty="0"/>
-              <a:t>개</a:t>
-            </a:r>
-            <a:r>
-              <a:rPr lang="en-US" altLang="ko-KR" dirty="0"/>
-              <a:t>, 4</a:t>
-            </a:r>
-            <a:r>
-              <a:rPr lang="ko-KR" altLang="en-US" dirty="0"/>
-              <a:t>개로 늘렸을 때의 모든 경우에서 </a:t>
-            </a:r>
-            <a:endParaRPr lang="en-US" altLang="ko-KR" dirty="0"/>
-          </a:p>
-          <a:p>
-            <a:r>
-              <a:rPr lang="en-US" altLang="ko-KR" dirty="0"/>
-              <a:t>CGC,</a:t>
-            </a:r>
-            <a:r>
-              <a:rPr lang="ko-KR" altLang="en-US" dirty="0"/>
-              <a:t> </a:t>
-            </a:r>
-            <a:r>
-              <a:rPr lang="en-US" altLang="ko-KR" dirty="0"/>
-              <a:t>PLE</a:t>
-            </a:r>
-            <a:r>
-              <a:rPr lang="ko-KR" altLang="en-US" dirty="0"/>
-              <a:t>는 항상 긍정적인 결과를 가져옴을 확인할 수 있습니다</a:t>
-            </a:r>
-            <a:r>
-              <a:rPr lang="en-US" altLang="ko-KR" dirty="0"/>
-              <a:t>. </a:t>
-            </a:r>
-          </a:p>
-          <a:p>
-            <a:endParaRPr lang="en-US" altLang="ko-KR" dirty="0"/>
-          </a:p>
-          <a:p>
-            <a:endParaRPr lang="en-US" altLang="ko-KR" dirty="0"/>
-          </a:p>
-          <a:p>
-            <a:r>
-              <a:rPr lang="en-US" altLang="ko-KR" dirty="0"/>
               <a:t>PLE also achieved the best results in the actual Online A/B test </a:t>
             </a:r>
           </a:p>
@@ -2131,12 +1278,16 @@
             </a:r>
           </a:p>
           <a:p>
-            <a:endParaRPr lang="en-US" altLang="ko-KR" dirty="0"/>
-          </a:p>
-          <a:p>
-            <a:r>
-              <a:rPr lang="en-US" altLang="ko-KR" dirty="0"/>
-              <a:t>Also, in all cases, when you increase the combination of Task Groups to 3 and 4, </a:t>
+            <a:endParaRPr lang="en-US" altLang="ko-KR" b="1" dirty="0"/>
+          </a:p>
+          <a:p>
+            <a:r>
+              <a:rPr lang="en-US" altLang="ko-KR" b="1" dirty="0"/>
+              <a:t>Also, in all cases of combination of variable, </a:t>
+            </a:r>
+            <a:r>
+              <a:rPr lang="en-US" altLang="ko-KR" dirty="0"/>
+              <a:t>when you increase the combination of Task Groups to 3 and 4, </a:t>
             </a:r>
           </a:p>
           <a:p>
@@ -2228,340 +1379,8 @@
           <a:lstStyle/>
           <a:p>
             <a:r>
-              <a:rPr lang="ko-KR" altLang="en-US" dirty="0"/>
-              <a:t>마지막으로 </a:t>
-            </a:r>
-            <a:r>
-              <a:rPr lang="en-US" altLang="ko-KR" dirty="0"/>
-              <a:t>MMOE, ML-MMOE, CGC, PLE </a:t>
-            </a:r>
-            <a:r>
-              <a:rPr lang="ko-KR" altLang="en-US" dirty="0"/>
-              <a:t>네 모델의 </a:t>
-            </a:r>
-            <a:r>
-              <a:rPr lang="en-US" altLang="ko-KR" dirty="0"/>
-              <a:t>Expert Utilization</a:t>
-            </a:r>
-            <a:r>
-              <a:rPr lang="ko-KR" altLang="en-US" dirty="0"/>
-              <a:t>을 통해 알 수 있는 점 입니다</a:t>
-            </a:r>
-            <a:r>
-              <a:rPr lang="en-US" altLang="ko-KR" dirty="0"/>
-              <a:t>. </a:t>
-            </a:r>
-          </a:p>
-          <a:p>
-            <a:endParaRPr lang="en-US" altLang="ko-KR" dirty="0"/>
-          </a:p>
-          <a:p>
-            <a:r>
-              <a:rPr lang="ko-KR" altLang="en-US" dirty="0"/>
-              <a:t>앞서 </a:t>
-            </a:r>
-            <a:r>
-              <a:rPr lang="en-US" altLang="ko-KR" dirty="0"/>
-              <a:t>MMOE</a:t>
-            </a:r>
-            <a:r>
-              <a:rPr lang="ko-KR" altLang="en-US" dirty="0"/>
-              <a:t>의 </a:t>
-            </a:r>
-            <a:r>
-              <a:rPr lang="en-US" altLang="ko-KR" dirty="0"/>
-              <a:t>Routing Strategy</a:t>
-            </a:r>
-            <a:r>
-              <a:rPr lang="ko-KR" altLang="en-US" dirty="0"/>
-              <a:t>는 </a:t>
-            </a:r>
-            <a:r>
-              <a:rPr lang="en-US" altLang="ko-KR" dirty="0"/>
-              <a:t>Bottom</a:t>
-            </a:r>
-            <a:r>
-              <a:rPr lang="ko-KR" altLang="en-US" dirty="0"/>
-              <a:t>의 모든 </a:t>
-            </a:r>
-            <a:r>
-              <a:rPr lang="en-US" altLang="ko-KR" dirty="0"/>
-              <a:t>Ingredient</a:t>
-            </a:r>
-            <a:r>
-              <a:rPr lang="ko-KR" altLang="en-US" dirty="0"/>
-              <a:t>를 고려하여</a:t>
-            </a:r>
-            <a:r>
-              <a:rPr lang="en-US" altLang="ko-KR" dirty="0"/>
-              <a:t>, </a:t>
-            </a:r>
-            <a:r>
-              <a:rPr lang="ko-KR" altLang="en-US" dirty="0"/>
-              <a:t>일부만 고려하는 </a:t>
-            </a:r>
-            <a:r>
-              <a:rPr lang="en-US" altLang="ko-KR" dirty="0"/>
-              <a:t>CGC</a:t>
-            </a:r>
-            <a:r>
-              <a:rPr lang="ko-KR" altLang="en-US" dirty="0"/>
-              <a:t>의 것과 비교해 일반화된 것처럼 보입니다</a:t>
-            </a:r>
-            <a:r>
-              <a:rPr lang="en-US" altLang="ko-KR" dirty="0"/>
-              <a:t>. </a:t>
-            </a:r>
-          </a:p>
-          <a:p>
-            <a:r>
-              <a:rPr lang="ko-KR" altLang="en-US" dirty="0"/>
-              <a:t>하지만 </a:t>
-            </a:r>
-            <a:r>
-              <a:rPr lang="en-US" altLang="ko-KR" dirty="0"/>
-              <a:t>MMOE</a:t>
-            </a:r>
-            <a:r>
-              <a:rPr lang="ko-KR" altLang="en-US" dirty="0"/>
-              <a:t>와 </a:t>
-            </a:r>
-            <a:r>
-              <a:rPr lang="en-US" altLang="ko-KR" dirty="0"/>
-              <a:t>CGC, </a:t>
-            </a:r>
-            <a:r>
-              <a:rPr lang="ko-KR" altLang="en-US" dirty="0"/>
-              <a:t>그리고 </a:t>
-            </a:r>
-            <a:r>
-              <a:rPr lang="en-US" altLang="ko-KR" dirty="0"/>
-              <a:t>ML-MMOE</a:t>
-            </a:r>
-            <a:r>
-              <a:rPr lang="ko-KR" altLang="en-US" dirty="0"/>
-              <a:t>와 </a:t>
-            </a:r>
-            <a:r>
-              <a:rPr lang="en-US" altLang="ko-KR" dirty="0"/>
-              <a:t>PLE </a:t>
-            </a:r>
-            <a:r>
-              <a:rPr lang="ko-KR" altLang="en-US" dirty="0"/>
-              <a:t>관계에서 각 </a:t>
-            </a:r>
-            <a:r>
-              <a:rPr lang="en-US" altLang="ko-KR" dirty="0"/>
-              <a:t>Expert</a:t>
-            </a:r>
-            <a:r>
-              <a:rPr lang="ko-KR" altLang="en-US" dirty="0"/>
-              <a:t>의 사용 비율이 매우 차이나는 것</a:t>
-            </a:r>
-            <a:r>
-              <a:rPr lang="en-US" altLang="ko-KR" dirty="0"/>
-              <a:t>, </a:t>
-            </a:r>
-          </a:p>
-          <a:p>
-            <a:r>
-              <a:rPr lang="ko-KR" altLang="en-US" dirty="0"/>
-              <a:t>그리고 오히려 </a:t>
-            </a:r>
-            <a:r>
-              <a:rPr lang="en-US" altLang="ko-KR" dirty="0"/>
-              <a:t>CGC</a:t>
-            </a:r>
-            <a:r>
-              <a:rPr lang="ko-KR" altLang="en-US" dirty="0"/>
-              <a:t>와 </a:t>
-            </a:r>
-            <a:r>
-              <a:rPr lang="en-US" altLang="ko-KR" dirty="0"/>
-              <a:t>PLE</a:t>
-            </a:r>
-            <a:r>
-              <a:rPr lang="ko-KR" altLang="en-US" dirty="0"/>
-              <a:t>가 </a:t>
-            </a:r>
-            <a:r>
-              <a:rPr lang="en-US" altLang="ko-KR" dirty="0"/>
-              <a:t>MMOE,</a:t>
-            </a:r>
-            <a:r>
-              <a:rPr lang="ko-KR" altLang="en-US" dirty="0"/>
-              <a:t> </a:t>
-            </a:r>
-            <a:r>
-              <a:rPr lang="en-US" altLang="ko-KR" dirty="0"/>
-              <a:t>ML-MMOE</a:t>
-            </a:r>
-            <a:r>
-              <a:rPr lang="ko-KR" altLang="en-US" dirty="0"/>
-              <a:t> 보다 성능이 좋다는 점을 통해 </a:t>
-            </a:r>
-            <a:endParaRPr lang="en-US" altLang="ko-KR" dirty="0"/>
-          </a:p>
-          <a:p>
-            <a:r>
-              <a:rPr lang="en-US" altLang="ko-KR" dirty="0"/>
-              <a:t>MMOE</a:t>
-            </a:r>
-            <a:r>
-              <a:rPr lang="ko-KR" altLang="en-US" dirty="0"/>
-              <a:t>의 </a:t>
-            </a:r>
-            <a:r>
-              <a:rPr lang="en-US" altLang="ko-KR" dirty="0"/>
-              <a:t>Routing strategy</a:t>
-            </a:r>
-            <a:r>
-              <a:rPr lang="ko-KR" altLang="en-US" dirty="0"/>
-              <a:t>는 </a:t>
-            </a:r>
-            <a:r>
-              <a:rPr lang="en-US" altLang="ko-KR" dirty="0"/>
-              <a:t>CGC</a:t>
-            </a:r>
-            <a:r>
-              <a:rPr lang="ko-KR" altLang="en-US" dirty="0"/>
-              <a:t>의 </a:t>
-            </a:r>
-            <a:r>
-              <a:rPr lang="en-US" altLang="ko-KR" dirty="0"/>
-              <a:t>strategy</a:t>
-            </a:r>
-            <a:r>
-              <a:rPr lang="ko-KR" altLang="en-US" dirty="0"/>
-              <a:t>으로 수렴하지 않으며 </a:t>
-            </a:r>
-            <a:r>
-              <a:rPr lang="en-US" altLang="ko-KR" dirty="0"/>
-              <a:t>Optimal </a:t>
-            </a:r>
-            <a:r>
-              <a:rPr lang="ko-KR" altLang="en-US" dirty="0"/>
-              <a:t>하지 않다는 것을 알 수 있습니다</a:t>
-            </a:r>
-            <a:r>
-              <a:rPr lang="en-US" altLang="ko-KR" dirty="0"/>
-              <a:t>. </a:t>
-            </a:r>
-          </a:p>
-          <a:p>
-            <a:endParaRPr lang="en-US" altLang="ko-KR" dirty="0"/>
-          </a:p>
-          <a:p>
-            <a:r>
-              <a:rPr lang="ko-KR" altLang="en-US" dirty="0"/>
-              <a:t>또한 </a:t>
-            </a:r>
-            <a:r>
-              <a:rPr lang="en-US" altLang="ko-KR" dirty="0"/>
-              <a:t>CGC</a:t>
-            </a:r>
-            <a:r>
-              <a:rPr lang="ko-KR" altLang="en-US" dirty="0"/>
-              <a:t>와 </a:t>
-            </a:r>
-            <a:r>
-              <a:rPr lang="en-US" altLang="ko-KR" dirty="0"/>
-              <a:t>PLE</a:t>
-            </a:r>
-            <a:r>
-              <a:rPr lang="ko-KR" altLang="en-US" dirty="0"/>
-              <a:t>의 관계에서</a:t>
-            </a:r>
-            <a:r>
-              <a:rPr lang="en-US" altLang="ko-KR" dirty="0"/>
-              <a:t>, </a:t>
-            </a:r>
-          </a:p>
-          <a:p>
-            <a:r>
-              <a:rPr lang="en-US" altLang="ko-KR" dirty="0"/>
-              <a:t>PLE</a:t>
-            </a:r>
-            <a:r>
-              <a:rPr lang="ko-KR" altLang="en-US" dirty="0"/>
-              <a:t>에서 </a:t>
-            </a:r>
-            <a:r>
-              <a:rPr lang="en-US" altLang="ko-KR" dirty="0"/>
-              <a:t>Shared expert</a:t>
-            </a:r>
-            <a:r>
-              <a:rPr lang="ko-KR" altLang="en-US" dirty="0"/>
-              <a:t>의 비율이 상대적으로 매우 높다는 점</a:t>
-            </a:r>
-            <a:r>
-              <a:rPr lang="en-US" altLang="ko-KR" dirty="0"/>
-              <a:t>, </a:t>
-            </a:r>
-          </a:p>
-          <a:p>
-            <a:r>
-              <a:rPr lang="ko-KR" altLang="en-US" dirty="0"/>
-              <a:t>그리고 </a:t>
-            </a:r>
-            <a:r>
-              <a:rPr lang="en-US" altLang="ko-KR" dirty="0"/>
-              <a:t>PLE</a:t>
-            </a:r>
-            <a:r>
-              <a:rPr lang="ko-KR" altLang="en-US" dirty="0"/>
-              <a:t>의 성능이 </a:t>
-            </a:r>
-            <a:r>
-              <a:rPr lang="en-US" altLang="ko-KR" dirty="0"/>
-              <a:t>CGC</a:t>
-            </a:r>
-            <a:r>
-              <a:rPr lang="ko-KR" altLang="en-US" dirty="0"/>
-              <a:t>보다 좋다는 점을 통해서 </a:t>
-            </a:r>
-            <a:endParaRPr lang="en-US" altLang="ko-KR" dirty="0"/>
-          </a:p>
-          <a:p>
-            <a:r>
-              <a:rPr lang="en-US" altLang="ko-KR" dirty="0"/>
-              <a:t>Progressive</a:t>
-            </a:r>
-            <a:r>
-              <a:rPr lang="ko-KR" altLang="en-US" dirty="0"/>
-              <a:t> </a:t>
-            </a:r>
-            <a:r>
-              <a:rPr lang="en-US" altLang="ko-KR" dirty="0"/>
-              <a:t>separation </a:t>
-            </a:r>
-            <a:r>
-              <a:rPr lang="ko-KR" altLang="en-US" dirty="0"/>
-              <a:t>과 </a:t>
-            </a:r>
-            <a:r>
-              <a:rPr lang="en-US" altLang="ko-KR" dirty="0"/>
-              <a:t>high-level deeper representation </a:t>
-            </a:r>
-            <a:r>
-              <a:rPr lang="ko-KR" altLang="en-US" dirty="0"/>
-              <a:t>이 성능 향상에 도움이 된다는 점을 알 수 있습니다</a:t>
-            </a:r>
-            <a:r>
-              <a:rPr lang="en-US" altLang="ko-KR" dirty="0"/>
-              <a:t>. </a:t>
-            </a:r>
-          </a:p>
-          <a:p>
-            <a:endParaRPr lang="en-US" altLang="ko-KR" dirty="0"/>
-          </a:p>
-          <a:p>
-            <a:endParaRPr lang="en-US" altLang="ko-KR" dirty="0"/>
-          </a:p>
-          <a:p>
-            <a:r>
-              <a:rPr lang="en-US" altLang="ko-KR" dirty="0"/>
-              <a:t>Finally, we can find out insights from the Expert Utilization of the four models MMOE, ML-MMOE, CGC, and PLE. </a:t>
+              <a:rPr lang="en-US" altLang="ko-KR" b="1" dirty="0"/>
+              <a:t>Furthermore, we can find out insights from the Expert Utilization of the four models MMOE, ML-MMOE, CGC, and PLE. </a:t>
             </a:r>
           </a:p>
           <a:p>
@@ -2704,31 +1523,10 @@
           <a:lstStyle/>
           <a:p>
             <a:r>
-              <a:rPr lang="ko-KR" altLang="en-US" dirty="0"/>
-              <a:t>다음은 </a:t>
-            </a:r>
-            <a:r>
-              <a:rPr lang="en-US" altLang="ko-KR" dirty="0"/>
-              <a:t>Paper</a:t>
-            </a:r>
-            <a:r>
-              <a:rPr lang="ko-KR" altLang="en-US" dirty="0"/>
-              <a:t>의 장점과 단점입니다</a:t>
-            </a:r>
-            <a:r>
-              <a:rPr lang="en-US" altLang="ko-KR" dirty="0"/>
-              <a:t>. </a:t>
-            </a:r>
-          </a:p>
-          <a:p>
-            <a:endParaRPr lang="en-US" altLang="ko-KR" dirty="0"/>
-          </a:p>
-          <a:p>
-            <a:r>
-              <a:rPr lang="en-US" altLang="ko-KR" dirty="0"/>
+              <a:rPr lang="en-US" altLang="ko-KR" b="1" dirty="0"/>
               <a:t>The following are the Pros &amp; Cons of Paper.</a:t>
             </a:r>
-            <a:endParaRPr lang="ko-KR" altLang="en-US" dirty="0"/>
+            <a:endParaRPr lang="ko-KR" altLang="en-US" b="1" dirty="0"/>
           </a:p>
         </p:txBody>
       </p:sp>
@@ -2813,31 +1611,10 @@
           <a:lstStyle/>
           <a:p>
             <a:r>
-              <a:rPr lang="ko-KR" altLang="en-US" dirty="0"/>
-              <a:t>강점은 다음 </a:t>
-            </a:r>
-            <a:r>
-              <a:rPr lang="en-US" altLang="ko-KR" dirty="0"/>
-              <a:t>4</a:t>
-            </a:r>
-            <a:r>
-              <a:rPr lang="ko-KR" altLang="en-US" dirty="0"/>
-              <a:t>가지 기준에 맞춰 말씀드리겠습니다</a:t>
-            </a:r>
-            <a:r>
-              <a:rPr lang="en-US" altLang="ko-KR" dirty="0"/>
-              <a:t>.</a:t>
-            </a:r>
-          </a:p>
-          <a:p>
-            <a:endParaRPr lang="en-US" altLang="ko-KR" dirty="0"/>
-          </a:p>
-          <a:p>
-            <a:r>
-              <a:rPr lang="en-US" altLang="ko-KR" dirty="0"/>
+              <a:rPr lang="en-US" altLang="ko-KR" b="1" dirty="0"/>
               <a:t>I will tell you strong point based on the following four criteria.</a:t>
             </a:r>
-            <a:endParaRPr lang="ko-KR" altLang="en-US" dirty="0"/>
+            <a:endParaRPr lang="ko-KR" altLang="en-US" b="1" dirty="0"/>
           </a:p>
         </p:txBody>
       </p:sp>
@@ -2922,24 +1699,8 @@
           <a:lstStyle/>
           <a:p>
             <a:r>
-              <a:rPr lang="ko-KR" altLang="en-US" dirty="0"/>
-              <a:t>첫째</a:t>
-            </a:r>
-            <a:r>
-              <a:rPr lang="en-US" altLang="ko-KR" dirty="0"/>
-              <a:t>, Novel Idea </a:t>
-            </a:r>
-            <a:r>
-              <a:rPr lang="ko-KR" altLang="en-US" dirty="0"/>
-              <a:t>관점에서 </a:t>
-            </a:r>
-            <a:r>
-              <a:rPr lang="en-US" altLang="ko-KR" dirty="0"/>
-              <a:t>3</a:t>
-            </a:r>
-            <a:r>
-              <a:rPr lang="ko-KR" altLang="en-US" dirty="0"/>
-              <a:t>가지를 뽑았습니다</a:t>
+              <a:rPr lang="en-US" altLang="ko-KR" b="1" dirty="0"/>
+              <a:t>First, I chose three point in the aspect of the Novel Idea perspective</a:t>
             </a:r>
             <a:r>
               <a:rPr lang="en-US" altLang="ko-KR" dirty="0"/>
@@ -2951,168 +1712,42 @@
           </a:p>
           <a:p>
             <a:r>
-              <a:rPr lang="ko-KR" altLang="en-US" dirty="0"/>
-              <a:t>먼저 </a:t>
-            </a:r>
-            <a:r>
-              <a:rPr lang="en-US" altLang="ko-KR" dirty="0"/>
-              <a:t>Seesaw phenomenon</a:t>
-            </a:r>
-            <a:r>
-              <a:rPr lang="ko-KR" altLang="en-US" dirty="0"/>
-              <a:t>을 최초로 정의하고</a:t>
-            </a:r>
-            <a:r>
-              <a:rPr lang="en-US" altLang="ko-KR" dirty="0"/>
-              <a:t>, </a:t>
-            </a:r>
-            <a:r>
-              <a:rPr lang="ko-KR" altLang="en-US" dirty="0"/>
-              <a:t>왜 이것이 발생하는지를 구체화한 것입니다</a:t>
-            </a:r>
-            <a:r>
-              <a:rPr lang="en-US" altLang="ko-KR" dirty="0"/>
-              <a:t>. </a:t>
-            </a:r>
-          </a:p>
-          <a:p>
-            <a:r>
-              <a:rPr lang="ko-KR" altLang="en-US" dirty="0"/>
-              <a:t>이를 통해서 왜 기존의 방법들과 달리 </a:t>
-            </a:r>
-            <a:r>
-              <a:rPr lang="en-US" altLang="ko-KR" dirty="0"/>
-              <a:t>PLE </a:t>
-            </a:r>
-            <a:r>
-              <a:rPr lang="ko-KR" altLang="en-US" dirty="0"/>
-              <a:t>방법이 성능을 더욱 향상시킬 수 있는지에 대한 근거를 제시할 수 있었으며</a:t>
-            </a:r>
-            <a:r>
-              <a:rPr lang="en-US" altLang="ko-KR" dirty="0"/>
-              <a:t>, </a:t>
-            </a:r>
-          </a:p>
-          <a:p>
-            <a:r>
-              <a:rPr lang="ko-KR" altLang="en-US" dirty="0"/>
-              <a:t>또한 </a:t>
-            </a:r>
-            <a:r>
-              <a:rPr lang="en-US" altLang="ko-KR" dirty="0"/>
-              <a:t>Seesaw phenomenon </a:t>
-            </a:r>
-            <a:r>
-              <a:rPr lang="ko-KR" altLang="en-US" dirty="0"/>
-              <a:t>상황이 발생할 수 있는 경우를 미리 대비할 수 있기 때문입니다</a:t>
-            </a:r>
-            <a:r>
-              <a:rPr lang="en-US" altLang="ko-KR" dirty="0"/>
-              <a:t>. </a:t>
-            </a:r>
-          </a:p>
-          <a:p>
+              <a:rPr lang="en-US" altLang="ko-KR" dirty="0"/>
+              <a:t>First, paper define Seesaw phenomenon and then specify why this is happening. </a:t>
+            </a:r>
+          </a:p>
+          <a:p>
+            <a:r>
+              <a:rPr lang="en-US" altLang="ko-KR" b="1" dirty="0"/>
+              <a:t>This provided a basic reason for why the PLE method could further improve performance, unlike previous methods </a:t>
+            </a:r>
+          </a:p>
+          <a:p>
+            <a:r>
+              <a:rPr lang="en-US" altLang="ko-KR" b="1" dirty="0"/>
+              <a:t>It's also make to prepare in advance for situation where Seesaw phenomenon could happen</a:t>
+            </a:r>
             <a:endParaRPr lang="en-US" altLang="ko-KR" dirty="0"/>
           </a:p>
           <a:p>
-            <a:r>
-              <a:rPr lang="ko-KR" altLang="en-US" dirty="0"/>
-              <a:t>둘째로 </a:t>
-            </a:r>
-            <a:r>
-              <a:rPr lang="en-US" altLang="ko-KR" dirty="0"/>
-              <a:t>Seesaw Phenomenon</a:t>
-            </a:r>
-            <a:r>
-              <a:rPr lang="ko-KR" altLang="en-US" dirty="0"/>
-              <a:t>과 </a:t>
-            </a:r>
-            <a:r>
-              <a:rPr lang="en-US" altLang="ko-KR" dirty="0"/>
-              <a:t>Negative transfer </a:t>
-            </a:r>
-            <a:r>
-              <a:rPr lang="ko-KR" altLang="en-US" dirty="0"/>
-              <a:t>모두를 함께 해결하며</a:t>
-            </a:r>
-            <a:r>
-              <a:rPr lang="en-US" altLang="ko-KR" dirty="0"/>
-              <a:t>, </a:t>
-            </a:r>
-          </a:p>
-          <a:p>
-            <a:r>
-              <a:rPr lang="ko-KR" altLang="en-US" dirty="0"/>
-              <a:t>대다수의 경우 </a:t>
-            </a:r>
-            <a:r>
-              <a:rPr lang="en-US" altLang="ko-KR" dirty="0"/>
-              <a:t>SOTA</a:t>
-            </a:r>
-            <a:r>
-              <a:rPr lang="ko-KR" altLang="en-US" dirty="0"/>
-              <a:t> 결과를 도출한 점입니다</a:t>
-            </a:r>
-            <a:r>
-              <a:rPr lang="en-US" altLang="ko-KR" dirty="0"/>
-              <a:t>. </a:t>
-            </a:r>
-          </a:p>
-          <a:p>
-            <a:r>
-              <a:rPr lang="ko-KR" altLang="en-US" dirty="0"/>
-              <a:t>그 중에서도 </a:t>
-            </a:r>
-            <a:r>
-              <a:rPr lang="en-US" altLang="ko-KR" dirty="0"/>
-              <a:t>Shared expert </a:t>
-            </a:r>
-            <a:r>
-              <a:rPr lang="ko-KR" altLang="en-US" dirty="0"/>
-              <a:t>와 </a:t>
-            </a:r>
-            <a:r>
-              <a:rPr lang="en-US" altLang="ko-KR" dirty="0"/>
-              <a:t>Specific expert </a:t>
-            </a:r>
-            <a:r>
-              <a:rPr lang="ko-KR" altLang="en-US" dirty="0"/>
-              <a:t>를</a:t>
-            </a:r>
-            <a:r>
-              <a:rPr lang="en-US" altLang="ko-KR" dirty="0"/>
-              <a:t> </a:t>
-            </a:r>
-            <a:r>
-              <a:rPr lang="ko-KR" altLang="en-US" dirty="0"/>
-              <a:t>구별하면서도 적절한 </a:t>
-            </a:r>
-            <a:r>
-              <a:rPr lang="en-US" altLang="ko-KR" dirty="0"/>
-              <a:t>routing Strategy</a:t>
-            </a:r>
-            <a:r>
-              <a:rPr lang="ko-KR" altLang="en-US" dirty="0"/>
-              <a:t>를 적용한다는 개념은 </a:t>
-            </a:r>
             <a:endParaRPr lang="en-US" altLang="ko-KR" dirty="0"/>
           </a:p>
           <a:p>
             <a:r>
-              <a:rPr lang="ko-KR" altLang="en-US" dirty="0"/>
-              <a:t>다른 </a:t>
-            </a:r>
-            <a:r>
-              <a:rPr lang="en-US" altLang="ko-KR" dirty="0"/>
-              <a:t>MTL </a:t>
-            </a:r>
-            <a:r>
-              <a:rPr lang="ko-KR" altLang="en-US" dirty="0"/>
-              <a:t>방법론에도 넓게 적용할 수 있어 보입니다</a:t>
-            </a:r>
-            <a:r>
-              <a:rPr lang="en-US" altLang="ko-KR" dirty="0"/>
-              <a:t>. </a:t>
+              <a:rPr lang="en-US" altLang="ko-KR" dirty="0"/>
+              <a:t>Secondly, PLE solve both of Seesaw Phenomenon and Negative transfer</a:t>
+            </a:r>
+          </a:p>
+          <a:p>
+            <a:r>
+              <a:rPr lang="en-US" altLang="ko-KR" b="1" dirty="0"/>
+              <a:t>Especially, the concept of applying appropriate routing strategy for distinguishing between shared and specific experts is </a:t>
+            </a:r>
+          </a:p>
+          <a:p>
+            <a:r>
+              <a:rPr lang="en-US" altLang="ko-KR" b="1" dirty="0"/>
+              <a:t>seems to be widely applicable to other MTL methodologies. </a:t>
             </a:r>
           </a:p>
           <a:p>
@@ -3120,165 +1755,22 @@
           </a:p>
           <a:p>
             <a:r>
-              <a:rPr lang="ko-KR" altLang="en-US" dirty="0"/>
-              <a:t> </a:t>
-            </a:r>
-            <a:endParaRPr lang="en-US" altLang="ko-KR" dirty="0"/>
-          </a:p>
-          <a:p>
-            <a:r>
-              <a:rPr lang="ko-KR" altLang="en-US" dirty="0"/>
-              <a:t>마지막으로 </a:t>
-            </a:r>
-            <a:r>
-              <a:rPr lang="en-US" altLang="ko-KR" dirty="0"/>
-              <a:t>MMOE</a:t>
-            </a:r>
-            <a:r>
-              <a:rPr lang="ko-KR" altLang="en-US" dirty="0"/>
-              <a:t>와 </a:t>
-            </a:r>
-            <a:r>
-              <a:rPr lang="en-US" altLang="ko-KR" dirty="0"/>
-              <a:t>CGC</a:t>
-            </a:r>
-            <a:r>
-              <a:rPr lang="ko-KR" altLang="en-US" dirty="0"/>
-              <a:t>의 비교를 통해 설명 드린</a:t>
-            </a:r>
-            <a:r>
-              <a:rPr lang="en-US" altLang="ko-KR" dirty="0"/>
-              <a:t>,</a:t>
-            </a:r>
-            <a:r>
-              <a:rPr lang="ko-KR" altLang="en-US" dirty="0"/>
-              <a:t> </a:t>
-            </a:r>
-            <a:endParaRPr lang="en-US" altLang="ko-KR" dirty="0"/>
-          </a:p>
-          <a:p>
-            <a:r>
-              <a:rPr lang="ko-KR" altLang="en-US" dirty="0"/>
-              <a:t>모든 경우를 고려하는 </a:t>
-            </a:r>
-            <a:r>
-              <a:rPr lang="en-US" altLang="ko-KR" dirty="0"/>
-              <a:t>Routing Strategy </a:t>
-            </a:r>
-            <a:r>
-              <a:rPr lang="ko-KR" altLang="en-US" dirty="0"/>
-              <a:t>보다 특정 연결만을 고려한 모델이 더 나을 수 있음을 확인하였습니다</a:t>
-            </a:r>
-            <a:r>
-              <a:rPr lang="en-US" altLang="ko-KR" dirty="0"/>
-              <a:t>. </a:t>
-            </a:r>
-          </a:p>
-          <a:p>
-            <a:r>
-              <a:rPr lang="ko-KR" altLang="en-US" dirty="0"/>
-              <a:t>이를 통해서 좋은 </a:t>
-            </a:r>
-            <a:r>
-              <a:rPr lang="en-US" altLang="ko-KR" dirty="0"/>
-              <a:t>Network structure</a:t>
-            </a:r>
-            <a:r>
-              <a:rPr lang="ko-KR" altLang="en-US" dirty="0"/>
-              <a:t>을 구성할 이유를 다시 한번 확인할 수 있습니다</a:t>
-            </a:r>
-            <a:r>
-              <a:rPr lang="en-US" altLang="ko-KR" dirty="0"/>
-              <a:t>. </a:t>
-            </a:r>
-          </a:p>
-          <a:p>
-            <a:endParaRPr lang="en-US" altLang="ko-KR" dirty="0"/>
-          </a:p>
-          <a:p>
-            <a:endParaRPr lang="en-US" altLang="ko-KR" dirty="0"/>
-          </a:p>
-          <a:p>
-            <a:r>
-              <a:rPr lang="en-US" altLang="ko-KR" dirty="0"/>
-              <a:t>First, I chose three point from the Novel Idea perspective. </a:t>
-            </a:r>
-          </a:p>
-          <a:p>
-            <a:endParaRPr lang="en-US" altLang="ko-KR" dirty="0"/>
-          </a:p>
-          <a:p>
-            <a:r>
-              <a:rPr lang="en-US" altLang="ko-KR" dirty="0"/>
-              <a:t>First, paper define Seesaw phenomenon and then specify why this is happening. </a:t>
-            </a:r>
-          </a:p>
-          <a:p>
-            <a:r>
-              <a:rPr lang="en-US" altLang="ko-KR" dirty="0"/>
-              <a:t>This provided a basic reason for why the PLE method could further improve performance, unlike previous methods </a:t>
-            </a:r>
-          </a:p>
-          <a:p>
-            <a:r>
-              <a:rPr lang="en-US" altLang="ko-KR" dirty="0"/>
-              <a:t>It's also make to prepare in advance for a possible Seesaw phenomenon situation. </a:t>
-            </a:r>
-          </a:p>
-          <a:p>
-            <a:endParaRPr lang="en-US" altLang="ko-KR" dirty="0"/>
-          </a:p>
-          <a:p>
-            <a:r>
-              <a:rPr lang="en-US" altLang="ko-KR" dirty="0"/>
-              <a:t>Secondly, PLE solve both of Seesaw Phenomenon and Negative transfer</a:t>
-            </a:r>
-          </a:p>
-          <a:p>
-            <a:r>
-              <a:rPr lang="en-US" altLang="ko-KR" dirty="0"/>
-              <a:t>In most cases, SOTA results are derived. </a:t>
-            </a:r>
-          </a:p>
-          <a:p>
-            <a:r>
-              <a:rPr lang="en-US" altLang="ko-KR" dirty="0"/>
-              <a:t>Among them, the concept of applying appropriate routing strategy for distinguishing between shared and specific experts is </a:t>
-            </a:r>
-          </a:p>
-          <a:p>
-            <a:r>
-              <a:rPr lang="en-US" altLang="ko-KR" dirty="0"/>
-              <a:t>seems to be widely applicable to other MTL methodologies. </a:t>
-            </a:r>
-          </a:p>
-          <a:p>
-            <a:endParaRPr lang="en-US" altLang="ko-KR" dirty="0"/>
-          </a:p>
-          <a:p>
-            <a:r>
-              <a:rPr lang="en-US" altLang="ko-KR" dirty="0"/>
-              <a:t> </a:t>
-            </a:r>
-          </a:p>
-          <a:p>
-            <a:r>
               <a:rPr lang="en-US" altLang="ko-KR" dirty="0"/>
               <a:t>Finally, I explained through the comparison between MMOE and CGC </a:t>
             </a:r>
           </a:p>
           <a:p>
             <a:r>
-              <a:rPr lang="en-US" altLang="ko-KR" dirty="0"/>
-              <a:t>We have confirmed that a model that considers only certain connections can be better than a routing strategy that considers all cases. </a:t>
-            </a:r>
-          </a:p>
-          <a:p>
-            <a:r>
-              <a:rPr lang="en-US" altLang="ko-KR" dirty="0"/>
-              <a:t>This will help you see again why you want to configure a good network structure.</a:t>
-            </a:r>
-            <a:endParaRPr lang="ko-KR" altLang="en-US" dirty="0"/>
+              <a:rPr lang="en-US" altLang="ko-KR" b="1" dirty="0"/>
+              <a:t>I already explain that by comparing MMOE &amp; CGC </a:t>
+            </a:r>
+          </a:p>
+          <a:p>
+            <a:r>
+              <a:rPr lang="en-US" altLang="ko-KR" b="1" dirty="0"/>
+              <a:t>This is good example to check importance of network structure</a:t>
+            </a:r>
+            <a:endParaRPr lang="ko-KR" altLang="en-US" b="1" dirty="0"/>
           </a:p>
         </p:txBody>
       </p:sp>
@@ -3362,75 +1854,6 @@
           <a:bodyPr/>
           <a:lstStyle/>
           <a:p>
-            <a:r>
-              <a:rPr lang="ko-KR" altLang="en-US" dirty="0"/>
-              <a:t>발표 순서는 다음과 같이</a:t>
-            </a:r>
-            <a:endParaRPr lang="en-US" altLang="ko-KR" dirty="0"/>
-          </a:p>
-          <a:p>
-            <a:pPr marL="228600" indent="-228600">
-              <a:buAutoNum type="arabicPeriod"/>
-            </a:pPr>
-            <a:r>
-              <a:rPr lang="en-US" altLang="ko-KR" dirty="0"/>
-              <a:t>Summary</a:t>
-            </a:r>
-            <a:r>
-              <a:rPr lang="ko-KR" altLang="en-US" dirty="0"/>
-              <a:t> </a:t>
-            </a:r>
-            <a:r>
-              <a:rPr lang="en-US" altLang="ko-KR" dirty="0"/>
-              <a:t>of</a:t>
-            </a:r>
-            <a:r>
-              <a:rPr lang="ko-KR" altLang="en-US" dirty="0"/>
-              <a:t> </a:t>
-            </a:r>
-            <a:r>
-              <a:rPr lang="en-US" altLang="ko-KR" dirty="0"/>
-              <a:t>Paper </a:t>
-            </a:r>
-          </a:p>
-          <a:p>
-            <a:pPr marL="228600" indent="-228600">
-              <a:buAutoNum type="arabicPeriod"/>
-            </a:pPr>
-            <a:r>
-              <a:rPr lang="en-US" altLang="ko-KR" dirty="0"/>
-              <a:t>Pros &amp; Cons of Paper </a:t>
-            </a:r>
-          </a:p>
-          <a:p>
-            <a:pPr marL="228600" indent="-228600">
-              <a:buAutoNum type="arabicPeriod"/>
-            </a:pPr>
-            <a:r>
-              <a:rPr lang="en-US" altLang="ko-KR" dirty="0"/>
-              <a:t>Research Idea </a:t>
-            </a:r>
-          </a:p>
-          <a:p>
-            <a:pPr marL="0" indent="0">
-              <a:buNone/>
-            </a:pPr>
-            <a:r>
-              <a:rPr lang="ko-KR" altLang="en-US" dirty="0"/>
-              <a:t>로 구성하였습니다</a:t>
-            </a:r>
-            <a:r>
-              <a:rPr lang="en-US" altLang="ko-KR" dirty="0"/>
-              <a:t>. </a:t>
-            </a:r>
-          </a:p>
-          <a:p>
-            <a:pPr marL="0" indent="0">
-              <a:buNone/>
-            </a:pPr>
-            <a:endParaRPr lang="en-US" altLang="ko-KR" dirty="0"/>
-          </a:p>
-          <a:p>
             <a:pPr marL="0" indent="0">
               <a:buNone/>
             </a:pPr>
@@ -3561,24 +1984,8 @@
           <a:lstStyle/>
           <a:p>
             <a:r>
-              <a:rPr lang="en-US" altLang="ko-KR" dirty="0"/>
-              <a:t>PLE</a:t>
-            </a:r>
-            <a:r>
-              <a:rPr lang="ko-KR" altLang="en-US" dirty="0"/>
-              <a:t>는 크게 </a:t>
-            </a:r>
-            <a:r>
-              <a:rPr lang="en-US" altLang="ko-KR" dirty="0"/>
-              <a:t>2</a:t>
-            </a:r>
-            <a:r>
-              <a:rPr lang="ko-KR" altLang="en-US" dirty="0"/>
-              <a:t>부분에서 큰 동기를 얻습니다</a:t>
-            </a:r>
-            <a:r>
-              <a:rPr lang="en-US" altLang="ko-KR" dirty="0"/>
-              <a:t>.</a:t>
+              <a:rPr lang="en-US" altLang="ko-KR" b="1" dirty="0"/>
+              <a:t>The PLE is largely motivated by two parts.</a:t>
             </a:r>
           </a:p>
           <a:p>
@@ -3586,248 +1993,19 @@
           </a:p>
           <a:p>
             <a:r>
-              <a:rPr lang="ko-KR" altLang="en-US" dirty="0"/>
-              <a:t>먼저 </a:t>
-            </a:r>
-            <a:r>
-              <a:rPr lang="en-US" altLang="ko-KR" dirty="0"/>
-              <a:t>Negative transfer </a:t>
-            </a:r>
-            <a:r>
-              <a:rPr lang="ko-KR" altLang="en-US" dirty="0"/>
-              <a:t>과 </a:t>
-            </a:r>
-            <a:r>
-              <a:rPr lang="en-US" altLang="ko-KR" dirty="0"/>
-              <a:t>seesaw Phenomenon</a:t>
-            </a:r>
-            <a:r>
-              <a:rPr lang="ko-KR" altLang="en-US" dirty="0"/>
-              <a:t>은 </a:t>
-            </a:r>
-            <a:r>
-              <a:rPr lang="en-US" altLang="ko-KR" dirty="0"/>
-              <a:t>MTL </a:t>
-            </a:r>
-            <a:r>
-              <a:rPr lang="ko-KR" altLang="en-US" dirty="0"/>
-              <a:t>에서 흔히 발생하는 문제라는 점입니다</a:t>
-            </a:r>
-            <a:r>
-              <a:rPr lang="en-US" altLang="ko-KR" dirty="0"/>
-              <a:t>. </a:t>
-            </a:r>
-          </a:p>
-          <a:p>
-            <a:r>
-              <a:rPr lang="ko-KR" altLang="en-US" dirty="0"/>
-              <a:t>특히 </a:t>
-            </a:r>
-            <a:r>
-              <a:rPr lang="en-US" altLang="ko-KR" dirty="0"/>
-              <a:t>Negative Transfer</a:t>
-            </a:r>
-            <a:r>
-              <a:rPr lang="ko-KR" altLang="en-US" dirty="0"/>
-              <a:t>과 </a:t>
-            </a:r>
-            <a:r>
-              <a:rPr lang="en-US" altLang="ko-KR" dirty="0"/>
-              <a:t>Seesaw Phenomenon</a:t>
-            </a:r>
-            <a:r>
-              <a:rPr lang="ko-KR" altLang="en-US" dirty="0"/>
-              <a:t>의 발생 조건이 상반되어</a:t>
-            </a:r>
-            <a:r>
-              <a:rPr lang="en-US" altLang="ko-KR" dirty="0"/>
-              <a:t>, </a:t>
-            </a:r>
-            <a:r>
-              <a:rPr lang="ko-KR" altLang="en-US" dirty="0"/>
-              <a:t>대부분의 </a:t>
-            </a:r>
-            <a:r>
-              <a:rPr lang="en-US" altLang="ko-KR" dirty="0"/>
-              <a:t>MTL </a:t>
-            </a:r>
-            <a:r>
-              <a:rPr lang="ko-KR" altLang="en-US" dirty="0"/>
-              <a:t>문제에서 둘 중 하나는 쉽게 마주칠 수 있습니다</a:t>
-            </a:r>
-            <a:r>
-              <a:rPr lang="en-US" altLang="ko-KR" dirty="0"/>
-              <a:t>. </a:t>
-            </a:r>
-          </a:p>
-          <a:p>
-            <a:r>
-              <a:rPr lang="ko-KR" altLang="en-US" dirty="0"/>
-              <a:t>따라서 두 문제 모두 해결할 수 있는 </a:t>
-            </a:r>
-            <a:r>
-              <a:rPr lang="en-US" altLang="ko-KR" dirty="0"/>
-              <a:t>PLE</a:t>
-            </a:r>
-            <a:r>
-              <a:rPr lang="ko-KR" altLang="en-US" dirty="0"/>
-              <a:t>는 좋은 방법이라 할 수 있습니다</a:t>
-            </a:r>
-            <a:r>
-              <a:rPr lang="en-US" altLang="ko-KR" dirty="0"/>
-              <a:t>. </a:t>
-            </a:r>
-          </a:p>
-          <a:p>
-            <a:endParaRPr lang="en-US" altLang="ko-KR" dirty="0"/>
-          </a:p>
-          <a:p>
-            <a:r>
-              <a:rPr lang="ko-KR" altLang="en-US" dirty="0"/>
-              <a:t>또한 각</a:t>
-            </a:r>
-            <a:r>
-              <a:rPr lang="en-US" altLang="ko-KR" dirty="0"/>
-              <a:t> Task</a:t>
-            </a:r>
-            <a:r>
-              <a:rPr lang="ko-KR" altLang="en-US" dirty="0"/>
-              <a:t> 별로 </a:t>
-            </a:r>
-            <a:r>
-              <a:rPr lang="en-US" altLang="ko-KR" dirty="0"/>
-              <a:t>AUC/MSE</a:t>
-            </a:r>
-            <a:r>
-              <a:rPr lang="ko-KR" altLang="en-US" dirty="0"/>
-              <a:t>를 </a:t>
-            </a:r>
-            <a:r>
-              <a:rPr lang="en-US" altLang="ko-KR" dirty="0"/>
-              <a:t>0.1% </a:t>
-            </a:r>
-            <a:r>
-              <a:rPr lang="ko-KR" altLang="en-US" dirty="0"/>
-              <a:t>라도 향상시키는 것은 온라인 정책에 있어 큰 개선을 가져옵니다</a:t>
-            </a:r>
-            <a:r>
-              <a:rPr lang="en-US" altLang="ko-KR" dirty="0"/>
-              <a:t>. </a:t>
-            </a:r>
-          </a:p>
-          <a:p>
-            <a:r>
-              <a:rPr lang="en-US" altLang="ko-KR" dirty="0"/>
-              <a:t>Paper</a:t>
-            </a:r>
-            <a:r>
-              <a:rPr lang="ko-KR" altLang="en-US" dirty="0"/>
-              <a:t>에서도 </a:t>
-            </a:r>
-            <a:r>
-              <a:rPr lang="en-US" altLang="ko-KR" dirty="0"/>
-              <a:t>VCR’s MSE</a:t>
-            </a:r>
-            <a:r>
-              <a:rPr lang="ko-KR" altLang="en-US" dirty="0"/>
-              <a:t>를 </a:t>
-            </a:r>
-            <a:r>
-              <a:rPr lang="en-US" altLang="ko-KR" dirty="0"/>
-              <a:t>1.1% </a:t>
-            </a:r>
-            <a:r>
-              <a:rPr lang="ko-KR" altLang="en-US" dirty="0"/>
-              <a:t>줄이고</a:t>
-            </a:r>
-            <a:r>
-              <a:rPr lang="en-US" altLang="ko-KR" dirty="0"/>
-              <a:t>, VTR’s AUC</a:t>
-            </a:r>
-            <a:r>
-              <a:rPr lang="ko-KR" altLang="en-US" dirty="0"/>
-              <a:t>를 </a:t>
-            </a:r>
-            <a:r>
-              <a:rPr lang="en-US" altLang="ko-KR" dirty="0"/>
-              <a:t>0.7% </a:t>
-            </a:r>
-            <a:r>
-              <a:rPr lang="ko-KR" altLang="en-US" dirty="0"/>
-              <a:t>증가시켰습니다</a:t>
-            </a:r>
-            <a:r>
-              <a:rPr lang="en-US" altLang="ko-KR" dirty="0"/>
-              <a:t>. </a:t>
-            </a:r>
-          </a:p>
-          <a:p>
-            <a:r>
-              <a:rPr lang="ko-KR" altLang="en-US" dirty="0"/>
-              <a:t>이는 추후에 </a:t>
-            </a:r>
-            <a:r>
-              <a:rPr lang="en-US" altLang="ko-KR" dirty="0"/>
-              <a:t>Total view count 4.17% </a:t>
-            </a:r>
-            <a:r>
-              <a:rPr lang="ko-KR" altLang="en-US" dirty="0"/>
-              <a:t>증가</a:t>
-            </a:r>
-            <a:r>
-              <a:rPr lang="en-US" altLang="ko-KR" dirty="0"/>
-              <a:t>, Total watch time</a:t>
-            </a:r>
-            <a:r>
-              <a:rPr lang="ko-KR" altLang="en-US" dirty="0"/>
-              <a:t>에 </a:t>
-            </a:r>
-            <a:r>
-              <a:rPr lang="en-US" altLang="ko-KR" dirty="0"/>
-              <a:t>3.57% </a:t>
-            </a:r>
-            <a:r>
-              <a:rPr lang="ko-KR" altLang="en-US" dirty="0"/>
-              <a:t>증가라는 큰 개선을 가져왔습니다</a:t>
-            </a:r>
-            <a:r>
-              <a:rPr lang="en-US" altLang="ko-KR" dirty="0"/>
-              <a:t>. </a:t>
-            </a:r>
-          </a:p>
-          <a:p>
-            <a:endParaRPr lang="en-US" altLang="ko-KR" dirty="0"/>
-          </a:p>
-          <a:p>
-            <a:endParaRPr lang="en-US" altLang="ko-KR" dirty="0"/>
-          </a:p>
-          <a:p>
-            <a:endParaRPr lang="en-US" altLang="ko-KR" dirty="0"/>
-          </a:p>
-          <a:p>
-            <a:r>
-              <a:rPr lang="en-US" altLang="ko-KR" dirty="0"/>
-              <a:t>The PLE is largely motivated by two parts.</a:t>
-            </a:r>
-          </a:p>
-          <a:p>
-            <a:endParaRPr lang="en-US" altLang="ko-KR" dirty="0"/>
-          </a:p>
-          <a:p>
-            <a:r>
               <a:rPr lang="en-US" altLang="ko-KR" dirty="0"/>
               <a:t>First, Negative transfer and seesaw Phenomenon are common problems in MTL. </a:t>
             </a:r>
           </a:p>
           <a:p>
             <a:r>
-              <a:rPr lang="en-US" altLang="ko-KR" dirty="0"/>
-              <a:t>In particular, the occurrence conditions of Negative Transfer and Seesaw Phenomenon are contradictory, so one of them can be easily encountered in most MTL problems. </a:t>
-            </a:r>
-          </a:p>
-          <a:p>
-            <a:r>
-              <a:rPr lang="en-US" altLang="ko-KR" dirty="0"/>
+              <a:rPr lang="en-US" altLang="ko-KR" b="1" dirty="0"/>
+              <a:t>Since, the occurrence conditions of Negative Transfer and Seesaw Phenomenon are contradictory, so one of them can be easily encountered in most MTL problems. </a:t>
+            </a:r>
+          </a:p>
+          <a:p>
+            <a:r>
+              <a:rPr lang="en-US" altLang="ko-KR" b="1" dirty="0"/>
               <a:t>And PLE is a good way to solve both problems. </a:t>
             </a:r>
           </a:p>
@@ -3936,105 +2114,7 @@
           <a:lstStyle/>
           <a:p>
             <a:r>
-              <a:rPr lang="en-US" altLang="ko-KR" dirty="0"/>
-              <a:t>PLE</a:t>
-            </a:r>
-            <a:r>
-              <a:rPr lang="ko-KR" altLang="en-US" dirty="0"/>
-              <a:t>은 </a:t>
-            </a:r>
-            <a:r>
-              <a:rPr lang="en-US" altLang="ko-KR" dirty="0"/>
-              <a:t>Reproducible </a:t>
-            </a:r>
-            <a:r>
-              <a:rPr lang="ko-KR" altLang="en-US" dirty="0"/>
-              <a:t>관점에서도 강점을 가집니다</a:t>
-            </a:r>
-            <a:r>
-              <a:rPr lang="en-US" altLang="ko-KR" dirty="0"/>
-              <a:t>. </a:t>
-            </a:r>
-          </a:p>
-          <a:p>
-            <a:endParaRPr lang="en-US" altLang="ko-KR" dirty="0"/>
-          </a:p>
-          <a:p>
-            <a:r>
-              <a:rPr lang="en-US" altLang="ko-KR" dirty="0"/>
-              <a:t>1.4 mil Synthetic Data</a:t>
-            </a:r>
-            <a:r>
-              <a:rPr lang="ko-KR" altLang="en-US" dirty="0"/>
-              <a:t>를 사용하여 검증했을 때</a:t>
-            </a:r>
-            <a:r>
-              <a:rPr lang="en-US" altLang="ko-KR" dirty="0"/>
-              <a:t>,</a:t>
-            </a:r>
-            <a:r>
-              <a:rPr lang="ko-KR" altLang="en-US" dirty="0"/>
-              <a:t> 매 순간 </a:t>
-            </a:r>
-            <a:r>
-              <a:rPr lang="en-US" altLang="ko-KR" dirty="0"/>
-              <a:t>MMOE</a:t>
-            </a:r>
-            <a:r>
-              <a:rPr lang="ko-KR" altLang="en-US" dirty="0"/>
-              <a:t>보다 좋은 성과를 가져왔습니다</a:t>
-            </a:r>
-            <a:r>
-              <a:rPr lang="en-US" altLang="ko-KR" dirty="0"/>
-              <a:t>.</a:t>
-            </a:r>
-          </a:p>
-          <a:p>
-            <a:endParaRPr lang="en-US" altLang="ko-KR" dirty="0"/>
-          </a:p>
-          <a:p>
-            <a:r>
-              <a:rPr lang="ko-KR" altLang="en-US" dirty="0"/>
-              <a:t>또한 </a:t>
-            </a:r>
-            <a:r>
-              <a:rPr lang="en-US" altLang="ko-KR" dirty="0"/>
-              <a:t>Census-income Dataset </a:t>
-            </a:r>
-            <a:r>
-              <a:rPr lang="ko-KR" altLang="en-US" dirty="0"/>
-              <a:t>및 </a:t>
-            </a:r>
-            <a:r>
-              <a:rPr lang="en-US" altLang="ko-KR" dirty="0"/>
-              <a:t>Ali-CCP Dataset</a:t>
-            </a:r>
-            <a:r>
-              <a:rPr lang="ko-KR" altLang="en-US" dirty="0"/>
-              <a:t>과 같이 공공 데이터에서도 </a:t>
-            </a:r>
-            <a:r>
-              <a:rPr lang="en-US" altLang="ko-KR" dirty="0"/>
-              <a:t>MMOE </a:t>
-            </a:r>
-            <a:r>
-              <a:rPr lang="ko-KR" altLang="en-US" dirty="0"/>
-              <a:t>보다 좋은 결과를 도출했습니다</a:t>
-            </a:r>
-            <a:r>
-              <a:rPr lang="en-US" altLang="ko-KR" dirty="0"/>
-              <a:t>. </a:t>
-            </a:r>
-          </a:p>
-          <a:p>
-            <a:endParaRPr lang="en-US" altLang="ko-KR" dirty="0"/>
-          </a:p>
-          <a:p>
-            <a:endParaRPr lang="en-US" altLang="ko-KR" dirty="0"/>
-          </a:p>
-          <a:p>
-            <a:r>
-              <a:rPr lang="en-US" altLang="ko-KR" dirty="0"/>
+              <a:rPr lang="en-US" altLang="ko-KR" b="1" dirty="0"/>
               <a:t>PLE also has strength in terms of reproducible. </a:t>
             </a:r>
           </a:p>
@@ -4137,101 +2217,9 @@
           <a:lstStyle/>
           <a:p>
             <a:r>
-              <a:rPr lang="en-US" altLang="ko-KR" dirty="0"/>
-              <a:t>Tencent Video</a:t>
-            </a:r>
-            <a:r>
-              <a:rPr lang="ko-KR" altLang="en-US" dirty="0"/>
-              <a:t>의 </a:t>
-            </a:r>
-            <a:r>
-              <a:rPr lang="en-US" altLang="ko-KR" dirty="0"/>
-              <a:t>1 bil</a:t>
-            </a:r>
-            <a:r>
-              <a:rPr lang="ko-KR" altLang="en-US" dirty="0"/>
-              <a:t>의 데이터를 활용하여 </a:t>
-            </a:r>
-            <a:r>
-              <a:rPr lang="en-US" altLang="ko-KR" dirty="0"/>
-              <a:t>PLE</a:t>
-            </a:r>
-            <a:r>
-              <a:rPr lang="ko-KR" altLang="en-US" dirty="0"/>
-              <a:t>의 성능이 특정 소수 상황에 국한된 것이 아님을 보였습니다</a:t>
-            </a:r>
-            <a:r>
-              <a:rPr lang="en-US" altLang="ko-KR" dirty="0"/>
-              <a:t>. </a:t>
-            </a:r>
-          </a:p>
-          <a:p>
-            <a:endParaRPr lang="en-US" altLang="ko-KR" dirty="0"/>
-          </a:p>
-          <a:p>
-            <a:r>
-              <a:rPr lang="ko-KR" altLang="en-US" dirty="0"/>
-              <a:t>또한 지표 상으로도 </a:t>
-            </a:r>
-            <a:r>
-              <a:rPr lang="en-US" altLang="ko-KR" dirty="0"/>
-              <a:t>Strong Correlation Between Variable </a:t>
-            </a:r>
-            <a:r>
-              <a:rPr lang="ko-KR" altLang="en-US" dirty="0"/>
-              <a:t>상황에서 </a:t>
-            </a:r>
-            <a:r>
-              <a:rPr lang="en-US" altLang="ko-KR" dirty="0"/>
-              <a:t>Seesaw Phenomenon</a:t>
-            </a:r>
-            <a:r>
-              <a:rPr lang="ko-KR" altLang="en-US" dirty="0"/>
-              <a:t>을 관찰할 수 있으며</a:t>
-            </a:r>
-            <a:r>
-              <a:rPr lang="en-US" altLang="ko-KR" dirty="0"/>
-              <a:t>, </a:t>
-            </a:r>
-          </a:p>
-          <a:p>
-            <a:r>
-              <a:rPr lang="en-US" altLang="ko-KR" dirty="0"/>
-              <a:t>PLE </a:t>
-            </a:r>
-            <a:r>
-              <a:rPr lang="ko-KR" altLang="en-US" dirty="0"/>
-              <a:t>성능이 </a:t>
-            </a:r>
-            <a:r>
-              <a:rPr lang="en-US" altLang="ko-KR" dirty="0"/>
-              <a:t>Online A/B test</a:t>
-            </a:r>
-            <a:r>
-              <a:rPr lang="ko-KR" altLang="en-US" dirty="0"/>
-              <a:t> 에서도 유의미한 결과를 도출한 점으로 보아 </a:t>
-            </a:r>
-            <a:endParaRPr lang="en-US" altLang="ko-KR" dirty="0"/>
-          </a:p>
-          <a:p>
-            <a:endParaRPr lang="en-US" altLang="ko-KR" dirty="0"/>
-          </a:p>
-          <a:p>
-            <a:r>
-              <a:rPr lang="en-US" altLang="ko-KR" dirty="0"/>
-              <a:t>PLE</a:t>
-            </a:r>
-            <a:r>
-              <a:rPr lang="ko-KR" altLang="en-US" dirty="0"/>
-              <a:t>의 성능은 충분히 납득 할 수 있습니다</a:t>
-            </a:r>
-            <a:r>
-              <a:rPr lang="en-US" altLang="ko-KR" dirty="0"/>
-              <a:t>.</a:t>
-            </a:r>
-          </a:p>
-          <a:p>
-            <a:endParaRPr lang="en-US" altLang="ko-KR" dirty="0"/>
+              <a:rPr lang="en-US" altLang="ko-KR" b="1" dirty="0"/>
+              <a:t>And PLE provides convincing Results </a:t>
+            </a:r>
           </a:p>
           <a:p>
             <a:r>
@@ -4355,89 +2343,7 @@
           <a:lstStyle/>
           <a:p>
             <a:r>
-              <a:rPr lang="ko-KR" altLang="en-US" dirty="0"/>
-              <a:t>반면 이 </a:t>
-            </a:r>
-            <a:r>
-              <a:rPr lang="en-US" altLang="ko-KR" dirty="0"/>
-              <a:t>Paper</a:t>
-            </a:r>
-            <a:r>
-              <a:rPr lang="ko-KR" altLang="en-US" dirty="0"/>
-              <a:t>는 크게 </a:t>
-            </a:r>
-            <a:r>
-              <a:rPr lang="en-US" altLang="ko-KR" dirty="0"/>
-              <a:t>2</a:t>
-            </a:r>
-            <a:r>
-              <a:rPr lang="ko-KR" altLang="en-US" dirty="0"/>
-              <a:t>가지 측면에서 </a:t>
-            </a:r>
-            <a:r>
-              <a:rPr lang="en-US" altLang="ko-KR" dirty="0"/>
-              <a:t>Weak point</a:t>
-            </a:r>
-            <a:r>
-              <a:rPr lang="ko-KR" altLang="en-US" dirty="0"/>
-              <a:t>를 가지고 있다 생각합니다</a:t>
-            </a:r>
-            <a:r>
-              <a:rPr lang="en-US" altLang="ko-KR" dirty="0"/>
-              <a:t>. </a:t>
-            </a:r>
-          </a:p>
-          <a:p>
-            <a:endParaRPr lang="en-US" altLang="ko-KR" dirty="0"/>
-          </a:p>
-          <a:p>
-            <a:r>
-              <a:rPr lang="ko-KR" altLang="en-US" dirty="0"/>
-              <a:t>첫번째는 </a:t>
-            </a:r>
-            <a:r>
-              <a:rPr lang="en-US" altLang="ko-KR" dirty="0"/>
-              <a:t>Shared experts </a:t>
-            </a:r>
-            <a:r>
-              <a:rPr lang="ko-KR" altLang="en-US" dirty="0"/>
-              <a:t>도입에 따른 추가적인 문제 및 고려할</a:t>
-            </a:r>
-            <a:r>
-              <a:rPr lang="en-US" altLang="ko-KR" dirty="0"/>
-              <a:t> </a:t>
-            </a:r>
-            <a:r>
-              <a:rPr lang="ko-KR" altLang="en-US" dirty="0"/>
-              <a:t>점이 생긴다는 것이며</a:t>
-            </a:r>
-            <a:r>
-              <a:rPr lang="en-US" altLang="ko-KR" dirty="0"/>
-              <a:t>, </a:t>
-            </a:r>
-          </a:p>
-          <a:p>
-            <a:endParaRPr lang="en-US" altLang="ko-KR" dirty="0"/>
-          </a:p>
-          <a:p>
-            <a:r>
-              <a:rPr lang="ko-KR" altLang="en-US" dirty="0"/>
-              <a:t>두번째는 일부 서술에 대해서 설명이 부족한 점입니다</a:t>
-            </a:r>
-            <a:r>
-              <a:rPr lang="en-US" altLang="ko-KR" dirty="0"/>
-              <a:t>. .  </a:t>
-            </a:r>
-          </a:p>
-          <a:p>
-            <a:endParaRPr lang="en-US" altLang="ko-KR" dirty="0"/>
-          </a:p>
-          <a:p>
-            <a:endParaRPr lang="en-US" altLang="ko-KR" dirty="0"/>
-          </a:p>
-          <a:p>
-            <a:r>
-              <a:rPr lang="en-US" altLang="ko-KR" dirty="0"/>
+              <a:rPr lang="en-US" altLang="ko-KR" b="1" dirty="0"/>
               <a:t>On the other hand, I think this paper has a Weak point in two main aspects. </a:t>
             </a:r>
           </a:p>
@@ -4541,371 +2447,14 @@
           <a:bodyPr/>
           <a:lstStyle/>
           <a:p>
-            <a:r>
-              <a:rPr lang="en-US" altLang="ko-KR" dirty="0"/>
-              <a:t>PLE</a:t>
-            </a:r>
-            <a:r>
-              <a:rPr lang="ko-KR" altLang="en-US" dirty="0"/>
-              <a:t>에서는 </a:t>
-            </a:r>
-            <a:r>
-              <a:rPr lang="en-US" altLang="ko-KR" dirty="0"/>
-              <a:t>Task-specific / Task-shared </a:t>
-            </a:r>
-            <a:r>
-              <a:rPr lang="ko-KR" altLang="en-US" dirty="0"/>
-              <a:t>개념을 구분하기 위해 </a:t>
-            </a:r>
-            <a:r>
-              <a:rPr lang="en-US" altLang="ko-KR" dirty="0"/>
-              <a:t>Shared expert</a:t>
-            </a:r>
-            <a:r>
-              <a:rPr lang="ko-KR" altLang="en-US" dirty="0"/>
-              <a:t>를 추가로 도입합니다</a:t>
-            </a:r>
-            <a:r>
-              <a:rPr lang="en-US" altLang="ko-KR" dirty="0"/>
-              <a:t>. </a:t>
-            </a:r>
-          </a:p>
-          <a:p>
-            <a:endParaRPr lang="en-US" altLang="ko-KR" dirty="0"/>
-          </a:p>
-          <a:p>
-            <a:r>
-              <a:rPr lang="ko-KR" altLang="en-US" dirty="0"/>
-              <a:t>이때</a:t>
-            </a:r>
-            <a:r>
-              <a:rPr lang="en-US" altLang="ko-KR" dirty="0"/>
-              <a:t>, Shared expert</a:t>
-            </a:r>
-            <a:r>
-              <a:rPr lang="ko-KR" altLang="en-US" dirty="0"/>
-              <a:t>가 서로 다른 </a:t>
-            </a:r>
-            <a:r>
-              <a:rPr lang="en-US" altLang="ko-KR" dirty="0"/>
-              <a:t>task</a:t>
-            </a:r>
-            <a:r>
-              <a:rPr lang="ko-KR" altLang="en-US" dirty="0"/>
-              <a:t>을 연결하기 위해 </a:t>
-            </a:r>
-            <a:r>
-              <a:rPr lang="en-US" altLang="ko-KR" dirty="0"/>
-              <a:t>Concatenation, sum-pooling, Average-pooling </a:t>
-            </a:r>
-            <a:r>
-              <a:rPr lang="ko-KR" altLang="en-US" dirty="0"/>
-              <a:t>등의 </a:t>
-            </a:r>
-            <a:r>
-              <a:rPr lang="en-US" altLang="ko-KR" dirty="0"/>
-              <a:t>Common fusion operation</a:t>
-            </a:r>
-            <a:r>
-              <a:rPr lang="ko-KR" altLang="en-US" dirty="0"/>
-              <a:t>을 사용했기 때문에</a:t>
-            </a:r>
-            <a:endParaRPr lang="en-US" altLang="ko-KR" dirty="0"/>
-          </a:p>
-          <a:p>
-            <a:r>
-              <a:rPr lang="en-US" altLang="ko-KR" dirty="0"/>
-              <a:t>Shared expert</a:t>
-            </a:r>
-            <a:r>
-              <a:rPr lang="ko-KR" altLang="en-US" dirty="0"/>
-              <a:t> 의 </a:t>
-            </a:r>
-            <a:r>
-              <a:rPr lang="en-US" altLang="ko-KR" dirty="0"/>
-              <a:t>Parameter </a:t>
-            </a:r>
-            <a:r>
-              <a:rPr lang="ko-KR" altLang="en-US" dirty="0"/>
-              <a:t>는</a:t>
-            </a:r>
-            <a:r>
-              <a:rPr lang="en-US" altLang="ko-KR" dirty="0"/>
-              <a:t> </a:t>
-            </a:r>
-            <a:r>
-              <a:rPr lang="ko-KR" altLang="en-US" dirty="0"/>
-              <a:t>어떠한 </a:t>
-            </a:r>
-            <a:r>
-              <a:rPr lang="en-US" altLang="ko-KR" dirty="0"/>
-              <a:t>task</a:t>
-            </a:r>
-            <a:r>
-              <a:rPr lang="ko-KR" altLang="en-US" dirty="0"/>
-              <a:t>의 </a:t>
-            </a:r>
-            <a:r>
-              <a:rPr lang="en-US" altLang="ko-KR" dirty="0"/>
-              <a:t>Parameter</a:t>
-            </a:r>
-            <a:r>
-              <a:rPr lang="ko-KR" altLang="en-US" dirty="0"/>
-              <a:t>이 갱신될 때마다</a:t>
-            </a:r>
-            <a:r>
-              <a:rPr lang="en-US" altLang="ko-KR" dirty="0"/>
-              <a:t> </a:t>
-            </a:r>
-            <a:r>
-              <a:rPr lang="ko-KR" altLang="en-US" dirty="0"/>
-              <a:t>같이 갱신되어야 합니다</a:t>
-            </a:r>
-            <a:r>
-              <a:rPr lang="en-US" altLang="ko-KR" dirty="0"/>
-              <a:t>. </a:t>
-            </a:r>
-          </a:p>
-          <a:p>
-            <a:r>
-              <a:rPr lang="ko-KR" altLang="en-US" dirty="0"/>
-              <a:t>이는 계산 량의 증가를 의미합니다</a:t>
-            </a:r>
-            <a:r>
-              <a:rPr lang="en-US" altLang="ko-KR" dirty="0"/>
-              <a:t>. </a:t>
-            </a:r>
-          </a:p>
-          <a:p>
-            <a:endParaRPr lang="en-US" altLang="ko-KR" dirty="0"/>
-          </a:p>
-          <a:p>
-            <a:r>
-              <a:rPr lang="ko-KR" altLang="en-US" dirty="0"/>
-              <a:t>두번째로 다수의 </a:t>
-            </a:r>
-            <a:r>
-              <a:rPr lang="en-US" altLang="ko-KR" dirty="0"/>
-              <a:t>Task</a:t>
-            </a:r>
-            <a:r>
-              <a:rPr lang="ko-KR" altLang="en-US" dirty="0"/>
-              <a:t>를 고려할 경우 필요로 하는 계산 량이 급격히 증가합니다</a:t>
-            </a:r>
-            <a:r>
-              <a:rPr lang="en-US" altLang="ko-KR" dirty="0"/>
-              <a:t>. </a:t>
-            </a:r>
-          </a:p>
-          <a:p>
-            <a:r>
-              <a:rPr lang="en-US" altLang="ko-KR" dirty="0"/>
-              <a:t>- MMOE</a:t>
-            </a:r>
-            <a:r>
-              <a:rPr lang="ko-KR" altLang="en-US" dirty="0"/>
-              <a:t> 구조에서도 </a:t>
-            </a:r>
-            <a:r>
-              <a:rPr lang="en-US" altLang="ko-KR" dirty="0"/>
-              <a:t>Task</a:t>
-            </a:r>
-            <a:r>
-              <a:rPr lang="ko-KR" altLang="en-US" dirty="0"/>
-              <a:t>의 개수에 비례하여 필요로 하는 </a:t>
-            </a:r>
-            <a:r>
-              <a:rPr lang="en-US" altLang="ko-KR" dirty="0"/>
-              <a:t>Parameter</a:t>
-            </a:r>
-            <a:r>
-              <a:rPr lang="ko-KR" altLang="en-US" dirty="0"/>
-              <a:t>의 개수가 증가합니다</a:t>
-            </a:r>
-            <a:r>
-              <a:rPr lang="en-US" altLang="ko-KR" dirty="0"/>
-              <a:t>. </a:t>
-            </a:r>
-          </a:p>
-          <a:p>
-            <a:r>
-              <a:rPr lang="en-US" altLang="ko-KR" dirty="0"/>
-              <a:t>- </a:t>
-            </a:r>
-            <a:r>
-              <a:rPr lang="ko-KR" altLang="en-US" dirty="0"/>
-              <a:t>더불어 </a:t>
-            </a:r>
-            <a:r>
-              <a:rPr lang="en-US" altLang="ko-KR" dirty="0"/>
-              <a:t>PLE</a:t>
-            </a:r>
-            <a:r>
-              <a:rPr lang="ko-KR" altLang="en-US" dirty="0"/>
-              <a:t>에선 각</a:t>
-            </a:r>
-            <a:r>
-              <a:rPr lang="en-US" altLang="ko-KR" dirty="0"/>
-              <a:t> Task </a:t>
-            </a:r>
-            <a:r>
-              <a:rPr lang="ko-KR" altLang="en-US" dirty="0"/>
-              <a:t>간의 관계를 고려하기 위해 추가로 </a:t>
-            </a:r>
-            <a:r>
-              <a:rPr lang="en-US" altLang="ko-KR" dirty="0"/>
-              <a:t>Shared expert </a:t>
-            </a:r>
-            <a:r>
-              <a:rPr lang="ko-KR" altLang="en-US" dirty="0"/>
-              <a:t>를 도입합니다</a:t>
-            </a:r>
-            <a:r>
-              <a:rPr lang="en-US" altLang="ko-KR" dirty="0"/>
-              <a:t>.</a:t>
-            </a:r>
-          </a:p>
-          <a:p>
-            <a:r>
-              <a:rPr lang="ko-KR" altLang="en-US" dirty="0"/>
-              <a:t>이때 각</a:t>
-            </a:r>
-            <a:r>
-              <a:rPr lang="en-US" altLang="ko-KR" dirty="0"/>
-              <a:t> task 2</a:t>
-            </a:r>
-            <a:r>
-              <a:rPr lang="ko-KR" altLang="en-US" dirty="0"/>
-              <a:t>개 쌍에 대한 관계만 고려한다고 해도 </a:t>
-            </a:r>
-            <a:r>
-              <a:rPr lang="en-US" altLang="ko-KR" dirty="0"/>
-              <a:t>n(n-1)/2 </a:t>
-            </a:r>
-            <a:r>
-              <a:rPr lang="ko-KR" altLang="en-US" dirty="0"/>
-              <a:t>개의 </a:t>
-            </a:r>
-            <a:r>
-              <a:rPr lang="en-US" altLang="ko-KR" dirty="0"/>
-              <a:t>Module</a:t>
-            </a:r>
-            <a:r>
-              <a:rPr lang="ko-KR" altLang="en-US" dirty="0"/>
-              <a:t>을 필요로 하게 됩니다</a:t>
-            </a:r>
-            <a:r>
-              <a:rPr lang="en-US" altLang="ko-KR" dirty="0"/>
-              <a:t>.</a:t>
-            </a:r>
-          </a:p>
-          <a:p>
-            <a:endParaRPr lang="en-US" altLang="ko-KR" dirty="0"/>
-          </a:p>
-          <a:p>
-            <a:r>
-              <a:rPr lang="ko-KR" altLang="en-US" dirty="0"/>
-              <a:t>마지막으로 적절한 </a:t>
-            </a:r>
-            <a:r>
-              <a:rPr lang="en-US" altLang="ko-KR" dirty="0"/>
-              <a:t>Shared expert</a:t>
-            </a:r>
-            <a:r>
-              <a:rPr lang="ko-KR" altLang="en-US" dirty="0"/>
-              <a:t>를 선택하는 문제가 남아있습니다</a:t>
-            </a:r>
-            <a:r>
-              <a:rPr lang="en-US" altLang="ko-KR" dirty="0"/>
-              <a:t>. </a:t>
-            </a:r>
-          </a:p>
-          <a:p>
-            <a:pPr marL="171450" indent="-171450">
-              <a:buFontTx/>
-              <a:buChar char="-"/>
-            </a:pPr>
-            <a:r>
-              <a:rPr lang="ko-KR" altLang="en-US" dirty="0"/>
-              <a:t>앞서 이야기했듯 단 </a:t>
-            </a:r>
-            <a:r>
-              <a:rPr lang="en-US" altLang="ko-KR" dirty="0"/>
-              <a:t>2</a:t>
-            </a:r>
-            <a:r>
-              <a:rPr lang="ko-KR" altLang="en-US" dirty="0"/>
-              <a:t>개의 </a:t>
-            </a:r>
-            <a:r>
-              <a:rPr lang="en-US" altLang="ko-KR" dirty="0"/>
-              <a:t>Task </a:t>
-            </a:r>
-            <a:r>
-              <a:rPr lang="ko-KR" altLang="en-US" dirty="0"/>
-              <a:t>사이의 관계만 고려해도 계산 량이 대폭 증가합니다</a:t>
-            </a:r>
-            <a:r>
-              <a:rPr lang="en-US" altLang="ko-KR" dirty="0"/>
-              <a:t>. </a:t>
-            </a:r>
-          </a:p>
-          <a:p>
-            <a:pPr marL="171450" indent="-171450">
-              <a:buFontTx/>
-              <a:buChar char="-"/>
-            </a:pPr>
-            <a:r>
-              <a:rPr lang="ko-KR" altLang="en-US" dirty="0"/>
-              <a:t>그렇다고 모든 </a:t>
-            </a:r>
-            <a:r>
-              <a:rPr lang="en-US" altLang="ko-KR" dirty="0"/>
-              <a:t>Task</a:t>
-            </a:r>
-            <a:r>
-              <a:rPr lang="ko-KR" altLang="en-US" dirty="0"/>
-              <a:t>를 포괄하는 </a:t>
-            </a:r>
-            <a:r>
-              <a:rPr lang="en-US" altLang="ko-KR" dirty="0"/>
-              <a:t>Shared expert</a:t>
-            </a:r>
-            <a:r>
-              <a:rPr lang="ko-KR" altLang="en-US" dirty="0"/>
-              <a:t>를 만들면 고려하는 영역이 좁아지게 됩니다</a:t>
-            </a:r>
-            <a:r>
-              <a:rPr lang="en-US" altLang="ko-KR" dirty="0"/>
-              <a:t>. </a:t>
-            </a:r>
-          </a:p>
-          <a:p>
             <a:pPr marL="0" indent="0">
               <a:buFontTx/>
               <a:buNone/>
             </a:pPr>
             <a:r>
-              <a:rPr lang="ko-KR" altLang="en-US" dirty="0"/>
-              <a:t>결국 사람이 개입하여 </a:t>
-            </a:r>
-            <a:r>
-              <a:rPr lang="en-US" altLang="ko-KR" dirty="0"/>
-              <a:t>Heuristic </a:t>
-            </a:r>
-            <a:r>
-              <a:rPr lang="ko-KR" altLang="en-US" dirty="0"/>
-              <a:t>하게 모델을 최적화해야 합니다</a:t>
-            </a:r>
-            <a:r>
-              <a:rPr lang="en-US" altLang="ko-KR" dirty="0"/>
-              <a:t>. </a:t>
-            </a:r>
-            <a:r>
-              <a:rPr lang="ko-KR" altLang="en-US" dirty="0"/>
-              <a:t> </a:t>
-            </a:r>
-            <a:endParaRPr lang="en-US" altLang="ko-KR" dirty="0"/>
+              <a:rPr lang="en-US" altLang="ko-KR" b="1" dirty="0"/>
+              <a:t>PLE introduces additional Shared experts to distinguish Task-specific / Task-shared concepts. </a:t>
+            </a:r>
           </a:p>
           <a:p>
             <a:pPr marL="0" indent="0">
@@ -4919,7 +2468,10 @@
               <a:buFontTx/>
               <a:buNone/>
             </a:pPr>
-            <a:endParaRPr lang="en-US" altLang="ko-KR" dirty="0"/>
+            <a:r>
+              <a:rPr lang="en-US" altLang="ko-KR" b="1" dirty="0"/>
+              <a:t>At this time, the Shared expert used common fusion operations such as concatenation, sum-pooling, and average-pooling to connect different tasks</a:t>
+            </a:r>
           </a:p>
           <a:p>
             <a:pPr marL="0" indent="0">
@@ -4927,8 +2479,18 @@
               <a:buNone/>
             </a:pPr>
             <a:r>
-              <a:rPr lang="en-US" altLang="ko-KR" dirty="0"/>
-              <a:t>PLE introduces additional Shared experts to distinguish Task-specific / Task-shared concepts. </a:t>
+              <a:rPr lang="en-US" altLang="ko-KR" b="1" dirty="0"/>
+              <a:t>The parameters of the shared expert must be updated together whenever the parameters of any task are updated. </a:t>
+            </a:r>
+          </a:p>
+          <a:p>
+            <a:pPr marL="0" indent="0">
+              <a:buFontTx/>
+              <a:buNone/>
+            </a:pPr>
+            <a:r>
+              <a:rPr lang="en-US" altLang="ko-KR" b="1" dirty="0"/>
+              <a:t>This means an increase in the amount of computation. </a:t>
             </a:r>
           </a:p>
           <a:p>
@@ -4945,7 +2507,7 @@
             </a:pPr>
             <a:r>
               <a:rPr lang="en-US" altLang="ko-KR" dirty="0"/>
-              <a:t>At this time, the Shared expert used common fusion operations such as concatenation, sum-pooling, and average-pooling to connect different tasks</a:t>
+              <a:t>~~~</a:t>
             </a:r>
           </a:p>
           <a:p>
@@ -4954,9 +2516,10 @@
               <a:buNone/>
             </a:pPr>
             <a:r>
-              <a:rPr lang="en-US" altLang="ko-KR" dirty="0"/>
-              <a:t>The parameters of the shared expert must be updated together whenever the parameters of any task are updated. </a:t>
-            </a:r>
+              <a:rPr lang="en-US" altLang="ko-KR" b="1" dirty="0"/>
+              <a:t>At this point, even if we only consider the relationship for each pair of tasks, is similar to n^2.  </a:t>
+            </a:r>
+            <a:endParaRPr lang="en-US" altLang="ko-KR" dirty="0"/>
           </a:p>
           <a:p>
             <a:pPr marL="0" indent="0">
@@ -4965,7 +2528,7 @@
             </a:pPr>
             <a:r>
               <a:rPr lang="en-US" altLang="ko-KR" dirty="0"/>
-              <a:t>This means an increase in the amount of computation. </a:t>
+              <a:t>~~~</a:t>
             </a:r>
           </a:p>
           <a:p>
@@ -4973,7 +2536,10 @@
               <a:buFontTx/>
               <a:buNone/>
             </a:pPr>
-            <a:endParaRPr lang="en-US" altLang="ko-KR" dirty="0"/>
+            <a:r>
+              <a:rPr lang="en-US" altLang="ko-KR" b="1" dirty="0"/>
+              <a:t>As mentioned earlier, considering the relationship between the tasks increases the computation significantly. </a:t>
+            </a:r>
           </a:p>
           <a:p>
             <a:pPr marL="0" indent="0">
@@ -4981,8 +2547,8 @@
               <a:buNone/>
             </a:pPr>
             <a:r>
-              <a:rPr lang="en-US" altLang="ko-KR" dirty="0"/>
-              <a:t>Second, when considering a large number of tasks, the amount of computation required increases dramatically. </a:t>
+              <a:rPr lang="en-US" altLang="ko-KR" b="1" dirty="0"/>
+              <a:t>However, creating a shared expert that covers all tasks will narrow your consideration. </a:t>
             </a:r>
           </a:p>
           <a:p>
@@ -4991,75 +2557,8 @@
               <a:buNone/>
             </a:pPr>
             <a:r>
-              <a:rPr lang="en-US" altLang="ko-KR" dirty="0"/>
-              <a:t>- The MMOE structure increases the number of parameters required in proportion to the number of Tasks. </a:t>
-            </a:r>
-          </a:p>
-          <a:p>
-            <a:pPr marL="0" indent="0">
-              <a:buFontTx/>
-              <a:buNone/>
-            </a:pPr>
-            <a:r>
-              <a:rPr lang="en-US" altLang="ko-KR" dirty="0"/>
-              <a:t>- In addition, PLE introduces an additional Shared expert to consider the relationship between each Task.</a:t>
-            </a:r>
-          </a:p>
-          <a:p>
-            <a:pPr marL="0" indent="0">
-              <a:buFontTx/>
-              <a:buNone/>
-            </a:pPr>
-            <a:r>
-              <a:rPr lang="en-US" altLang="ko-KR" dirty="0"/>
-              <a:t>At this point, even if you consider only the relationship for each pair of tasks, you will need n(n-1)/2 shared experts.</a:t>
-            </a:r>
-          </a:p>
-          <a:p>
-            <a:pPr marL="0" indent="0">
-              <a:buFontTx/>
-              <a:buNone/>
-            </a:pPr>
-            <a:endParaRPr lang="en-US" altLang="ko-KR" dirty="0"/>
-          </a:p>
-          <a:p>
-            <a:pPr marL="0" indent="0">
-              <a:buFontTx/>
-              <a:buNone/>
-            </a:pPr>
-            <a:r>
-              <a:rPr lang="en-US" altLang="ko-KR" dirty="0"/>
-              <a:t>Finally, the problem of selecting the appropriate shared expert remains. </a:t>
-            </a:r>
-          </a:p>
-          <a:p>
-            <a:pPr marL="0" indent="0">
-              <a:buFontTx/>
-              <a:buNone/>
-            </a:pPr>
-            <a:r>
-              <a:rPr lang="en-US" altLang="ko-KR" dirty="0"/>
-              <a:t>As mentioned earlier, considering the relationship between the two tasks increases the computation significantly. </a:t>
-            </a:r>
-          </a:p>
-          <a:p>
-            <a:pPr marL="0" indent="0">
-              <a:buFontTx/>
-              <a:buNone/>
-            </a:pPr>
-            <a:r>
-              <a:rPr lang="en-US" altLang="ko-KR" dirty="0"/>
-              <a:t>However, creating a shared expert that covers all tasks will narrow your consideration. </a:t>
-            </a:r>
-          </a:p>
-          <a:p>
-            <a:pPr marL="0" indent="0">
-              <a:buFontTx/>
-              <a:buNone/>
-            </a:pPr>
-            <a:r>
-              <a:rPr lang="en-US" altLang="ko-KR" dirty="0"/>
-              <a:t>Eventually, we should choose vague point that balance between calculation and expressiveness heuristically.</a:t>
+              <a:rPr lang="en-US" altLang="ko-KR" b="1" dirty="0"/>
+              <a:t>Eventually, Human resource is needed to choose point that balance between calculation and expressiveness heuristically.</a:t>
             </a:r>
           </a:p>
           <a:p>
@@ -5166,20 +2665,8 @@
           <a:lstStyle/>
           <a:p>
             <a:r>
-              <a:rPr lang="ko-KR" altLang="en-US" dirty="0"/>
-              <a:t>또한 </a:t>
-            </a:r>
-            <a:r>
-              <a:rPr lang="en-US" altLang="ko-KR" dirty="0"/>
-              <a:t>Paper </a:t>
-            </a:r>
-            <a:r>
-              <a:rPr lang="ko-KR" altLang="en-US" dirty="0"/>
-              <a:t>속 일부 서술에서 설명이 부족한 부분이 있었습니다</a:t>
-            </a:r>
-            <a:r>
-              <a:rPr lang="en-US" altLang="ko-KR" dirty="0"/>
-              <a:t>. </a:t>
+              <a:rPr lang="en-US" altLang="ko-KR" b="1" dirty="0"/>
+              <a:t>There was also a lack of explanation in some of the descriptions in Paper. </a:t>
             </a:r>
           </a:p>
           <a:p>
@@ -5188,47 +2675,7 @@
           <a:p>
             <a:r>
               <a:rPr lang="en-US" altLang="ko-KR" dirty="0"/>
-              <a:t>Seesaw Phenomenon</a:t>
-            </a:r>
-            <a:r>
-              <a:rPr lang="ko-KR" altLang="en-US" dirty="0"/>
-              <a:t>을 설명하기 위해 </a:t>
-            </a:r>
-            <a:r>
-              <a:rPr lang="en-US" altLang="ko-KR" dirty="0"/>
-              <a:t>Figure 3</a:t>
-            </a:r>
-            <a:r>
-              <a:rPr lang="ko-KR" altLang="en-US" dirty="0"/>
-              <a:t>을 설명하면서</a:t>
-            </a:r>
-            <a:r>
-              <a:rPr lang="en-US" altLang="ko-KR" dirty="0"/>
-              <a:t>, </a:t>
-            </a:r>
-          </a:p>
-          <a:p>
-            <a:r>
-              <a:rPr lang="en-US" altLang="ko-KR" dirty="0"/>
-              <a:t>“It is worth noting that 0.1% increase of AUC or MSE contributes significant improvement to online metrics in out system, which is also mentioned in [4,6,14]” </a:t>
-            </a:r>
-            <a:r>
-              <a:rPr lang="ko-KR" altLang="en-US" dirty="0"/>
-              <a:t>라고 서술합니다</a:t>
-            </a:r>
-            <a:r>
-              <a:rPr lang="en-US" altLang="ko-KR" dirty="0"/>
-              <a:t>. </a:t>
-            </a:r>
-          </a:p>
-          <a:p>
-            <a:r>
-              <a:rPr lang="ko-KR" altLang="en-US" dirty="0"/>
-              <a:t>그리고 이를 뒷받침한 근거를 추가로 제시하지 않습니다</a:t>
-            </a:r>
-            <a:r>
-              <a:rPr lang="en-US" altLang="ko-KR" dirty="0"/>
-              <a:t>. </a:t>
+              <a:t>~~~~</a:t>
             </a:r>
           </a:p>
           <a:p>
@@ -5236,85 +2683,17 @@
           </a:p>
           <a:p>
             <a:r>
-              <a:rPr lang="ko-KR" altLang="en-US" dirty="0"/>
-              <a:t>이에 인용된 논문 </a:t>
-            </a:r>
-            <a:r>
-              <a:rPr lang="en-US" altLang="ko-KR" dirty="0"/>
-              <a:t>3</a:t>
-            </a:r>
-            <a:r>
-              <a:rPr lang="ko-KR" altLang="en-US" dirty="0"/>
-              <a:t>개를 확인해봤으나</a:t>
-            </a:r>
-            <a:r>
-              <a:rPr lang="en-US" altLang="ko-KR" dirty="0"/>
-              <a:t>, </a:t>
-            </a:r>
-          </a:p>
-          <a:p>
-            <a:r>
-              <a:rPr lang="en-US" altLang="ko-KR" dirty="0"/>
-              <a:t>[14]</a:t>
-            </a:r>
-            <a:r>
-              <a:rPr lang="ko-KR" altLang="en-US" dirty="0"/>
-              <a:t> 또한 한 문장으로 표현할 뿐이며 </a:t>
-            </a:r>
+              <a:rPr lang="en-US" altLang="ko-KR" dirty="0"/>
+              <a:t>~~~~. </a:t>
+            </a:r>
+          </a:p>
+          <a:p>
             <a:endParaRPr lang="en-US" altLang="ko-KR" dirty="0"/>
           </a:p>
           <a:p>
             <a:r>
-              <a:rPr lang="en-US" altLang="ko-KR" dirty="0"/>
-              <a:t>[6]</a:t>
-            </a:r>
-            <a:r>
-              <a:rPr lang="ko-KR" altLang="en-US" dirty="0"/>
-              <a:t>에선 </a:t>
-            </a:r>
-            <a:r>
-              <a:rPr lang="en-US" altLang="ko-KR" dirty="0"/>
-              <a:t>4</a:t>
-            </a:r>
-            <a:r>
-              <a:rPr lang="ko-KR" altLang="en-US" dirty="0"/>
-              <a:t>번째 논문에서 </a:t>
-            </a:r>
-            <a:r>
-              <a:rPr lang="en-US" altLang="ko-KR" dirty="0"/>
-              <a:t>AUC</a:t>
-            </a:r>
-            <a:r>
-              <a:rPr lang="ko-KR" altLang="en-US" dirty="0"/>
-              <a:t>의 </a:t>
-            </a:r>
-            <a:r>
-              <a:rPr lang="en-US" altLang="ko-KR" dirty="0"/>
-              <a:t>0.275%</a:t>
-            </a:r>
-            <a:r>
-              <a:rPr lang="ko-KR" altLang="en-US" dirty="0"/>
-              <a:t>의 향상이 </a:t>
-            </a:r>
-            <a:r>
-              <a:rPr lang="en-US" altLang="ko-KR" dirty="0"/>
-              <a:t>online CTR</a:t>
-            </a:r>
-            <a:r>
-              <a:rPr lang="ko-KR" altLang="en-US" dirty="0"/>
-              <a:t>의 </a:t>
-            </a:r>
-            <a:r>
-              <a:rPr lang="en-US" altLang="ko-KR" dirty="0"/>
-              <a:t>3.9%</a:t>
-            </a:r>
-            <a:r>
-              <a:rPr lang="ko-KR" altLang="en-US" dirty="0"/>
-              <a:t>를 연관된 것 처럼 서술합니다</a:t>
-            </a:r>
-            <a:r>
-              <a:rPr lang="en-US" altLang="ko-KR" dirty="0"/>
-              <a:t>. </a:t>
+              <a:rPr lang="en-US" altLang="ko-KR" b="1" dirty="0"/>
+              <a:t>In other words, it can be seen that the author intuitively argues that the increase of 0.1% is significant without any supporting evidence. </a:t>
             </a:r>
           </a:p>
           <a:p>
@@ -5322,262 +2701,10 @@
           </a:p>
           <a:p>
             <a:r>
-              <a:rPr lang="ko-KR" altLang="en-US" dirty="0"/>
-              <a:t>하지만 </a:t>
-            </a:r>
-            <a:r>
-              <a:rPr lang="en-US" altLang="ko-KR" dirty="0"/>
-              <a:t>[4]</a:t>
-            </a:r>
-            <a:r>
-              <a:rPr lang="ko-KR" altLang="en-US" dirty="0"/>
-              <a:t>를</a:t>
-            </a:r>
-            <a:r>
-              <a:rPr lang="en-US" altLang="ko-KR" dirty="0"/>
-              <a:t> </a:t>
-            </a:r>
-            <a:r>
-              <a:rPr lang="ko-KR" altLang="en-US" dirty="0"/>
-              <a:t>확인해보면 </a:t>
-            </a:r>
-            <a:r>
-              <a:rPr lang="en-US" altLang="ko-KR" dirty="0"/>
-              <a:t>Wide</a:t>
-            </a:r>
-            <a:r>
-              <a:rPr lang="ko-KR" altLang="en-US" dirty="0"/>
-              <a:t>와 </a:t>
-            </a:r>
-            <a:r>
-              <a:rPr lang="en-US" altLang="ko-KR" dirty="0"/>
-              <a:t>Wide &amp; Deep</a:t>
-            </a:r>
-            <a:r>
-              <a:rPr lang="ko-KR" altLang="en-US" dirty="0"/>
-              <a:t> 만 고려한 것이며</a:t>
-            </a:r>
-            <a:r>
-              <a:rPr lang="en-US" altLang="ko-KR" dirty="0"/>
-              <a:t>, </a:t>
-            </a:r>
-          </a:p>
-          <a:p>
-            <a:r>
-              <a:rPr lang="ko-KR" altLang="en-US" dirty="0"/>
-              <a:t>오히려 </a:t>
-            </a:r>
-            <a:r>
-              <a:rPr lang="en-US" altLang="ko-KR" dirty="0"/>
-              <a:t>AUC</a:t>
-            </a:r>
-            <a:r>
-              <a:rPr lang="ko-KR" altLang="en-US" dirty="0"/>
-              <a:t>는 떨어지지만 </a:t>
-            </a:r>
-            <a:r>
-              <a:rPr lang="en-US" altLang="ko-KR" dirty="0"/>
-              <a:t>Online Acquisition Gain</a:t>
-            </a:r>
-            <a:r>
-              <a:rPr lang="ko-KR" altLang="en-US" dirty="0"/>
-              <a:t>이 </a:t>
-            </a:r>
-            <a:r>
-              <a:rPr lang="en-US" altLang="ko-KR" dirty="0"/>
-              <a:t>2.9%</a:t>
-            </a:r>
-            <a:r>
-              <a:rPr lang="ko-KR" altLang="en-US" dirty="0"/>
-              <a:t> 상승하는 경우는 다루지 않고 있습니다</a:t>
-            </a:r>
-            <a:r>
-              <a:rPr lang="en-US" altLang="ko-KR" dirty="0"/>
-              <a:t>. </a:t>
-            </a:r>
-          </a:p>
-          <a:p>
-            <a:endParaRPr lang="en-US" altLang="ko-KR" dirty="0"/>
-          </a:p>
-          <a:p>
-            <a:r>
-              <a:rPr lang="ko-KR" altLang="en-US" dirty="0"/>
-              <a:t>즉</a:t>
-            </a:r>
-            <a:r>
-              <a:rPr lang="en-US" altLang="ko-KR" dirty="0"/>
-              <a:t>, </a:t>
-            </a:r>
-            <a:r>
-              <a:rPr lang="ko-KR" altLang="en-US" dirty="0"/>
-              <a:t>어떠한 뒷받침하는 근거 없이 저자가 직관적으로 </a:t>
-            </a:r>
-            <a:r>
-              <a:rPr lang="en-US" altLang="ko-KR" dirty="0"/>
-              <a:t>0.1%</a:t>
-            </a:r>
-            <a:r>
-              <a:rPr lang="ko-KR" altLang="en-US" dirty="0"/>
-              <a:t>의</a:t>
-            </a:r>
-            <a:r>
-              <a:rPr lang="en-US" altLang="ko-KR" dirty="0"/>
-              <a:t> </a:t>
-            </a:r>
-            <a:r>
-              <a:rPr lang="ko-KR" altLang="en-US" dirty="0"/>
-              <a:t>상승이 유의미하다 주장하고 있음을 알 수 있습니다</a:t>
-            </a:r>
-            <a:r>
-              <a:rPr lang="en-US" altLang="ko-KR" dirty="0"/>
-              <a:t>. </a:t>
-            </a:r>
-          </a:p>
-          <a:p>
-            <a:endParaRPr lang="en-US" altLang="ko-KR" dirty="0"/>
-          </a:p>
-          <a:p>
-            <a:r>
-              <a:rPr lang="ko-KR" altLang="en-US" dirty="0"/>
-              <a:t>그 외로 </a:t>
-            </a:r>
-            <a:r>
-              <a:rPr lang="en-US" altLang="ko-KR" dirty="0"/>
-              <a:t>Figure 3</a:t>
-            </a:r>
-            <a:r>
-              <a:rPr lang="ko-KR" altLang="en-US" dirty="0"/>
-              <a:t>에서 왜 서로 다른 </a:t>
-            </a:r>
-            <a:r>
-              <a:rPr lang="en-US" altLang="ko-KR" dirty="0"/>
-              <a:t>Metric</a:t>
-            </a:r>
-            <a:r>
-              <a:rPr lang="ko-KR" altLang="en-US" dirty="0"/>
-              <a:t>인 </a:t>
-            </a:r>
-            <a:r>
-              <a:rPr lang="en-US" altLang="ko-KR" dirty="0"/>
-              <a:t>AUC</a:t>
-            </a:r>
-            <a:r>
-              <a:rPr lang="ko-KR" altLang="en-US" dirty="0"/>
-              <a:t>와 </a:t>
-            </a:r>
-            <a:r>
-              <a:rPr lang="en-US" altLang="ko-KR" dirty="0"/>
-              <a:t>MSE</a:t>
-            </a:r>
-            <a:r>
-              <a:rPr lang="ko-KR" altLang="en-US" dirty="0"/>
-              <a:t>로 </a:t>
-            </a:r>
-            <a:r>
-              <a:rPr lang="en-US" altLang="ko-KR" dirty="0"/>
-              <a:t>Seesaw phenomenon</a:t>
-            </a:r>
-            <a:r>
-              <a:rPr lang="ko-KR" altLang="en-US" dirty="0"/>
-              <a:t>을 설명하는지에 대한 근거를 제시하지 않습니다</a:t>
-            </a:r>
-            <a:r>
-              <a:rPr lang="en-US" altLang="ko-KR" dirty="0"/>
-              <a:t>. </a:t>
-            </a:r>
-            <a:r>
-              <a:rPr lang="ko-KR" altLang="en-US" dirty="0"/>
-              <a:t>  </a:t>
-            </a:r>
-            <a:endParaRPr lang="en-US" altLang="ko-KR" dirty="0"/>
-          </a:p>
-          <a:p>
-            <a:endParaRPr lang="en-US" altLang="ko-KR" dirty="0"/>
-          </a:p>
-          <a:p>
-            <a:endParaRPr lang="en-US" altLang="ko-KR" dirty="0"/>
-          </a:p>
-          <a:p>
-            <a:r>
-              <a:rPr lang="en-US" altLang="ko-KR" dirty="0"/>
-              <a:t>There was also a lack of explanation in some of the descriptions in Paper. </a:t>
-            </a:r>
-          </a:p>
-          <a:p>
-            <a:endParaRPr lang="en-US" altLang="ko-KR" dirty="0"/>
-          </a:p>
-          <a:p>
-            <a:r>
-              <a:rPr lang="en-US" altLang="ko-KR" dirty="0"/>
-              <a:t>Explaining Figure 3 to illustrate Seesaw Phenomenon, </a:t>
-            </a:r>
-          </a:p>
-          <a:p>
-            <a:r>
-              <a:rPr lang="en-US" altLang="ko-KR" dirty="0"/>
-              <a:t>"It is worth noting that 0.1% increase of AUC or MSE attributes signature improvement to online metrics in out system, which is so mentioned in [4,6,14]". </a:t>
-            </a:r>
-          </a:p>
-          <a:p>
-            <a:r>
-              <a:rPr lang="en-US" altLang="ko-KR" dirty="0"/>
-              <a:t>And paper don't provide additional evidence to support this. </a:t>
-            </a:r>
-          </a:p>
-          <a:p>
-            <a:endParaRPr lang="en-US" altLang="ko-KR" dirty="0"/>
-          </a:p>
-          <a:p>
-            <a:r>
-              <a:rPr lang="en-US" altLang="ko-KR" dirty="0"/>
-              <a:t>I checked the three papers cited </a:t>
-            </a:r>
-          </a:p>
-          <a:p>
-            <a:r>
-              <a:rPr lang="en-US" altLang="ko-KR" dirty="0"/>
-              <a:t>[14] just said one sentence,</a:t>
-            </a:r>
-          </a:p>
-          <a:p>
-            <a:r>
-              <a:rPr lang="en-US" altLang="ko-KR" dirty="0"/>
-              <a:t>[6] mention  that in fourth paper, a 0.275% improvement in AUC is described as related to 3.9% of online CTRs. </a:t>
-            </a:r>
-          </a:p>
-          <a:p>
-            <a:endParaRPr lang="en-US" altLang="ko-KR" dirty="0"/>
-          </a:p>
-          <a:p>
-            <a:r>
-              <a:rPr lang="en-US" altLang="ko-KR" dirty="0"/>
-              <a:t>However, if we check [4], only basic model Wide and Wide &amp; Deep are considered </a:t>
-            </a:r>
-          </a:p>
-          <a:p>
-            <a:r>
-              <a:rPr lang="en-US" altLang="ko-KR" dirty="0"/>
-              <a:t>On the contrary, it does not deal with cases where the AUC falls but the Online Acquisition Gain rises by 2.9%. </a:t>
-            </a:r>
-          </a:p>
-          <a:p>
-            <a:endParaRPr lang="en-US" altLang="ko-KR" dirty="0"/>
-          </a:p>
-          <a:p>
-            <a:r>
-              <a:rPr lang="en-US" altLang="ko-KR" dirty="0"/>
-              <a:t>In other words, it can be seen that the author intuitively argues that the increase of 0.1% is significant without any supporting evidence. </a:t>
-            </a:r>
-          </a:p>
-          <a:p>
-            <a:endParaRPr lang="en-US" altLang="ko-KR" dirty="0"/>
-          </a:p>
-          <a:p>
-            <a:r>
-              <a:rPr lang="en-US" altLang="ko-KR" dirty="0"/>
-              <a:t>In Addition, Figure 3 does not provide a basis for why different metrics, AUC and MSE, describe Seesaw phenomenon.</a:t>
-            </a:r>
-            <a:endParaRPr lang="ko-KR" altLang="en-US" dirty="0"/>
+              <a:rPr lang="en-US" altLang="ko-KR" b="1" dirty="0"/>
+              <a:t>In Addition, Figure 3 does not provide a reason for why different metrics, AUC and MSE are used, to describe Seesaw phenomenon.</a:t>
+            </a:r>
+            <a:endParaRPr lang="ko-KR" altLang="en-US" b="1" dirty="0"/>
           </a:p>
         </p:txBody>
       </p:sp>
@@ -5662,27 +2789,6 @@
           <a:lstStyle/>
           <a:p>
             <a:r>
-              <a:rPr lang="ko-KR" altLang="en-US" dirty="0"/>
-              <a:t>마지막으로 </a:t>
-            </a:r>
-            <a:r>
-              <a:rPr lang="en-US" altLang="ko-KR" dirty="0"/>
-              <a:t>Research Idea</a:t>
-            </a:r>
-            <a:r>
-              <a:rPr lang="ko-KR" altLang="en-US" dirty="0"/>
-              <a:t>입니다</a:t>
-            </a:r>
-            <a:r>
-              <a:rPr lang="en-US" altLang="ko-KR" dirty="0"/>
-              <a:t>. </a:t>
-            </a:r>
-          </a:p>
-          <a:p>
-            <a:endParaRPr lang="en-US" altLang="ko-KR" dirty="0"/>
-          </a:p>
-          <a:p>
-            <a:r>
               <a:rPr lang="en-US" altLang="ko-KR" dirty="0"/>
               <a:t>Finally, Research Idea.</a:t>
             </a:r>
@@ -5771,20 +2877,8 @@
           <a:lstStyle/>
           <a:p>
             <a:r>
-              <a:rPr lang="ko-KR" altLang="en-US" dirty="0"/>
-              <a:t>추후 연구 주제로 </a:t>
-            </a:r>
-            <a:r>
-              <a:rPr lang="en-US" altLang="ko-KR" dirty="0"/>
-              <a:t>4</a:t>
-            </a:r>
-            <a:r>
-              <a:rPr lang="ko-KR" altLang="en-US" dirty="0"/>
-              <a:t>가지를 선정하였습니다</a:t>
-            </a:r>
-            <a:r>
-              <a:rPr lang="en-US" altLang="ko-KR" dirty="0"/>
-              <a:t>. </a:t>
+              <a:rPr lang="en-US" altLang="ko-KR" b="1" dirty="0"/>
+              <a:t>I think about four research Idea from PLE</a:t>
             </a:r>
           </a:p>
           <a:p>
@@ -5792,20 +2886,8 @@
           </a:p>
           <a:p>
             <a:r>
-              <a:rPr lang="ko-KR" altLang="en-US" dirty="0"/>
-              <a:t>첫번쨰로 </a:t>
-            </a:r>
-            <a:r>
-              <a:rPr lang="en-US" altLang="ko-KR" dirty="0"/>
-              <a:t>PLE</a:t>
-            </a:r>
-            <a:r>
-              <a:rPr lang="ko-KR" altLang="en-US" dirty="0"/>
-              <a:t>의 계산 량 문제를 해결하는 것입니다</a:t>
-            </a:r>
-            <a:r>
-              <a:rPr lang="en-US" altLang="ko-KR" dirty="0"/>
-              <a:t>. </a:t>
+              <a:rPr lang="en-US" altLang="ko-KR" b="1" dirty="0"/>
+              <a:t>The first is to solve the computation problem of the PLE. </a:t>
             </a:r>
           </a:p>
           <a:p>
@@ -5813,100 +2895,20 @@
           </a:p>
           <a:p>
             <a:r>
-              <a:rPr lang="ko-KR" altLang="en-US" dirty="0"/>
-              <a:t>한 예시로 </a:t>
-            </a:r>
-            <a:r>
-              <a:rPr lang="en-US" altLang="ko-KR" dirty="0"/>
-              <a:t>Dropout</a:t>
-            </a:r>
-            <a:r>
-              <a:rPr lang="ko-KR" altLang="en-US" dirty="0"/>
-              <a:t>을 </a:t>
-            </a:r>
-            <a:r>
-              <a:rPr lang="en-US" altLang="ko-KR" dirty="0"/>
-              <a:t>PLE </a:t>
-            </a:r>
-            <a:r>
-              <a:rPr lang="ko-KR" altLang="en-US" dirty="0"/>
-              <a:t>모델에 적용하고자 합니다</a:t>
-            </a:r>
-            <a:r>
-              <a:rPr lang="en-US" altLang="ko-KR" dirty="0"/>
-              <a:t>.</a:t>
-            </a:r>
-          </a:p>
-          <a:p>
-            <a:r>
-              <a:rPr lang="ko-KR" altLang="en-US" dirty="0"/>
-              <a:t>기존의 </a:t>
-            </a:r>
-            <a:r>
-              <a:rPr lang="en-US" altLang="ko-KR" dirty="0"/>
-              <a:t>PLE</a:t>
-            </a:r>
-            <a:r>
-              <a:rPr lang="ko-KR" altLang="en-US" dirty="0"/>
-              <a:t>가 </a:t>
-            </a:r>
-            <a:r>
-              <a:rPr lang="en-US" altLang="ko-KR" dirty="0"/>
-              <a:t>Task</a:t>
-            </a:r>
-            <a:r>
-              <a:rPr lang="ko-KR" altLang="en-US" dirty="0"/>
-              <a:t>의 개수에 비례하여 고려할 </a:t>
-            </a:r>
-            <a:r>
-              <a:rPr lang="en-US" altLang="ko-KR" dirty="0"/>
-              <a:t>Parameter</a:t>
-            </a:r>
-            <a:r>
-              <a:rPr lang="ko-KR" altLang="en-US" dirty="0"/>
-              <a:t>수가 증가하였는데</a:t>
-            </a:r>
-            <a:r>
-              <a:rPr lang="en-US" altLang="ko-KR" dirty="0"/>
-              <a:t>, </a:t>
-            </a:r>
-          </a:p>
-          <a:p>
-            <a:r>
-              <a:rPr lang="en-US" altLang="ko-KR" dirty="0"/>
-              <a:t>Dropout</a:t>
-            </a:r>
-            <a:r>
-              <a:rPr lang="ko-KR" altLang="en-US" dirty="0"/>
-              <a:t>을 적용하여 한번에 고려하는 </a:t>
-            </a:r>
-            <a:r>
-              <a:rPr lang="en-US" altLang="ko-KR" dirty="0"/>
-              <a:t>Task</a:t>
-            </a:r>
-            <a:r>
-              <a:rPr lang="ko-KR" altLang="en-US" dirty="0"/>
-              <a:t>의 개수를 고정시킨다면 계산을 효율적으로 할 수 있을 뿐더러 모델의 </a:t>
-            </a:r>
-            <a:r>
-              <a:rPr lang="en-US" altLang="ko-KR" dirty="0"/>
-              <a:t>Robustness</a:t>
-            </a:r>
-            <a:r>
-              <a:rPr lang="ko-KR" altLang="en-US" dirty="0"/>
-              <a:t>까지</a:t>
-            </a:r>
-            <a:r>
-              <a:rPr lang="en-US" altLang="ko-KR" dirty="0"/>
-              <a:t> </a:t>
-            </a:r>
-            <a:r>
-              <a:rPr lang="ko-KR" altLang="en-US" dirty="0"/>
-              <a:t>제공할 수 있겠습니다</a:t>
-            </a:r>
-            <a:r>
-              <a:rPr lang="en-US" altLang="ko-KR" dirty="0"/>
-              <a:t>. </a:t>
+              <a:rPr lang="en-US" altLang="ko-KR" b="1" dirty="0"/>
+              <a:t>As an example, I want to apply Dropout to the PLE model.</a:t>
+            </a:r>
+          </a:p>
+          <a:p>
+            <a:r>
+              <a:rPr lang="en-US" altLang="ko-KR" b="1" dirty="0"/>
+              <a:t>The number of parameters of PLE are increased in proportion to the number of tasks</a:t>
+            </a:r>
+          </a:p>
+          <a:p>
+            <a:r>
+              <a:rPr lang="en-US" altLang="ko-KR" b="1" dirty="0"/>
+              <a:t>By applying Dropout to fix the number of tasks you consider at once, we can not only calculate efficiently but also provide robustness for the model. </a:t>
             </a:r>
           </a:p>
           <a:p>
@@ -5914,42 +2916,14 @@
           </a:p>
           <a:p>
             <a:r>
-              <a:rPr lang="ko-KR" altLang="en-US" dirty="0"/>
-              <a:t>특히 </a:t>
-            </a:r>
-            <a:r>
-              <a:rPr lang="en-US" altLang="ko-KR" dirty="0"/>
-              <a:t>Dropout</a:t>
-            </a:r>
-            <a:r>
-              <a:rPr lang="ko-KR" altLang="en-US" dirty="0"/>
-              <a:t>을 통해 한번에 고려하는 </a:t>
-            </a:r>
-            <a:r>
-              <a:rPr lang="en-US" altLang="ko-KR" dirty="0"/>
-              <a:t>Parameter </a:t>
-            </a:r>
-            <a:r>
-              <a:rPr lang="ko-KR" altLang="en-US" dirty="0"/>
-              <a:t>개수를 줄인다면</a:t>
-            </a:r>
-            <a:r>
-              <a:rPr lang="en-US" altLang="ko-KR" dirty="0"/>
-              <a:t>, </a:t>
-            </a:r>
-          </a:p>
-          <a:p>
-            <a:r>
-              <a:rPr lang="en-US" altLang="ko-KR" dirty="0"/>
-              <a:t>Parallel and distributed MTL </a:t>
-            </a:r>
-            <a:r>
-              <a:rPr lang="ko-KR" altLang="en-US" dirty="0"/>
-              <a:t>방법을 적용할 수 있겠습니다</a:t>
-            </a:r>
-            <a:r>
-              <a:rPr lang="en-US" altLang="ko-KR" dirty="0"/>
-              <a:t>. </a:t>
+              <a:rPr lang="en-US" altLang="ko-KR" b="1" dirty="0"/>
+              <a:t>Especially if we reduce the number of parameters through Dropout </a:t>
+            </a:r>
+          </a:p>
+          <a:p>
+            <a:r>
+              <a:rPr lang="en-US" altLang="ko-KR" b="1" dirty="0"/>
+              <a:t>we can apply the Parallel and distributed MTL method. </a:t>
             </a:r>
           </a:p>
           <a:p>
@@ -5957,160 +2931,56 @@
           </a:p>
           <a:p>
             <a:r>
-              <a:rPr lang="ko-KR" altLang="en-US" dirty="0"/>
-              <a:t>추가적으로 </a:t>
-            </a:r>
-            <a:r>
-              <a:rPr lang="en-US" altLang="ko-KR" dirty="0"/>
-              <a:t>Parameter</a:t>
-            </a:r>
-            <a:r>
-              <a:rPr lang="ko-KR" altLang="en-US" dirty="0"/>
-              <a:t> 에 </a:t>
-            </a:r>
-            <a:r>
-              <a:rPr lang="en-US" altLang="ko-KR" dirty="0"/>
-              <a:t>Dimension reduction </a:t>
-            </a:r>
-            <a:r>
-              <a:rPr lang="ko-KR" altLang="en-US" dirty="0"/>
-              <a:t>하는 개념을 차용하여</a:t>
-            </a:r>
-            <a:r>
-              <a:rPr lang="en-US" altLang="ko-KR" dirty="0"/>
-              <a:t>, </a:t>
-            </a:r>
-          </a:p>
-          <a:p>
-            <a:r>
-              <a:rPr lang="en-US" altLang="ko-KR" dirty="0"/>
-              <a:t>Task </a:t>
-            </a:r>
-            <a:r>
-              <a:rPr lang="ko-KR" altLang="en-US" dirty="0"/>
-              <a:t>간에서도 중요한</a:t>
-            </a:r>
-            <a:r>
-              <a:rPr lang="en-US" altLang="ko-KR" dirty="0"/>
-              <a:t> Task</a:t>
-            </a:r>
-            <a:r>
-              <a:rPr lang="ko-KR" altLang="en-US" dirty="0"/>
-              <a:t>를 선별 또는 새로운 </a:t>
-            </a:r>
-            <a:r>
-              <a:rPr lang="en-US" altLang="ko-KR" dirty="0"/>
-              <a:t>Task</a:t>
-            </a:r>
-            <a:r>
-              <a:rPr lang="ko-KR" altLang="en-US" dirty="0"/>
-              <a:t>로 합칠 수 있다면 계산 량 감소 개선을 할 수 있겠습니다</a:t>
-            </a:r>
-            <a:r>
-              <a:rPr lang="en-US" altLang="ko-KR" dirty="0"/>
-              <a:t>. </a:t>
+              <a:rPr lang="en-US" altLang="ko-KR" b="1" dirty="0"/>
+              <a:t>Additionally, By using the concept of dimension reduction in tasks, </a:t>
+            </a:r>
+          </a:p>
+          <a:p>
+            <a:r>
+              <a:rPr lang="en-US" altLang="ko-KR" b="1" dirty="0"/>
+              <a:t>Such as important tasks can be selected between tasks or combined into new tasks, we can improve the amount of computation reduction. </a:t>
             </a:r>
           </a:p>
           <a:p>
             <a:endParaRPr lang="en-US" altLang="ko-KR" dirty="0"/>
           </a:p>
           <a:p>
+            <a:r>
+              <a:rPr lang="en-US" altLang="ko-KR" dirty="0"/>
+              <a:t>Secondly, ~~~~~. </a:t>
+            </a:r>
+          </a:p>
+          <a:p>
+            <a:r>
+              <a:rPr lang="en-US" altLang="ko-KR" b="1" dirty="0"/>
+              <a:t>For Multi tasks, it is a methodology that combines different tasks for the same area. </a:t>
+            </a:r>
+          </a:p>
+          <a:p>
+            <a:r>
+              <a:rPr lang="en-US" altLang="ko-KR" b="1" dirty="0"/>
+              <a:t>By changing this, like measuring VTR's AUC for different content, </a:t>
+            </a:r>
+          </a:p>
+          <a:p>
+            <a:r>
+              <a:rPr lang="en-US" altLang="ko-KR" b="1" dirty="0"/>
+              <a:t>  By giving the same tasks to different areas, we can once again drive performance improvement. </a:t>
+            </a:r>
+          </a:p>
+          <a:p>
             <a:endParaRPr lang="en-US" altLang="ko-KR" dirty="0"/>
           </a:p>
           <a:p>
             <a:r>
-              <a:rPr lang="ko-KR" altLang="en-US" dirty="0"/>
-              <a:t>두번째로 </a:t>
-            </a:r>
-            <a:r>
-              <a:rPr lang="en-US" altLang="ko-KR" dirty="0"/>
-              <a:t>MTL</a:t>
-            </a:r>
-            <a:r>
-              <a:rPr lang="ko-KR" altLang="en-US" dirty="0"/>
-              <a:t>의 방식을 </a:t>
-            </a:r>
-            <a:r>
-              <a:rPr lang="en-US" altLang="ko-KR" dirty="0"/>
-              <a:t>Multi-domain </a:t>
-            </a:r>
-            <a:r>
-              <a:rPr lang="ko-KR" altLang="en-US" dirty="0"/>
-              <a:t>에 적용하는 것입니다</a:t>
-            </a:r>
-            <a:r>
-              <a:rPr lang="en-US" altLang="ko-KR" dirty="0"/>
-              <a:t>. </a:t>
-            </a:r>
-          </a:p>
-          <a:p>
-            <a:r>
-              <a:rPr lang="en-US" altLang="ko-KR" dirty="0"/>
-              <a:t>Multi task</a:t>
-            </a:r>
-            <a:r>
-              <a:rPr lang="ko-KR" altLang="en-US" dirty="0"/>
-              <a:t>의 경우</a:t>
-            </a:r>
-            <a:r>
-              <a:rPr lang="en-US" altLang="ko-KR" dirty="0"/>
-              <a:t>, </a:t>
-            </a:r>
-            <a:r>
-              <a:rPr lang="ko-KR" altLang="en-US" dirty="0"/>
-              <a:t>동일한 영역에 대해서 서로 다른 </a:t>
-            </a:r>
-            <a:r>
-              <a:rPr lang="en-US" altLang="ko-KR" dirty="0"/>
-              <a:t>Task</a:t>
-            </a:r>
-            <a:r>
-              <a:rPr lang="ko-KR" altLang="en-US" dirty="0"/>
-              <a:t>을 결합하는 방법론입니다</a:t>
-            </a:r>
-            <a:r>
-              <a:rPr lang="en-US" altLang="ko-KR" dirty="0"/>
-              <a:t>. </a:t>
-            </a:r>
-          </a:p>
-          <a:p>
-            <a:r>
-              <a:rPr lang="ko-KR" altLang="en-US" dirty="0"/>
-              <a:t>이를 바꿔 서로 다른 컨텐츠에 대한 </a:t>
-            </a:r>
-            <a:r>
-              <a:rPr lang="en-US" altLang="ko-KR" dirty="0"/>
-              <a:t>VTR’s AUC </a:t>
-            </a:r>
-            <a:r>
-              <a:rPr lang="ko-KR" altLang="en-US" dirty="0"/>
-              <a:t>측정과 같이</a:t>
-            </a:r>
-            <a:r>
-              <a:rPr lang="en-US" altLang="ko-KR" dirty="0"/>
-              <a:t>, </a:t>
-            </a:r>
-          </a:p>
-          <a:p>
-            <a:r>
-              <a:rPr lang="en-US" altLang="ko-KR" dirty="0"/>
-              <a:t> </a:t>
-            </a:r>
-            <a:r>
-              <a:rPr lang="ko-KR" altLang="en-US" dirty="0"/>
-              <a:t> 서로 다른 영역에 대해서 같은 </a:t>
-            </a:r>
-            <a:r>
-              <a:rPr lang="en-US" altLang="ko-KR" dirty="0"/>
-              <a:t>Task</a:t>
-            </a:r>
-            <a:r>
-              <a:rPr lang="ko-KR" altLang="en-US" dirty="0"/>
-              <a:t>를 부여함으로 한번 더 성능 향상을 이끌어 낼 수 있겠습니다</a:t>
-            </a:r>
-            <a:r>
-              <a:rPr lang="en-US" altLang="ko-KR" dirty="0"/>
-              <a:t>. </a:t>
+              <a:rPr lang="en-US" altLang="ko-KR" b="1" dirty="0"/>
+              <a:t>If you could combine multi-learning methods like multi-view, multi-domain, and multi-task, </a:t>
+            </a:r>
+          </a:p>
+          <a:p>
+            <a:r>
+              <a:rPr lang="en-US" altLang="ko-KR" b="1" dirty="0"/>
+              <a:t>We can deliver better performance. </a:t>
             </a:r>
           </a:p>
           <a:p>
@@ -6118,270 +2988,20 @@
           </a:p>
           <a:p>
             <a:r>
-              <a:rPr lang="ko-KR" altLang="en-US" dirty="0"/>
-              <a:t>더 나아간다면 </a:t>
-            </a:r>
-            <a:r>
-              <a:rPr lang="en-US" altLang="ko-KR" dirty="0"/>
-              <a:t>Multi-view, Multi-domain, Multi-task</a:t>
-            </a:r>
-            <a:r>
-              <a:rPr lang="ko-KR" altLang="en-US" dirty="0"/>
-              <a:t>와 같이  </a:t>
-            </a:r>
-            <a:r>
-              <a:rPr lang="en-US" altLang="ko-KR" dirty="0"/>
-              <a:t>Multi learning </a:t>
-            </a:r>
-            <a:r>
-              <a:rPr lang="ko-KR" altLang="en-US" dirty="0"/>
-              <a:t>방식들을 결합할 수 있다면 </a:t>
-            </a:r>
-            <a:endParaRPr lang="en-US" altLang="ko-KR" dirty="0"/>
-          </a:p>
-          <a:p>
-            <a:r>
-              <a:rPr lang="ko-KR" altLang="en-US" dirty="0"/>
-              <a:t>더 나은 성능을 이끌어 낼 수 있겠습니다</a:t>
-            </a:r>
-            <a:r>
-              <a:rPr lang="en-US" altLang="ko-KR" dirty="0"/>
-              <a:t>. </a:t>
-            </a:r>
-          </a:p>
-          <a:p>
-            <a:endParaRPr lang="en-US" altLang="ko-KR" dirty="0"/>
-          </a:p>
-          <a:p>
-            <a:r>
-              <a:rPr lang="ko-KR" altLang="en-US" dirty="0"/>
-              <a:t>마지막으로 </a:t>
-            </a:r>
-            <a:r>
-              <a:rPr lang="en-US" altLang="ko-KR" dirty="0"/>
-              <a:t>PLE </a:t>
-            </a:r>
-            <a:r>
-              <a:rPr lang="ko-KR" altLang="en-US" dirty="0"/>
-              <a:t>모델을 보다 깊게 구성하는 것입니다</a:t>
-            </a:r>
-            <a:r>
-              <a:rPr lang="en-US" altLang="ko-KR" dirty="0"/>
-              <a:t>.</a:t>
-            </a:r>
-          </a:p>
-          <a:p>
-            <a:r>
-              <a:rPr lang="ko-KR" altLang="en-US" dirty="0"/>
-              <a:t>현재 이해한 바로는 </a:t>
-            </a:r>
-            <a:r>
-              <a:rPr lang="en-US" altLang="ko-KR" dirty="0"/>
-              <a:t>PLE</a:t>
-            </a:r>
-            <a:r>
-              <a:rPr lang="ko-KR" altLang="en-US" dirty="0"/>
-              <a:t> 층을 기반으로 해서 </a:t>
-            </a:r>
-            <a:r>
-              <a:rPr lang="en-US" altLang="ko-KR" dirty="0"/>
-              <a:t>lower-level </a:t>
-            </a:r>
-            <a:r>
-              <a:rPr lang="ko-KR" altLang="en-US" dirty="0"/>
-              <a:t>과</a:t>
-            </a:r>
-            <a:r>
-              <a:rPr lang="en-US" altLang="ko-KR" dirty="0"/>
-              <a:t> Higher-level</a:t>
-            </a:r>
-            <a:r>
-              <a:rPr lang="ko-KR" altLang="en-US" dirty="0"/>
-              <a:t>로 모델을 구분했습니다</a:t>
-            </a:r>
-            <a:r>
-              <a:rPr lang="en-US" altLang="ko-KR" dirty="0"/>
-              <a:t>. </a:t>
-            </a:r>
-          </a:p>
-          <a:p>
-            <a:r>
-              <a:rPr lang="ko-KR" altLang="en-US" dirty="0"/>
-              <a:t>이에 대해서 층을 더욱 깊게 하고 다수의 </a:t>
-            </a:r>
-            <a:r>
-              <a:rPr lang="en-US" altLang="ko-KR" dirty="0"/>
-              <a:t>PLE </a:t>
-            </a:r>
-            <a:r>
-              <a:rPr lang="ko-KR" altLang="en-US" dirty="0"/>
-              <a:t>층을 부여한다면</a:t>
-            </a:r>
-            <a:endParaRPr lang="en-US" altLang="ko-KR" dirty="0"/>
-          </a:p>
-          <a:p>
-            <a:r>
-              <a:rPr lang="ko-KR" altLang="en-US" dirty="0"/>
-              <a:t>보다 </a:t>
-            </a:r>
-            <a:r>
-              <a:rPr lang="en-US" altLang="ko-KR" sz="1200" dirty="0"/>
-              <a:t>Higher-level deeper representation</a:t>
-            </a:r>
-            <a:r>
-              <a:rPr lang="ko-KR" altLang="en-US" sz="1200" dirty="0"/>
-              <a:t>을</a:t>
-            </a:r>
-            <a:r>
-              <a:rPr lang="en-US" altLang="ko-KR" sz="1200" dirty="0"/>
-              <a:t> </a:t>
-            </a:r>
-            <a:r>
-              <a:rPr lang="ko-KR" altLang="en-US" sz="1200" dirty="0"/>
-              <a:t>이끌어 낼 수 있겠습니다</a:t>
-            </a:r>
-            <a:r>
-              <a:rPr lang="en-US" altLang="ko-KR" sz="1200" dirty="0"/>
-              <a:t>. </a:t>
-            </a:r>
-            <a:endParaRPr lang="en-US" altLang="ko-KR" dirty="0"/>
-          </a:p>
-          <a:p>
-            <a:endParaRPr lang="en-US" altLang="ko-KR" dirty="0"/>
-          </a:p>
-          <a:p>
-            <a:endParaRPr lang="en-US" altLang="ko-KR" dirty="0"/>
-          </a:p>
-          <a:p>
-            <a:r>
-              <a:rPr lang="en-US" altLang="ko-KR" dirty="0"/>
-              <a:t>I think about four Idea for future research. </a:t>
-            </a:r>
-          </a:p>
-          <a:p>
-            <a:endParaRPr lang="en-US" altLang="ko-KR" dirty="0"/>
-          </a:p>
-          <a:p>
-            <a:r>
-              <a:rPr lang="en-US" altLang="ko-KR" dirty="0"/>
-              <a:t>The first is to solve the computation problem of the PLE. </a:t>
-            </a:r>
-          </a:p>
-          <a:p>
-            <a:endParaRPr lang="en-US" altLang="ko-KR" dirty="0"/>
-          </a:p>
-          <a:p>
-            <a:r>
-              <a:rPr lang="en-US" altLang="ko-KR" dirty="0"/>
-              <a:t>As an example, I want to apply Dropout to the PLE model.</a:t>
-            </a:r>
-          </a:p>
-          <a:p>
-            <a:r>
-              <a:rPr lang="en-US" altLang="ko-KR" dirty="0"/>
-              <a:t>The number of parameters of PLE are increased in proportion to the number of tasks</a:t>
-            </a:r>
-          </a:p>
-          <a:p>
-            <a:r>
-              <a:rPr lang="en-US" altLang="ko-KR" dirty="0"/>
-              <a:t>By applying Dropout to fix the number of tasks you consider at once, we can not only calculate efficiently but also provide robustness for the model. </a:t>
-            </a:r>
-          </a:p>
-          <a:p>
-            <a:endParaRPr lang="en-US" altLang="ko-KR" dirty="0"/>
-          </a:p>
-          <a:p>
-            <a:r>
-              <a:rPr lang="en-US" altLang="ko-KR" dirty="0"/>
-              <a:t>Especially if we reduce the number of parameters through Dropout </a:t>
-            </a:r>
-          </a:p>
-          <a:p>
-            <a:r>
-              <a:rPr lang="en-US" altLang="ko-KR" dirty="0"/>
-              <a:t>we can apply the Parallel and distributed MTL method. </a:t>
-            </a:r>
-          </a:p>
-          <a:p>
-            <a:endParaRPr lang="en-US" altLang="ko-KR" dirty="0"/>
-          </a:p>
-          <a:p>
-            <a:r>
-              <a:rPr lang="en-US" altLang="ko-KR" dirty="0"/>
-              <a:t>Additionally, By using the concept of dimension reduction in tasks, </a:t>
-            </a:r>
-          </a:p>
-          <a:p>
-            <a:r>
-              <a:rPr lang="en-US" altLang="ko-KR" dirty="0"/>
-              <a:t>Such as important tasks can be selected between tasks or combined into new tasks, we can improve the amount of computation reduction. </a:t>
-            </a:r>
-          </a:p>
-          <a:p>
-            <a:endParaRPr lang="en-US" altLang="ko-KR" dirty="0"/>
-          </a:p>
-          <a:p>
-            <a:endParaRPr lang="en-US" altLang="ko-KR" dirty="0"/>
-          </a:p>
-          <a:p>
-            <a:r>
-              <a:rPr lang="en-US" altLang="ko-KR" dirty="0"/>
-              <a:t>Secondly, applying MTL's method to Multi-domain. </a:t>
-            </a:r>
-          </a:p>
-          <a:p>
-            <a:r>
-              <a:rPr lang="en-US" altLang="ko-KR" dirty="0"/>
-              <a:t>For Multi tasks, it is a methodology that combines different tasks for the same area. </a:t>
-            </a:r>
-          </a:p>
-          <a:p>
-            <a:r>
-              <a:rPr lang="en-US" altLang="ko-KR" dirty="0"/>
-              <a:t>By changing this, like measuring VTR's AUC for different content, </a:t>
-            </a:r>
-          </a:p>
-          <a:p>
-            <a:r>
-              <a:rPr lang="en-US" altLang="ko-KR" dirty="0"/>
-              <a:t>  By giving the same tasks to different areas, we can once again drive performance improvement. </a:t>
-            </a:r>
-          </a:p>
-          <a:p>
-            <a:endParaRPr lang="en-US" altLang="ko-KR" dirty="0"/>
-          </a:p>
-          <a:p>
-            <a:r>
-              <a:rPr lang="en-US" altLang="ko-KR" dirty="0"/>
-              <a:t>If you could combine multi-learning methods like multi-view, multi-domain, and multi-task, </a:t>
-            </a:r>
-          </a:p>
-          <a:p>
-            <a:r>
-              <a:rPr lang="en-US" altLang="ko-KR" dirty="0"/>
-              <a:t>We can deliver better performance. </a:t>
-            </a:r>
-          </a:p>
-          <a:p>
-            <a:endParaRPr lang="en-US" altLang="ko-KR" dirty="0"/>
-          </a:p>
-          <a:p>
-            <a:r>
-              <a:rPr lang="en-US" altLang="ko-KR" dirty="0"/>
+              <a:rPr lang="en-US" altLang="ko-KR" b="1" dirty="0"/>
               <a:t>Finally, structure more deer hierarchy PLE model</a:t>
             </a:r>
           </a:p>
           <a:p>
             <a:r>
               <a:rPr lang="en-US" altLang="ko-KR" dirty="0"/>
-              <a:t>Based on the PLE layer, we have divided the model into lower-level and higher-level. </a:t>
-            </a:r>
-          </a:p>
-          <a:p>
-            <a:r>
-              <a:rPr lang="en-US" altLang="ko-KR" dirty="0"/>
-              <a:t>If you deepen the layer and give multiple layers of PLE,</a:t>
+              <a:t>Based on the PLE layer, paper have divided the model into lower-level and higher-level. </a:t>
+            </a:r>
+          </a:p>
+          <a:p>
+            <a:r>
+              <a:rPr lang="en-US" altLang="ko-KR" dirty="0"/>
+              <a:t>If we deepen the layer and give multiple layers of PLE,</a:t>
             </a:r>
           </a:p>
           <a:p>
@@ -6479,34 +3099,9 @@
           <a:lstStyle/>
           <a:p>
             <a:r>
-              <a:rPr lang="ko-KR" altLang="en-US" dirty="0"/>
-              <a:t>그럼 여기 까지가 제 발표였습니다</a:t>
-            </a:r>
-            <a:r>
-              <a:rPr lang="en-US" altLang="ko-KR" dirty="0"/>
-              <a:t>. </a:t>
-            </a:r>
-          </a:p>
-          <a:p>
-            <a:r>
-              <a:rPr lang="ko-KR" altLang="en-US" dirty="0"/>
-              <a:t>질문</a:t>
-            </a:r>
-            <a:r>
-              <a:rPr lang="en-US" altLang="ko-KR" dirty="0"/>
-              <a:t> </a:t>
-            </a:r>
-            <a:r>
-              <a:rPr lang="ko-KR" altLang="en-US" dirty="0"/>
-              <a:t>있으신 분들은 편히 질문해주시기 바랍니다</a:t>
-            </a:r>
-            <a:r>
-              <a:rPr lang="en-US" altLang="ko-KR" dirty="0"/>
-              <a:t>. </a:t>
-            </a:r>
-          </a:p>
-          <a:p>
-            <a:endParaRPr lang="en-US" altLang="ko-KR" dirty="0"/>
+              <a:rPr lang="en-US" altLang="ko-KR" dirty="0"/>
+              <a:t>Thank you for listening</a:t>
+            </a:r>
           </a:p>
           <a:p>
             <a:r>
@@ -6604,31 +3199,6 @@
           <a:lstStyle/>
           <a:p>
             <a:r>
-              <a:rPr lang="en-US" altLang="ko-KR" dirty="0"/>
-              <a:t>Summary of paper</a:t>
-            </a:r>
-            <a:r>
-              <a:rPr lang="ko-KR" altLang="en-US" dirty="0"/>
-              <a:t>에서는 다음과 같이 </a:t>
-            </a:r>
-            <a:r>
-              <a:rPr lang="en-US" altLang="ko-KR" dirty="0"/>
-              <a:t>5</a:t>
-            </a:r>
-            <a:r>
-              <a:rPr lang="ko-KR" altLang="en-US" dirty="0"/>
-              <a:t>단계에 맞춰 설명 드리겠습니다</a:t>
-            </a:r>
-            <a:r>
-              <a:rPr lang="en-US" altLang="ko-KR" dirty="0"/>
-              <a:t>.</a:t>
-            </a:r>
-          </a:p>
-          <a:p>
-            <a:endParaRPr lang="en-US" altLang="ko-KR" dirty="0"/>
-          </a:p>
-          <a:p>
-            <a:r>
               <a:rPr lang="en-US" altLang="ko-KR" b="0" i="0" dirty="0">
                 <a:solidFill>
                   <a:srgbClr val="000000"/>
@@ -6636,7 +3206,7 @@
                 <a:effectLst/>
                 <a:latin typeface="noto"/>
               </a:rPr>
-              <a:t>In the ‘Summary of Paper’, I will briefing paper in five steps as follows.</a:t>
+              <a:t>In the ‘Summary of Paper’, I will brief paper in five steps as follows.</a:t>
             </a:r>
             <a:r>
               <a:rPr lang="en-US" altLang="ko-KR" dirty="0"/>
@@ -6727,36 +3297,26 @@
           <a:lstStyle/>
           <a:p>
             <a:r>
-              <a:rPr lang="ko-KR" altLang="en-US" dirty="0"/>
-              <a:t>이 논문에서는 </a:t>
-            </a:r>
-            <a:r>
-              <a:rPr lang="en-US" altLang="ko-KR" dirty="0"/>
-              <a:t>Multi task learning </a:t>
-            </a:r>
-            <a:r>
-              <a:rPr lang="ko-KR" altLang="en-US" dirty="0"/>
-              <a:t>문제에서 자주 발생하는 </a:t>
-            </a:r>
-            <a:r>
-              <a:rPr lang="en-US" altLang="ko-KR" dirty="0"/>
-              <a:t>Negative Transfer</a:t>
-            </a:r>
-            <a:r>
-              <a:rPr lang="ko-KR" altLang="en-US" dirty="0"/>
-              <a:t>과 </a:t>
-            </a:r>
-            <a:r>
-              <a:rPr lang="en-US" altLang="ko-KR" dirty="0"/>
-              <a:t>Seesaw Phenomenon 2</a:t>
-            </a:r>
-            <a:r>
-              <a:rPr lang="ko-KR" altLang="en-US" dirty="0"/>
-              <a:t>가지로 정의하고 있습니다</a:t>
-            </a:r>
-            <a:r>
-              <a:rPr lang="en-US" altLang="ko-KR" dirty="0"/>
-              <a:t>. </a:t>
+              <a:rPr lang="en-US" altLang="ko-KR" b="1" dirty="0"/>
+              <a:t>In this paper, it define two problems: Negative Transfer and Seesaw Phenomenon</a:t>
+            </a:r>
+          </a:p>
+          <a:p>
+            <a:r>
+              <a:rPr lang="en-US" altLang="ko-KR" dirty="0"/>
+              <a:t>Negative Transfer means that the performance will deteriorate if the correlation between each task is low, or rather if there is a conflict. </a:t>
+            </a:r>
+          </a:p>
+          <a:p>
+            <a:r>
+              <a:rPr lang="en-US" altLang="ko-KR" dirty="0"/>
+              <a:t>There are several ways to resolve Negative Transfer.  </a:t>
+            </a:r>
+          </a:p>
+          <a:p>
+            <a:r>
+              <a:rPr lang="en-US" altLang="ko-KR" dirty="0"/>
+              <a:t>I'll explain the details later.</a:t>
             </a:r>
           </a:p>
           <a:p>
@@ -6764,54 +3324,20 @@
           </a:p>
           <a:p>
             <a:r>
-              <a:rPr lang="ko-KR" altLang="en-US" dirty="0"/>
-              <a:t>이때 </a:t>
-            </a:r>
-            <a:r>
-              <a:rPr lang="en-US" altLang="ko-KR" dirty="0"/>
-              <a:t>Negative Transfer</a:t>
-            </a:r>
-            <a:r>
-              <a:rPr lang="ko-KR" altLang="en-US" dirty="0"/>
-              <a:t>은 각</a:t>
-            </a:r>
-            <a:r>
-              <a:rPr lang="en-US" altLang="ko-KR" dirty="0"/>
-              <a:t> Task </a:t>
-            </a:r>
-            <a:r>
-              <a:rPr lang="ko-KR" altLang="en-US" dirty="0"/>
-              <a:t>간의 상관관계가 낮거나</a:t>
-            </a:r>
-            <a:r>
-              <a:rPr lang="en-US" altLang="ko-KR" dirty="0"/>
-              <a:t>, </a:t>
-            </a:r>
-            <a:r>
-              <a:rPr lang="ko-KR" altLang="en-US" dirty="0"/>
-              <a:t>오히려 충돌하는 경우에 성능이 악화되는 것을 의미합니다</a:t>
-            </a:r>
-            <a:r>
-              <a:rPr lang="en-US" altLang="ko-KR" dirty="0"/>
-              <a:t>. </a:t>
-            </a:r>
-          </a:p>
-          <a:p>
-            <a:r>
-              <a:rPr lang="ko-KR" altLang="en-US" dirty="0"/>
-              <a:t>이후에 자세히 다루겠지만 </a:t>
-            </a:r>
-            <a:r>
-              <a:rPr lang="en-US" altLang="ko-KR" dirty="0"/>
-              <a:t>Negative Transfer</a:t>
-            </a:r>
-            <a:r>
-              <a:rPr lang="ko-KR" altLang="en-US" dirty="0"/>
-              <a:t>을 해결하려는 방법들은 여럿 제시되어 왔습니다</a:t>
-            </a:r>
-            <a:r>
-              <a:rPr lang="en-US" altLang="ko-KR" dirty="0"/>
-              <a:t>. </a:t>
+              <a:rPr lang="en-US" altLang="ko-KR" dirty="0"/>
+              <a:t>Seesaw Phenomenon, which, is  defined first in this paper </a:t>
+            </a:r>
+          </a:p>
+          <a:p>
+            <a:r>
+              <a:rPr lang="en-US" altLang="ko-KR" dirty="0"/>
+              <a:t> This Phenomenon happens when the correlation between tasks is high and dependent each other</a:t>
+            </a:r>
+          </a:p>
+          <a:p>
+            <a:r>
+              <a:rPr lang="en-US" altLang="ko-KR" dirty="0"/>
+              <a:t> It means that a performance improvement in a particular task lead to the performance of the other tasks is deteriorating. </a:t>
             </a:r>
           </a:p>
           <a:p>
@@ -6819,216 +3345,17 @@
           </a:p>
           <a:p>
             <a:r>
-              <a:rPr lang="ko-KR" altLang="en-US" dirty="0"/>
-              <a:t>반면 </a:t>
-            </a:r>
-            <a:r>
-              <a:rPr lang="en-US" altLang="ko-KR" dirty="0"/>
-              <a:t>Seesaw Phenomenon</a:t>
-            </a:r>
-            <a:r>
-              <a:rPr lang="ko-KR" altLang="en-US" dirty="0"/>
-              <a:t>은 이번 </a:t>
-            </a:r>
-            <a:r>
-              <a:rPr lang="en-US" altLang="ko-KR" dirty="0"/>
-              <a:t>Paper</a:t>
-            </a:r>
-            <a:r>
-              <a:rPr lang="ko-KR" altLang="en-US" dirty="0"/>
-              <a:t>에서 처음으로 정의한 것으로</a:t>
-            </a:r>
-            <a:r>
-              <a:rPr lang="en-US" altLang="ko-KR" dirty="0"/>
-              <a:t>, </a:t>
-            </a:r>
-          </a:p>
-          <a:p>
-            <a:r>
-              <a:rPr lang="en-US" altLang="ko-KR" dirty="0"/>
-              <a:t> Task </a:t>
-            </a:r>
-            <a:r>
-              <a:rPr lang="ko-KR" altLang="en-US" dirty="0"/>
-              <a:t>간의 상관관계가 높고</a:t>
-            </a:r>
-            <a:r>
-              <a:rPr lang="en-US" altLang="ko-KR" dirty="0"/>
-              <a:t>, </a:t>
-            </a:r>
-            <a:r>
-              <a:rPr lang="ko-KR" altLang="en-US" dirty="0"/>
-              <a:t>연관성이 높을 때</a:t>
-            </a:r>
-            <a:endParaRPr lang="en-US" altLang="ko-KR" dirty="0"/>
-          </a:p>
-          <a:p>
-            <a:r>
               <a:rPr lang="en-US" altLang="ko-KR" dirty="0"/>
               <a:t> </a:t>
             </a:r>
             <a:r>
-              <a:rPr lang="ko-KR" altLang="en-US" dirty="0"/>
-              <a:t>특정 </a:t>
-            </a:r>
-            <a:r>
-              <a:rPr lang="en-US" altLang="ko-KR" dirty="0"/>
-              <a:t>task</a:t>
-            </a:r>
-            <a:r>
-              <a:rPr lang="ko-KR" altLang="en-US" dirty="0"/>
-              <a:t>의 성능 향상이 연관된 다른 </a:t>
-            </a:r>
-            <a:r>
-              <a:rPr lang="en-US" altLang="ko-KR" dirty="0"/>
-              <a:t>Task</a:t>
-            </a:r>
-            <a:r>
-              <a:rPr lang="ko-KR" altLang="en-US" dirty="0"/>
-              <a:t>의 성능을 악화시키는 현상을 의미합니다</a:t>
-            </a:r>
-            <a:r>
-              <a:rPr lang="en-US" altLang="ko-KR" dirty="0"/>
-              <a:t>. </a:t>
-            </a:r>
-          </a:p>
-          <a:p>
-            <a:r>
-              <a:rPr lang="en-US" altLang="ko-KR" dirty="0"/>
-              <a:t> </a:t>
-            </a:r>
-            <a:r>
-              <a:rPr lang="ko-KR" altLang="en-US" dirty="0"/>
-              <a:t>옆에 첨부한 </a:t>
-            </a:r>
-            <a:r>
-              <a:rPr lang="en-US" altLang="ko-KR" dirty="0"/>
-              <a:t>Figure</a:t>
-            </a:r>
-            <a:r>
-              <a:rPr lang="ko-KR" altLang="en-US" dirty="0"/>
-              <a:t>와 같이 대부분의 방법론들이 </a:t>
-            </a:r>
-            <a:r>
-              <a:rPr lang="en-US" altLang="ko-KR" dirty="0"/>
-              <a:t>seesaw Phenomenon</a:t>
-            </a:r>
-            <a:r>
-              <a:rPr lang="ko-KR" altLang="en-US" dirty="0"/>
-              <a:t>을 가지고 있음을 확인할 수 있습니다</a:t>
-            </a:r>
-            <a:r>
-              <a:rPr lang="en-US" altLang="ko-KR" dirty="0"/>
-              <a:t>. </a:t>
-            </a:r>
-          </a:p>
-          <a:p>
-            <a:endParaRPr lang="en-US" altLang="ko-KR" dirty="0"/>
-          </a:p>
-          <a:p>
-            <a:r>
-              <a:rPr lang="ko-KR" altLang="en-US" dirty="0"/>
-              <a:t>다시 돌아와서 </a:t>
-            </a:r>
-            <a:r>
-              <a:rPr lang="en-US" altLang="ko-KR" dirty="0"/>
-              <a:t>Negative Transfer</a:t>
-            </a:r>
-            <a:r>
-              <a:rPr lang="ko-KR" altLang="en-US" dirty="0"/>
-              <a:t>과 </a:t>
-            </a:r>
-            <a:r>
-              <a:rPr lang="en-US" altLang="ko-KR" dirty="0"/>
-              <a:t>Seesaw Phenomenon</a:t>
-            </a:r>
-            <a:r>
-              <a:rPr lang="ko-KR" altLang="en-US" dirty="0"/>
-              <a:t>은 </a:t>
-            </a:r>
-            <a:r>
-              <a:rPr lang="en-US" altLang="ko-KR" dirty="0"/>
-              <a:t>MTL</a:t>
-            </a:r>
-            <a:r>
-              <a:rPr lang="ko-KR" altLang="en-US" dirty="0"/>
-              <a:t>에 있어 흔히 일어나는 문제들로</a:t>
-            </a:r>
-            <a:r>
-              <a:rPr lang="en-US" altLang="ko-KR" dirty="0"/>
-              <a:t>, </a:t>
-            </a:r>
-            <a:r>
-              <a:rPr lang="ko-KR" altLang="en-US" dirty="0"/>
-              <a:t>해결하는 것이 중요합니다</a:t>
-            </a:r>
-            <a:r>
-              <a:rPr lang="en-US" altLang="ko-KR" dirty="0"/>
-              <a:t>.</a:t>
-            </a:r>
-          </a:p>
-          <a:p>
-            <a:endParaRPr lang="en-US" altLang="ko-KR" dirty="0"/>
-          </a:p>
-          <a:p>
-            <a:endParaRPr lang="en-US" altLang="ko-KR" dirty="0"/>
-          </a:p>
-          <a:p>
-            <a:r>
-              <a:rPr lang="en-US" altLang="ko-KR" dirty="0"/>
-              <a:t>In this paper, we define two problems: Negative Transfer and Seesaw Phenomenon, which occur frequently in multi-task learning problems. </a:t>
-            </a:r>
-          </a:p>
-          <a:p>
-            <a:endParaRPr lang="en-US" altLang="ko-KR" dirty="0"/>
-          </a:p>
-          <a:p>
-            <a:r>
-              <a:rPr lang="en-US" altLang="ko-KR" dirty="0"/>
-              <a:t>Negative Transfer means that the performance will deteriorate if the correlation between each task is low, or rather if there is a conflict. </a:t>
-            </a:r>
-          </a:p>
-          <a:p>
-            <a:r>
-              <a:rPr lang="en-US" altLang="ko-KR" dirty="0"/>
-              <a:t>There are several ways to resolve Negative Transfer.  </a:t>
-            </a:r>
-          </a:p>
-          <a:p>
-            <a:r>
-              <a:rPr lang="en-US" altLang="ko-KR" dirty="0"/>
-              <a:t>I'll explain the details later.</a:t>
-            </a:r>
-          </a:p>
-          <a:p>
-            <a:endParaRPr lang="en-US" altLang="ko-KR" dirty="0"/>
-          </a:p>
-          <a:p>
-            <a:r>
-              <a:rPr lang="en-US" altLang="ko-KR" dirty="0"/>
-              <a:t>Seesaw Phenomenon, on the other hand, is  defined first in this paper </a:t>
-            </a:r>
-          </a:p>
-          <a:p>
-            <a:r>
-              <a:rPr lang="en-US" altLang="ko-KR" dirty="0"/>
-              <a:t> This Phenomenon happens when the correlation between tasks is high and dependent each other</a:t>
-            </a:r>
-          </a:p>
-          <a:p>
-            <a:r>
-              <a:rPr lang="en-US" altLang="ko-KR" dirty="0"/>
-              <a:t> It means that a performance improvement in a particular task lead to the performance of the other tasks is deteriorating. </a:t>
-            </a:r>
-          </a:p>
-          <a:p>
-            <a:r>
-              <a:rPr lang="en-US" altLang="ko-KR" dirty="0"/>
-              <a:t> You can see that most methodologies have a seesaw phenomenon, as shown in the figure attached next to them. </a:t>
-            </a:r>
-          </a:p>
-          <a:p>
-            <a:endParaRPr lang="en-US" altLang="ko-KR" dirty="0"/>
+              <a:rPr lang="en-US" altLang="ko-KR" b="1" dirty="0"/>
+              <a:t>You can see that</a:t>
+            </a:r>
+            <a:r>
+              <a:rPr lang="en-US" altLang="ko-KR" dirty="0"/>
+              <a:t> most methodologies have a seesaw phenomenon, as shown in the figure attached next to them. </a:t>
+            </a:r>
           </a:p>
           <a:p>
             <a:r>
@@ -7136,28 +3463,24 @@
               <a:defRPr/>
             </a:pPr>
             <a:r>
+              <a:rPr lang="en-US" altLang="ko-KR" dirty="0"/>
+              <a:t>There</a:t>
+            </a:r>
+            <a:r>
               <a:rPr lang="ko-KR" altLang="en-US" dirty="0"/>
-              <a:t>지금까지 </a:t>
-            </a:r>
-            <a:r>
-              <a:rPr lang="en-US" altLang="ko-KR" dirty="0"/>
-              <a:t>Negative Transfer</a:t>
+              <a:t> </a:t>
+            </a:r>
+            <a:r>
+              <a:rPr lang="en-US" altLang="ko-KR" dirty="0"/>
+              <a:t>are</a:t>
             </a:r>
             <a:r>
               <a:rPr lang="ko-KR" altLang="en-US" dirty="0"/>
-              <a:t>을 해결하기 위해 </a:t>
-            </a:r>
-            <a:r>
-              <a:rPr lang="en-US" altLang="ko-KR" dirty="0"/>
-              <a:t>Cross-stitch network, Sluice network, MMOE </a:t>
-            </a:r>
-            <a:r>
-              <a:rPr lang="ko-KR" altLang="en-US" dirty="0"/>
-              <a:t>등의 방법론을 고안해왔습니다</a:t>
-            </a:r>
-            <a:r>
-              <a:rPr lang="en-US" altLang="ko-KR" dirty="0"/>
-              <a:t>. </a:t>
+              <a:t> </a:t>
+            </a:r>
+            <a:r>
+              <a:rPr lang="en-US" altLang="ko-KR" dirty="0"/>
+              <a:t>several methods such as Cross-stitch network, Slice network, and MMOE to address Negative Transfer. </a:t>
             </a:r>
           </a:p>
           <a:p>
@@ -7179,233 +3502,6 @@
               <a:defRPr/>
             </a:pPr>
             <a:endParaRPr lang="en-US" altLang="ko-KR" dirty="0"/>
-          </a:p>
-          <a:p>
-            <a:pPr marL="0" marR="0" lvl="0" indent="0" algn="l" defTabSz="914400" rtl="0" eaLnBrk="1" fontAlgn="auto" latinLnBrk="1" hangingPunct="1">
-              <a:lnSpc>
-                <a:spcPct val="100000"/>
-              </a:lnSpc>
-              <a:spcBef>
-                <a:spcPts val="0"/>
-              </a:spcBef>
-              <a:spcAft>
-                <a:spcPts val="0"/>
-              </a:spcAft>
-              <a:buClrTx/>
-              <a:buSzTx/>
-              <a:buFontTx/>
-              <a:buNone/>
-              <a:tabLst/>
-              <a:defRPr/>
-            </a:pPr>
-            <a:r>
-              <a:rPr lang="ko-KR" altLang="en-US" dirty="0"/>
-              <a:t>왼쪽에서 오른쪽 방향 순으로 방법론들이 제안되어 왔습니다</a:t>
-            </a:r>
-            <a:r>
-              <a:rPr lang="en-US" altLang="ko-KR" dirty="0"/>
-              <a:t>. </a:t>
-            </a:r>
-          </a:p>
-          <a:p>
-            <a:pPr marL="0" marR="0" lvl="0" indent="0" algn="l" defTabSz="914400" rtl="0" eaLnBrk="1" fontAlgn="auto" latinLnBrk="1" hangingPunct="1">
-              <a:lnSpc>
-                <a:spcPct val="100000"/>
-              </a:lnSpc>
-              <a:spcBef>
-                <a:spcPts val="0"/>
-              </a:spcBef>
-              <a:spcAft>
-                <a:spcPts val="0"/>
-              </a:spcAft>
-              <a:buClrTx/>
-              <a:buSzTx/>
-              <a:buFontTx/>
-              <a:buNone/>
-              <a:tabLst/>
-              <a:defRPr/>
-            </a:pPr>
-            <a:r>
-              <a:rPr lang="ko-KR" altLang="en-US" dirty="0"/>
-              <a:t>그 중에서 </a:t>
-            </a:r>
-            <a:r>
-              <a:rPr lang="en-US" altLang="ko-KR" dirty="0"/>
-              <a:t>MMOE</a:t>
-            </a:r>
-            <a:r>
-              <a:rPr lang="ko-KR" altLang="en-US" dirty="0"/>
-              <a:t>의 경우 당시 </a:t>
-            </a:r>
-            <a:r>
-              <a:rPr lang="en-US" altLang="ko-KR" dirty="0"/>
-              <a:t>SOTA method</a:t>
-            </a:r>
-            <a:r>
-              <a:rPr lang="ko-KR" altLang="en-US" dirty="0"/>
-              <a:t>로 여겨지고 있었습니다</a:t>
-            </a:r>
-            <a:r>
-              <a:rPr lang="en-US" altLang="ko-KR" dirty="0"/>
-              <a:t>. </a:t>
-            </a:r>
-          </a:p>
-          <a:p>
-            <a:pPr marL="0" marR="0" lvl="0" indent="0" algn="l" defTabSz="914400" rtl="0" eaLnBrk="1" fontAlgn="auto" latinLnBrk="1" hangingPunct="1">
-              <a:lnSpc>
-                <a:spcPct val="100000"/>
-              </a:lnSpc>
-              <a:spcBef>
-                <a:spcPts val="0"/>
-              </a:spcBef>
-              <a:spcAft>
-                <a:spcPts val="0"/>
-              </a:spcAft>
-              <a:buClrTx/>
-              <a:buSzTx/>
-              <a:buFontTx/>
-              <a:buNone/>
-              <a:tabLst/>
-              <a:defRPr/>
-            </a:pPr>
-            <a:endParaRPr lang="en-US" altLang="ko-KR" dirty="0"/>
-          </a:p>
-          <a:p>
-            <a:pPr marL="0" marR="0" lvl="0" indent="0" algn="l" defTabSz="914400" rtl="0" eaLnBrk="1" fontAlgn="auto" latinLnBrk="1" hangingPunct="1">
-              <a:lnSpc>
-                <a:spcPct val="100000"/>
-              </a:lnSpc>
-              <a:spcBef>
-                <a:spcPts val="0"/>
-              </a:spcBef>
-              <a:spcAft>
-                <a:spcPts val="0"/>
-              </a:spcAft>
-              <a:buClrTx/>
-              <a:buSzTx/>
-              <a:buFontTx/>
-              <a:buNone/>
-              <a:tabLst/>
-              <a:defRPr/>
-            </a:pPr>
-            <a:r>
-              <a:rPr lang="ko-KR" altLang="en-US" dirty="0"/>
-              <a:t>하지만 각각의 방법들은 </a:t>
-            </a:r>
-            <a:r>
-              <a:rPr lang="en-US" altLang="ko-KR" dirty="0"/>
-              <a:t>Seesaw Phenomenon</a:t>
-            </a:r>
-            <a:r>
-              <a:rPr lang="ko-KR" altLang="en-US" dirty="0"/>
-              <a:t>은 고려하지 못하고 있습니다</a:t>
-            </a:r>
-            <a:r>
-              <a:rPr lang="en-US" altLang="ko-KR" dirty="0"/>
-              <a:t>. </a:t>
-            </a:r>
-          </a:p>
-          <a:p>
-            <a:pPr marL="0" marR="0" lvl="0" indent="0" algn="l" defTabSz="914400" rtl="0" eaLnBrk="1" fontAlgn="auto" latinLnBrk="1" hangingPunct="1">
-              <a:lnSpc>
-                <a:spcPct val="100000"/>
-              </a:lnSpc>
-              <a:spcBef>
-                <a:spcPts val="0"/>
-              </a:spcBef>
-              <a:spcAft>
-                <a:spcPts val="0"/>
-              </a:spcAft>
-              <a:buClrTx/>
-              <a:buSzTx/>
-              <a:buFontTx/>
-              <a:buNone/>
-              <a:tabLst/>
-              <a:defRPr/>
-            </a:pPr>
-            <a:endParaRPr lang="en-US" altLang="ko-KR" dirty="0"/>
-          </a:p>
-          <a:p>
-            <a:pPr marL="0" marR="0" lvl="0" indent="0" algn="l" defTabSz="914400" rtl="0" eaLnBrk="1" fontAlgn="auto" latinLnBrk="1" hangingPunct="1">
-              <a:lnSpc>
-                <a:spcPct val="100000"/>
-              </a:lnSpc>
-              <a:spcBef>
-                <a:spcPts val="0"/>
-              </a:spcBef>
-              <a:spcAft>
-                <a:spcPts val="0"/>
-              </a:spcAft>
-              <a:buClrTx/>
-              <a:buSzTx/>
-              <a:buFontTx/>
-              <a:buNone/>
-              <a:tabLst/>
-              <a:defRPr/>
-            </a:pPr>
-            <a:r>
-              <a:rPr lang="en-US" altLang="ko-KR" dirty="0"/>
-              <a:t>There</a:t>
-            </a:r>
-            <a:r>
-              <a:rPr lang="ko-KR" altLang="en-US" dirty="0"/>
-              <a:t> </a:t>
-            </a:r>
-            <a:r>
-              <a:rPr lang="en-US" altLang="ko-KR" dirty="0"/>
-              <a:t>are</a:t>
-            </a:r>
-            <a:r>
-              <a:rPr lang="ko-KR" altLang="en-US" dirty="0"/>
-              <a:t> </a:t>
-            </a:r>
-            <a:r>
-              <a:rPr lang="en-US" altLang="ko-KR" dirty="0"/>
-              <a:t>several methods such as Cross-stitch network, Slice network, and MMOE to solve Negative Transfer. </a:t>
-            </a:r>
-          </a:p>
-          <a:p>
-            <a:pPr marL="0" marR="0" lvl="0" indent="0" algn="l" defTabSz="914400" rtl="0" eaLnBrk="1" fontAlgn="auto" latinLnBrk="1" hangingPunct="1">
-              <a:lnSpc>
-                <a:spcPct val="100000"/>
-              </a:lnSpc>
-              <a:spcBef>
-                <a:spcPts val="0"/>
-              </a:spcBef>
-              <a:spcAft>
-                <a:spcPts val="0"/>
-              </a:spcAft>
-              <a:buClrTx/>
-              <a:buSzTx/>
-              <a:buFontTx/>
-              <a:buNone/>
-              <a:tabLst/>
-              <a:defRPr/>
-            </a:pPr>
-            <a:endParaRPr lang="en-US" altLang="ko-KR" dirty="0"/>
-          </a:p>
-          <a:p>
-            <a:pPr marL="0" marR="0" lvl="0" indent="0" algn="l" defTabSz="914400" rtl="0" eaLnBrk="1" fontAlgn="auto" latinLnBrk="1" hangingPunct="1">
-              <a:lnSpc>
-                <a:spcPct val="100000"/>
-              </a:lnSpc>
-              <a:spcBef>
-                <a:spcPts val="0"/>
-              </a:spcBef>
-              <a:spcAft>
-                <a:spcPts val="0"/>
-              </a:spcAft>
-              <a:buClrTx/>
-              <a:buSzTx/>
-              <a:buFontTx/>
-              <a:buNone/>
-              <a:tabLst/>
-              <a:defRPr/>
-            </a:pPr>
-            <a:r>
-              <a:rPr lang="en-US" altLang="ko-KR" dirty="0"/>
-              <a:t>Methodologies have been proposed in the order of left to right. </a:t>
-            </a:r>
           </a:p>
           <a:p>
             <a:pPr marL="0" marR="0" lvl="0" indent="0" algn="l" defTabSz="914400" rtl="0" eaLnBrk="1" fontAlgn="auto" latinLnBrk="1" hangingPunct="1">
@@ -7581,330 +3677,7 @@
               <a:defRPr/>
             </a:pPr>
             <a:r>
-              <a:rPr lang="ko-KR" altLang="en-US" dirty="0"/>
-              <a:t>각각의 방법론의 특징과 한계점을 짚어보며 개선점을 찾을 수 있습니다</a:t>
-            </a:r>
-            <a:r>
-              <a:rPr lang="en-US" altLang="ko-KR" dirty="0"/>
-              <a:t>. </a:t>
-            </a:r>
-          </a:p>
-          <a:p>
-            <a:pPr marL="0" marR="0" lvl="0" indent="0" algn="l" defTabSz="914400" rtl="0" eaLnBrk="1" fontAlgn="auto" latinLnBrk="1" hangingPunct="1">
-              <a:lnSpc>
-                <a:spcPct val="100000"/>
-              </a:lnSpc>
-              <a:spcBef>
-                <a:spcPts val="0"/>
-              </a:spcBef>
-              <a:spcAft>
-                <a:spcPts val="0"/>
-              </a:spcAft>
-              <a:buClrTx/>
-              <a:buSzTx/>
-              <a:buFontTx/>
-              <a:buNone/>
-              <a:tabLst/>
-              <a:defRPr/>
-            </a:pPr>
-            <a:endParaRPr lang="en-US" altLang="ko-KR" dirty="0"/>
-          </a:p>
-          <a:p>
-            <a:pPr marL="0" marR="0" lvl="0" indent="0" algn="l" defTabSz="914400" rtl="0" eaLnBrk="1" fontAlgn="auto" latinLnBrk="1" hangingPunct="1">
-              <a:lnSpc>
-                <a:spcPct val="100000"/>
-              </a:lnSpc>
-              <a:spcBef>
-                <a:spcPts val="0"/>
-              </a:spcBef>
-              <a:spcAft>
-                <a:spcPts val="0"/>
-              </a:spcAft>
-              <a:buClrTx/>
-              <a:buSzTx/>
-              <a:buFontTx/>
-              <a:buNone/>
-              <a:tabLst/>
-              <a:defRPr/>
-            </a:pPr>
-            <a:r>
-              <a:rPr lang="ko-KR" altLang="en-US" dirty="0"/>
-              <a:t>먼저 </a:t>
-            </a:r>
-            <a:r>
-              <a:rPr lang="en-US" altLang="ko-KR" dirty="0"/>
-              <a:t>Cross-Stitch Network</a:t>
-            </a:r>
-            <a:r>
-              <a:rPr lang="ko-KR" altLang="en-US" dirty="0"/>
-              <a:t>와 </a:t>
-            </a:r>
-            <a:r>
-              <a:rPr lang="en-US" altLang="ko-KR" dirty="0"/>
-              <a:t>Sluice Network</a:t>
-            </a:r>
-            <a:r>
-              <a:rPr lang="ko-KR" altLang="en-US" dirty="0"/>
-              <a:t>의 경우</a:t>
-            </a:r>
-            <a:r>
-              <a:rPr lang="en-US" altLang="ko-KR" dirty="0"/>
-              <a:t>, </a:t>
-            </a:r>
-          </a:p>
-          <a:p>
-            <a:pPr marL="0" marR="0" lvl="0" indent="0" algn="l" defTabSz="914400" rtl="0" eaLnBrk="1" fontAlgn="auto" latinLnBrk="1" hangingPunct="1">
-              <a:lnSpc>
-                <a:spcPct val="100000"/>
-              </a:lnSpc>
-              <a:spcBef>
-                <a:spcPts val="0"/>
-              </a:spcBef>
-              <a:spcAft>
-                <a:spcPts val="0"/>
-              </a:spcAft>
-              <a:buClrTx/>
-              <a:buSzTx/>
-              <a:buFontTx/>
-              <a:buNone/>
-              <a:tabLst/>
-              <a:defRPr/>
-            </a:pPr>
-            <a:r>
-              <a:rPr lang="ko-KR" altLang="en-US" dirty="0"/>
-              <a:t>서로 다른 </a:t>
-            </a:r>
-            <a:r>
-              <a:rPr lang="en-US" altLang="ko-KR" dirty="0"/>
-              <a:t>Tasks</a:t>
-            </a:r>
-            <a:r>
-              <a:rPr lang="ko-KR" altLang="en-US" dirty="0"/>
-              <a:t>로부터 </a:t>
-            </a:r>
-            <a:r>
-              <a:rPr lang="en-US" altLang="ko-KR" dirty="0"/>
-              <a:t>Representation</a:t>
-            </a:r>
-            <a:r>
-              <a:rPr lang="ko-KR" altLang="en-US" dirty="0"/>
-              <a:t>의 선형결합을 통해 가중치를 학습했습니다</a:t>
-            </a:r>
-            <a:r>
-              <a:rPr lang="en-US" altLang="ko-KR" dirty="0"/>
-              <a:t>. </a:t>
-            </a:r>
-          </a:p>
-          <a:p>
-            <a:pPr marL="0" marR="0" lvl="0" indent="0" algn="l" defTabSz="914400" rtl="0" eaLnBrk="1" fontAlgn="auto" latinLnBrk="1" hangingPunct="1">
-              <a:lnSpc>
-                <a:spcPct val="100000"/>
-              </a:lnSpc>
-              <a:spcBef>
-                <a:spcPts val="0"/>
-              </a:spcBef>
-              <a:spcAft>
-                <a:spcPts val="0"/>
-              </a:spcAft>
-              <a:buClrTx/>
-              <a:buSzTx/>
-              <a:buFontTx/>
-              <a:buNone/>
-              <a:tabLst/>
-              <a:defRPr/>
-            </a:pPr>
-            <a:endParaRPr lang="en-US" altLang="ko-KR" dirty="0"/>
-          </a:p>
-          <a:p>
-            <a:pPr marL="0" marR="0" lvl="0" indent="0" algn="l" defTabSz="914400" rtl="0" eaLnBrk="1" fontAlgn="auto" latinLnBrk="1" hangingPunct="1">
-              <a:lnSpc>
-                <a:spcPct val="100000"/>
-              </a:lnSpc>
-              <a:spcBef>
-                <a:spcPts val="0"/>
-              </a:spcBef>
-              <a:spcAft>
-                <a:spcPts val="0"/>
-              </a:spcAft>
-              <a:buClrTx/>
-              <a:buSzTx/>
-              <a:buFontTx/>
-              <a:buNone/>
-              <a:tabLst/>
-              <a:defRPr/>
-            </a:pPr>
-            <a:r>
-              <a:rPr lang="ko-KR" altLang="en-US" dirty="0"/>
-              <a:t>하지만 모든 </a:t>
-            </a:r>
-            <a:r>
-              <a:rPr lang="en-US" altLang="ko-KR" dirty="0"/>
-              <a:t>Sample</a:t>
-            </a:r>
-            <a:r>
-              <a:rPr lang="ko-KR" altLang="en-US" dirty="0"/>
-              <a:t>에 대해서 고정된 </a:t>
-            </a:r>
-            <a:r>
-              <a:rPr lang="en-US" altLang="ko-KR" dirty="0"/>
-              <a:t>/ </a:t>
-            </a:r>
-            <a:r>
-              <a:rPr lang="ko-KR" altLang="en-US" dirty="0"/>
-              <a:t>동일한 가중치를 매겼기 때문에 </a:t>
-            </a:r>
-            <a:endParaRPr lang="en-US" altLang="ko-KR" dirty="0"/>
-          </a:p>
-          <a:p>
-            <a:pPr marL="0" marR="0" lvl="0" indent="0" algn="l" defTabSz="914400" rtl="0" eaLnBrk="1" fontAlgn="auto" latinLnBrk="1" hangingPunct="1">
-              <a:lnSpc>
-                <a:spcPct val="100000"/>
-              </a:lnSpc>
-              <a:spcBef>
-                <a:spcPts val="0"/>
-              </a:spcBef>
-              <a:spcAft>
-                <a:spcPts val="0"/>
-              </a:spcAft>
-              <a:buClrTx/>
-              <a:buSzTx/>
-              <a:buFontTx/>
-              <a:buNone/>
-              <a:tabLst/>
-              <a:defRPr/>
-            </a:pPr>
-            <a:r>
-              <a:rPr lang="ko-KR" altLang="en-US" dirty="0"/>
-              <a:t>보다 정밀한 성과를 이끌어 내지 못했으며</a:t>
-            </a:r>
-            <a:r>
-              <a:rPr lang="en-US" altLang="ko-KR" dirty="0"/>
-              <a:t>, Seesaw Phenomenon</a:t>
-            </a:r>
-            <a:r>
-              <a:rPr lang="ko-KR" altLang="en-US" dirty="0"/>
-              <a:t> 또한 해결하지 못했습니다</a:t>
-            </a:r>
-            <a:r>
-              <a:rPr lang="en-US" altLang="ko-KR" dirty="0"/>
-              <a:t>. </a:t>
-            </a:r>
-          </a:p>
-          <a:p>
-            <a:pPr marL="0" marR="0" lvl="0" indent="0" algn="l" defTabSz="914400" rtl="0" eaLnBrk="1" fontAlgn="auto" latinLnBrk="1" hangingPunct="1">
-              <a:lnSpc>
-                <a:spcPct val="100000"/>
-              </a:lnSpc>
-              <a:spcBef>
-                <a:spcPts val="0"/>
-              </a:spcBef>
-              <a:spcAft>
-                <a:spcPts val="0"/>
-              </a:spcAft>
-              <a:buClrTx/>
-              <a:buSzTx/>
-              <a:buFontTx/>
-              <a:buNone/>
-              <a:tabLst/>
-              <a:defRPr/>
-            </a:pPr>
-            <a:endParaRPr lang="en-US" altLang="ko-KR" dirty="0"/>
-          </a:p>
-          <a:p>
-            <a:pPr marL="0" marR="0" lvl="0" indent="0" algn="l" defTabSz="914400" rtl="0" eaLnBrk="1" fontAlgn="auto" latinLnBrk="1" hangingPunct="1">
-              <a:lnSpc>
-                <a:spcPct val="100000"/>
-              </a:lnSpc>
-              <a:spcBef>
-                <a:spcPts val="0"/>
-              </a:spcBef>
-              <a:spcAft>
-                <a:spcPts val="0"/>
-              </a:spcAft>
-              <a:buClrTx/>
-              <a:buSzTx/>
-              <a:buFontTx/>
-              <a:buNone/>
-              <a:tabLst/>
-              <a:defRPr/>
-            </a:pPr>
-            <a:r>
-              <a:rPr lang="ko-KR" altLang="en-US" dirty="0"/>
-              <a:t>따라서 </a:t>
-            </a:r>
-            <a:r>
-              <a:rPr lang="en-US" altLang="ko-KR" dirty="0"/>
-              <a:t>Adaptive combinations of task</a:t>
-            </a:r>
-            <a:r>
-              <a:rPr lang="ko-KR" altLang="en-US" dirty="0"/>
-              <a:t>가 필요하다는 걸 확인할 수 있습니다</a:t>
-            </a:r>
-            <a:r>
-              <a:rPr lang="en-US" altLang="ko-KR" dirty="0"/>
-              <a:t>. </a:t>
-            </a:r>
-          </a:p>
-          <a:p>
-            <a:pPr marL="0" marR="0" lvl="0" indent="0" algn="l" defTabSz="914400" rtl="0" eaLnBrk="1" fontAlgn="auto" latinLnBrk="1" hangingPunct="1">
-              <a:lnSpc>
-                <a:spcPct val="100000"/>
-              </a:lnSpc>
-              <a:spcBef>
-                <a:spcPts val="0"/>
-              </a:spcBef>
-              <a:spcAft>
-                <a:spcPts val="0"/>
-              </a:spcAft>
-              <a:buClrTx/>
-              <a:buSzTx/>
-              <a:buFontTx/>
-              <a:buNone/>
-              <a:tabLst/>
-              <a:defRPr/>
-            </a:pPr>
-            <a:endParaRPr lang="en-US" altLang="ko-KR" dirty="0"/>
-          </a:p>
-          <a:p>
-            <a:pPr marL="0" marR="0" lvl="0" indent="0" algn="l" defTabSz="914400" rtl="0" eaLnBrk="1" fontAlgn="auto" latinLnBrk="1" hangingPunct="1">
-              <a:lnSpc>
-                <a:spcPct val="100000"/>
-              </a:lnSpc>
-              <a:spcBef>
-                <a:spcPts val="0"/>
-              </a:spcBef>
-              <a:spcAft>
-                <a:spcPts val="0"/>
-              </a:spcAft>
-              <a:buClrTx/>
-              <a:buSzTx/>
-              <a:buFontTx/>
-              <a:buNone/>
-              <a:tabLst/>
-              <a:defRPr/>
-            </a:pPr>
-            <a:endParaRPr lang="en-US" altLang="ko-KR" dirty="0"/>
-          </a:p>
-          <a:p>
-            <a:pPr marL="0" marR="0" lvl="0" indent="0" algn="l" defTabSz="914400" rtl="0" eaLnBrk="1" fontAlgn="auto" latinLnBrk="1" hangingPunct="1">
-              <a:lnSpc>
-                <a:spcPct val="100000"/>
-              </a:lnSpc>
-              <a:spcBef>
-                <a:spcPts val="0"/>
-              </a:spcBef>
-              <a:spcAft>
-                <a:spcPts val="0"/>
-              </a:spcAft>
-              <a:buClrTx/>
-              <a:buSzTx/>
-              <a:buFontTx/>
-              <a:buNone/>
-              <a:tabLst/>
-              <a:defRPr/>
-            </a:pPr>
-            <a:r>
-              <a:rPr lang="en-US" altLang="ko-KR" dirty="0"/>
+              <a:rPr lang="en-US" altLang="ko-KR" b="1" dirty="0"/>
               <a:t>we can find improvement point by looking at the characteristics and limitations of each methodology. </a:t>
             </a:r>
           </a:p>
@@ -8185,39 +3958,7 @@
             </a:pPr>
             <a:r>
               <a:rPr lang="en-US" altLang="ko-KR" dirty="0"/>
-              <a:t>SOTA </a:t>
-            </a:r>
-            <a:r>
-              <a:rPr lang="ko-KR" altLang="en-US" dirty="0"/>
-              <a:t>방법인 </a:t>
-            </a:r>
-            <a:r>
-              <a:rPr lang="en-US" altLang="ko-KR" dirty="0"/>
-              <a:t>MMOE</a:t>
-            </a:r>
-            <a:r>
-              <a:rPr lang="ko-KR" altLang="en-US" dirty="0"/>
-              <a:t>의 경우 </a:t>
-            </a:r>
-            <a:r>
-              <a:rPr lang="en-US" altLang="ko-KR" dirty="0"/>
-              <a:t>Gate Network</a:t>
-            </a:r>
-            <a:r>
-              <a:rPr lang="ko-KR" altLang="en-US" dirty="0"/>
-              <a:t>을 사용하여 각 </a:t>
-            </a:r>
-            <a:r>
-              <a:rPr lang="en-US" altLang="ko-KR" dirty="0"/>
-              <a:t>Task</a:t>
-            </a:r>
-            <a:r>
-              <a:rPr lang="ko-KR" altLang="en-US" dirty="0"/>
-              <a:t> 간의 차이점을 조화시켰습니다</a:t>
-            </a:r>
-            <a:r>
-              <a:rPr lang="en-US" altLang="ko-KR" dirty="0"/>
-              <a:t>. </a:t>
+              <a:t>In the case of the SOTA method, MMOE, the difference between each task was reconciled using the Gate Network. </a:t>
             </a:r>
           </a:p>
           <a:p>
@@ -8259,332 +4000,9 @@
               <a:defRPr/>
             </a:pPr>
             <a:r>
-              <a:rPr lang="ko-KR" altLang="en-US" dirty="0"/>
-              <a:t>이를 통해 </a:t>
-            </a:r>
-            <a:r>
-              <a:rPr lang="en-US" altLang="ko-KR" dirty="0"/>
-              <a:t>Task </a:t>
-            </a:r>
-            <a:r>
-              <a:rPr lang="ko-KR" altLang="en-US" dirty="0"/>
-              <a:t>간의 차이를 잘 조율하여 </a:t>
-            </a:r>
-            <a:r>
-              <a:rPr lang="en-US" altLang="ko-KR" dirty="0"/>
-              <a:t>1) Deal with negative transfer, 2) Optimize multiple objectives </a:t>
-            </a:r>
-            <a:r>
-              <a:rPr lang="ko-KR" altLang="en-US" dirty="0"/>
-              <a:t>를 할 수 있습니다</a:t>
-            </a:r>
-            <a:r>
-              <a:rPr lang="en-US" altLang="ko-KR" dirty="0"/>
-              <a:t>. </a:t>
-            </a:r>
-          </a:p>
-          <a:p>
-            <a:pPr marL="0" marR="0" lvl="0" indent="0" algn="l" defTabSz="914400" rtl="0" eaLnBrk="1" fontAlgn="auto" latinLnBrk="1" hangingPunct="1">
-              <a:lnSpc>
-                <a:spcPct val="100000"/>
-              </a:lnSpc>
-              <a:spcBef>
-                <a:spcPts val="0"/>
-              </a:spcBef>
-              <a:spcAft>
-                <a:spcPts val="0"/>
-              </a:spcAft>
-              <a:buClrTx/>
-              <a:buSzTx/>
-              <a:buFontTx/>
-              <a:buNone/>
-              <a:tabLst/>
-              <a:defRPr/>
-            </a:pPr>
-            <a:endParaRPr lang="en-US" altLang="ko-KR" dirty="0"/>
-          </a:p>
-          <a:p>
-            <a:pPr marL="0" marR="0" lvl="0" indent="0" algn="l" defTabSz="914400" rtl="0" eaLnBrk="1" fontAlgn="auto" latinLnBrk="1" hangingPunct="1">
-              <a:lnSpc>
-                <a:spcPct val="100000"/>
-              </a:lnSpc>
-              <a:spcBef>
-                <a:spcPts val="0"/>
-              </a:spcBef>
-              <a:spcAft>
-                <a:spcPts val="0"/>
-              </a:spcAft>
-              <a:buClrTx/>
-              <a:buSzTx/>
-              <a:buFontTx/>
-              <a:buNone/>
-              <a:tabLst/>
-              <a:defRPr/>
-            </a:pPr>
-            <a:r>
-              <a:rPr lang="ko-KR" altLang="en-US" dirty="0"/>
-              <a:t>하지만 </a:t>
-            </a:r>
-            <a:r>
-              <a:rPr lang="en-US" altLang="ko-KR" dirty="0"/>
-              <a:t>MMOE</a:t>
-            </a:r>
-            <a:r>
-              <a:rPr lang="ko-KR" altLang="en-US" dirty="0"/>
-              <a:t>는 </a:t>
-            </a:r>
-            <a:r>
-              <a:rPr lang="en-US" altLang="ko-KR" dirty="0"/>
-              <a:t>Task </a:t>
-            </a:r>
-            <a:r>
-              <a:rPr lang="ko-KR" altLang="en-US" dirty="0"/>
-              <a:t>간의 관계를 고려하지 않았다는 단점이 있습니다</a:t>
-            </a:r>
-            <a:r>
-              <a:rPr lang="en-US" altLang="ko-KR" dirty="0"/>
-              <a:t>. </a:t>
-            </a:r>
-          </a:p>
-          <a:p>
-            <a:pPr marL="0" marR="0" lvl="0" indent="0" algn="l" defTabSz="914400" rtl="0" eaLnBrk="1" fontAlgn="auto" latinLnBrk="1" hangingPunct="1">
-              <a:lnSpc>
-                <a:spcPct val="100000"/>
-              </a:lnSpc>
-              <a:spcBef>
-                <a:spcPts val="0"/>
-              </a:spcBef>
-              <a:spcAft>
-                <a:spcPts val="0"/>
-              </a:spcAft>
-              <a:buClrTx/>
-              <a:buSzTx/>
-              <a:buFontTx/>
-              <a:buNone/>
-              <a:tabLst/>
-              <a:defRPr/>
-            </a:pPr>
-            <a:r>
-              <a:rPr lang="ko-KR" altLang="en-US" dirty="0"/>
-              <a:t>이는 모델의 성능을 제한했으며</a:t>
-            </a:r>
-            <a:r>
-              <a:rPr lang="en-US" altLang="ko-KR" dirty="0"/>
-              <a:t>, </a:t>
-            </a:r>
-            <a:r>
-              <a:rPr lang="ko-KR" altLang="en-US" dirty="0"/>
-              <a:t>또한 </a:t>
-            </a:r>
-            <a:r>
-              <a:rPr lang="en-US" altLang="ko-KR" dirty="0"/>
-              <a:t>seesaw Phenomenon</a:t>
-            </a:r>
-            <a:r>
-              <a:rPr lang="ko-KR" altLang="en-US" dirty="0"/>
-              <a:t>을 해결하지 못했습니다</a:t>
-            </a:r>
-            <a:r>
-              <a:rPr lang="en-US" altLang="ko-KR" dirty="0"/>
-              <a:t>. </a:t>
-            </a:r>
-          </a:p>
-          <a:p>
-            <a:pPr marL="0" marR="0" lvl="0" indent="0" algn="l" defTabSz="914400" rtl="0" eaLnBrk="1" fontAlgn="auto" latinLnBrk="1" hangingPunct="1">
-              <a:lnSpc>
-                <a:spcPct val="100000"/>
-              </a:lnSpc>
-              <a:spcBef>
-                <a:spcPts val="0"/>
-              </a:spcBef>
-              <a:spcAft>
-                <a:spcPts val="0"/>
-              </a:spcAft>
-              <a:buClrTx/>
-              <a:buSzTx/>
-              <a:buFontTx/>
-              <a:buNone/>
-              <a:tabLst/>
-              <a:defRPr/>
-            </a:pPr>
-            <a:endParaRPr lang="en-US" altLang="ko-KR" dirty="0"/>
-          </a:p>
-          <a:p>
-            <a:pPr marL="0" marR="0" lvl="0" indent="0" algn="l" defTabSz="914400" rtl="0" eaLnBrk="1" fontAlgn="auto" latinLnBrk="1" hangingPunct="1">
-              <a:lnSpc>
-                <a:spcPct val="100000"/>
-              </a:lnSpc>
-              <a:spcBef>
-                <a:spcPts val="0"/>
-              </a:spcBef>
-              <a:spcAft>
-                <a:spcPts val="0"/>
-              </a:spcAft>
-              <a:buClrTx/>
-              <a:buSzTx/>
-              <a:buFontTx/>
-              <a:buNone/>
-              <a:tabLst/>
-              <a:defRPr/>
-            </a:pPr>
-            <a:r>
-              <a:rPr lang="ko-KR" altLang="en-US" dirty="0"/>
-              <a:t>따라서</a:t>
-            </a:r>
-            <a:r>
-              <a:rPr lang="en-US" altLang="ko-KR" dirty="0"/>
-              <a:t>, Gate network </a:t>
-            </a:r>
-            <a:r>
-              <a:rPr lang="ko-KR" altLang="en-US" dirty="0"/>
-              <a:t>는 유용하나</a:t>
-            </a:r>
-            <a:r>
-              <a:rPr lang="en-US" altLang="ko-KR" dirty="0"/>
-              <a:t>, </a:t>
-            </a:r>
-            <a:r>
-              <a:rPr lang="ko-KR" altLang="en-US" dirty="0"/>
-              <a:t>추가적으로 </a:t>
-            </a:r>
-            <a:r>
-              <a:rPr lang="en-US" altLang="ko-KR" dirty="0"/>
-              <a:t>Tasks specific / task-shared concept </a:t>
-            </a:r>
-            <a:r>
-              <a:rPr lang="ko-KR" altLang="en-US" dirty="0"/>
-              <a:t>을 도입해야 함을 확인할 수 있습니다</a:t>
-            </a:r>
-            <a:r>
-              <a:rPr lang="en-US" altLang="ko-KR" dirty="0"/>
-              <a:t>. </a:t>
-            </a:r>
-          </a:p>
-          <a:p>
-            <a:pPr marL="0" marR="0" lvl="0" indent="0" algn="l" defTabSz="914400" rtl="0" eaLnBrk="1" fontAlgn="auto" latinLnBrk="1" hangingPunct="1">
-              <a:lnSpc>
-                <a:spcPct val="100000"/>
-              </a:lnSpc>
-              <a:spcBef>
-                <a:spcPts val="0"/>
-              </a:spcBef>
-              <a:spcAft>
-                <a:spcPts val="0"/>
-              </a:spcAft>
-              <a:buClrTx/>
-              <a:buSzTx/>
-              <a:buFontTx/>
-              <a:buNone/>
-              <a:tabLst/>
-              <a:defRPr/>
-            </a:pPr>
-            <a:endParaRPr lang="en-US" altLang="ko-KR" dirty="0"/>
-          </a:p>
-          <a:p>
-            <a:pPr marL="0" marR="0" lvl="0" indent="0" algn="l" defTabSz="914400" rtl="0" eaLnBrk="1" fontAlgn="auto" latinLnBrk="1" hangingPunct="1">
-              <a:lnSpc>
-                <a:spcPct val="100000"/>
-              </a:lnSpc>
-              <a:spcBef>
-                <a:spcPts val="0"/>
-              </a:spcBef>
-              <a:spcAft>
-                <a:spcPts val="0"/>
-              </a:spcAft>
-              <a:buClrTx/>
-              <a:buSzTx/>
-              <a:buFontTx/>
-              <a:buNone/>
-              <a:tabLst/>
-              <a:defRPr/>
-            </a:pPr>
-            <a:endParaRPr lang="en-US" altLang="ko-KR" dirty="0"/>
-          </a:p>
-          <a:p>
-            <a:pPr marL="0" marR="0" lvl="0" indent="0" algn="l" defTabSz="914400" rtl="0" eaLnBrk="1" fontAlgn="auto" latinLnBrk="1" hangingPunct="1">
-              <a:lnSpc>
-                <a:spcPct val="100000"/>
-              </a:lnSpc>
-              <a:spcBef>
-                <a:spcPts val="0"/>
-              </a:spcBef>
-              <a:spcAft>
-                <a:spcPts val="0"/>
-              </a:spcAft>
-              <a:buClrTx/>
-              <a:buSzTx/>
-              <a:buFontTx/>
-              <a:buNone/>
-              <a:tabLst/>
-              <a:defRPr/>
-            </a:pPr>
-            <a:r>
-              <a:rPr lang="en-US" altLang="ko-KR" dirty="0"/>
-              <a:t>In the case of the SOTA method, MMOE, the difference between each task was reconciled using the Gate Network. </a:t>
-            </a:r>
-          </a:p>
-          <a:p>
-            <a:pPr marL="0" marR="0" lvl="0" indent="0" algn="l" defTabSz="914400" rtl="0" eaLnBrk="1" fontAlgn="auto" latinLnBrk="1" hangingPunct="1">
-              <a:lnSpc>
-                <a:spcPct val="100000"/>
-              </a:lnSpc>
-              <a:spcBef>
-                <a:spcPts val="0"/>
-              </a:spcBef>
-              <a:spcAft>
-                <a:spcPts val="0"/>
-              </a:spcAft>
-              <a:buClrTx/>
-              <a:buSzTx/>
-              <a:buFontTx/>
-              <a:buNone/>
-              <a:tabLst/>
-              <a:defRPr/>
-            </a:pPr>
-            <a:endParaRPr lang="en-US" altLang="ko-KR" dirty="0"/>
-          </a:p>
-          <a:p>
-            <a:pPr marL="0" marR="0" lvl="0" indent="0" algn="l" defTabSz="914400" rtl="0" eaLnBrk="1" fontAlgn="auto" latinLnBrk="1" hangingPunct="1">
-              <a:lnSpc>
-                <a:spcPct val="100000"/>
-              </a:lnSpc>
-              <a:spcBef>
-                <a:spcPts val="0"/>
-              </a:spcBef>
-              <a:spcAft>
-                <a:spcPts val="0"/>
-              </a:spcAft>
-              <a:buClrTx/>
-              <a:buSzTx/>
-              <a:buFontTx/>
-              <a:buNone/>
-              <a:tabLst/>
-              <a:defRPr/>
-            </a:pPr>
-            <a:r>
               <a:rPr lang="en-US" altLang="ko-KR" dirty="0"/>
               <a:t>This allows for 1) Deal with negative transfer, 2) Optimize multiple objects by adjusting the differences between tasks well. </a:t>
             </a:r>
-          </a:p>
-          <a:p>
-            <a:pPr marL="0" marR="0" lvl="0" indent="0" algn="l" defTabSz="914400" rtl="0" eaLnBrk="1" fontAlgn="auto" latinLnBrk="1" hangingPunct="1">
-              <a:lnSpc>
-                <a:spcPct val="100000"/>
-              </a:lnSpc>
-              <a:spcBef>
-                <a:spcPts val="0"/>
-              </a:spcBef>
-              <a:spcAft>
-                <a:spcPts val="0"/>
-              </a:spcAft>
-              <a:buClrTx/>
-              <a:buSzTx/>
-              <a:buFontTx/>
-              <a:buNone/>
-              <a:tabLst/>
-              <a:defRPr/>
-            </a:pPr>
-            <a:endParaRPr lang="en-US" altLang="ko-KR" dirty="0"/>
           </a:p>
           <a:p>
             <a:pPr marL="0" marR="0" lvl="0" indent="0" algn="l" defTabSz="914400" rtl="0" eaLnBrk="1" fontAlgn="auto" latinLnBrk="1" hangingPunct="1">
@@ -8759,40 +4177,29 @@
           <a:lstStyle/>
           <a:p>
             <a:r>
-              <a:rPr lang="en-US" altLang="ko-KR" dirty="0"/>
-              <a:t>Task </a:t>
-            </a:r>
-            <a:r>
-              <a:rPr lang="ko-KR" altLang="en-US" dirty="0"/>
-              <a:t>간의 관계를 반영하기 위해서 </a:t>
-            </a:r>
-            <a:r>
-              <a:rPr lang="en-US" altLang="ko-KR" dirty="0"/>
-              <a:t>Task-Specific / Task-common </a:t>
-            </a:r>
-            <a:r>
-              <a:rPr lang="ko-KR" altLang="en-US" dirty="0"/>
-              <a:t>개념을 나누고</a:t>
-            </a:r>
-            <a:r>
-              <a:rPr lang="en-US" altLang="ko-KR" dirty="0"/>
-              <a:t>, </a:t>
-            </a:r>
-            <a:r>
-              <a:rPr lang="ko-KR" altLang="en-US" dirty="0"/>
-              <a:t>보다 좋은 </a:t>
-            </a:r>
-            <a:r>
-              <a:rPr lang="en-US" altLang="ko-KR" dirty="0"/>
-              <a:t>Network structure</a:t>
-            </a:r>
-            <a:r>
-              <a:rPr lang="ko-KR" altLang="en-US" dirty="0"/>
-              <a:t>을 찾으려는 시도는 처음이 아닙니다</a:t>
-            </a:r>
-            <a:r>
-              <a:rPr lang="en-US" altLang="ko-KR" dirty="0"/>
-              <a:t>. </a:t>
+              <a:rPr lang="en-US" altLang="ko-KR" b="1" dirty="0"/>
+              <a:t>This is not the first time that have divided the Task-Specific/Task-common concepts to reflect the relationship between Tasks</a:t>
+            </a:r>
+          </a:p>
+          <a:p>
+            <a:endParaRPr lang="en-US" altLang="ko-KR" b="1" dirty="0"/>
+          </a:p>
+          <a:p>
+            <a:r>
+              <a:rPr lang="en-US" altLang="ko-KR" dirty="0"/>
+              <a:t>MTAN used Task-specific / Task-common notion first. </a:t>
+            </a:r>
+          </a:p>
+          <a:p>
+            <a:r>
+              <a:rPr lang="en-US" altLang="ko-KR" dirty="0"/>
+              <a:t>However, before going through the Attention Network, it shared representations among different tasks, it creates an environment where interference between each characteristic could occur. </a:t>
+            </a:r>
+          </a:p>
+          <a:p>
+            <a:r>
+              <a:rPr lang="en-US" altLang="ko-KR" b="1" dirty="0"/>
+              <a:t>Through the case of MTAN, we can see that it is important to find a good network structure.</a:t>
             </a:r>
           </a:p>
           <a:p>
@@ -8801,257 +4208,18 @@
           <a:p>
             <a:r>
               <a:rPr lang="en-US" altLang="ko-KR" dirty="0"/>
-              <a:t>MTAN</a:t>
-            </a:r>
-            <a:r>
-              <a:rPr lang="ko-KR" altLang="en-US" dirty="0"/>
-              <a:t>의 경우</a:t>
-            </a:r>
-            <a:r>
-              <a:rPr lang="en-US" altLang="ko-KR" dirty="0"/>
-              <a:t>, </a:t>
-            </a:r>
-            <a:r>
-              <a:rPr lang="ko-KR" altLang="en-US" dirty="0"/>
-              <a:t>최초로 </a:t>
-            </a:r>
-            <a:r>
-              <a:rPr lang="en-US" altLang="ko-KR" dirty="0"/>
-              <a:t>Task-specific / Task-common </a:t>
-            </a:r>
-            <a:r>
-              <a:rPr lang="ko-KR" altLang="en-US" dirty="0"/>
-              <a:t>을 구분하였습니다</a:t>
-            </a:r>
-            <a:r>
-              <a:rPr lang="en-US" altLang="ko-KR" dirty="0"/>
-              <a:t>. </a:t>
-            </a:r>
-          </a:p>
-          <a:p>
-            <a:r>
-              <a:rPr lang="ko-KR" altLang="en-US" dirty="0"/>
-              <a:t>하지만</a:t>
-            </a:r>
-            <a:r>
-              <a:rPr lang="en-US" altLang="ko-KR" dirty="0"/>
-              <a:t> Attention Network</a:t>
-            </a:r>
-            <a:r>
-              <a:rPr lang="ko-KR" altLang="en-US" dirty="0"/>
-              <a:t>를 거치기 전에 서로 다른 </a:t>
-            </a:r>
-            <a:r>
-              <a:rPr lang="en-US" altLang="ko-KR" dirty="0"/>
-              <a:t>Tasks </a:t>
-            </a:r>
-            <a:r>
-              <a:rPr lang="ko-KR" altLang="en-US" dirty="0"/>
-              <a:t>간 </a:t>
-            </a:r>
-            <a:r>
-              <a:rPr lang="en-US" altLang="ko-KR" dirty="0"/>
-              <a:t>Representation</a:t>
-            </a:r>
-            <a:r>
-              <a:rPr lang="ko-KR" altLang="en-US" dirty="0"/>
-              <a:t>을 공유하여 각</a:t>
-            </a:r>
-            <a:r>
-              <a:rPr lang="en-US" altLang="ko-KR" dirty="0"/>
-              <a:t> </a:t>
-            </a:r>
-            <a:r>
-              <a:rPr lang="ko-KR" altLang="en-US" dirty="0"/>
-              <a:t>특성 간에 간섭이 일어날 수 있는 환경을 만들었습니다</a:t>
-            </a:r>
-            <a:r>
-              <a:rPr lang="en-US" altLang="ko-KR" dirty="0"/>
-              <a:t>. </a:t>
-            </a:r>
-          </a:p>
-          <a:p>
-            <a:endParaRPr lang="en-US" altLang="ko-KR" dirty="0"/>
-          </a:p>
-          <a:p>
-            <a:r>
-              <a:rPr lang="en-US" altLang="ko-KR" dirty="0"/>
-              <a:t>SNR Framework</a:t>
-            </a:r>
-            <a:r>
-              <a:rPr lang="ko-KR" altLang="en-US" dirty="0"/>
-              <a:t>의 경우 </a:t>
-            </a:r>
-            <a:r>
-              <a:rPr lang="en-US" altLang="ko-KR" dirty="0"/>
-              <a:t>NAS</a:t>
-            </a:r>
-            <a:r>
-              <a:rPr lang="ko-KR" altLang="en-US" dirty="0"/>
-              <a:t>를 적용하는 등 최적의 구조를 찾으려 했습니다</a:t>
-            </a:r>
-            <a:r>
-              <a:rPr lang="en-US" altLang="ko-KR" dirty="0"/>
-              <a:t>.</a:t>
-            </a:r>
-          </a:p>
-          <a:p>
-            <a:r>
-              <a:rPr lang="ko-KR" altLang="en-US" dirty="0"/>
-              <a:t>하지만 </a:t>
-            </a:r>
-            <a:r>
-              <a:rPr lang="en-US" altLang="ko-KR" dirty="0"/>
-              <a:t>NAS</a:t>
-            </a:r>
-            <a:r>
-              <a:rPr lang="ko-KR" altLang="en-US" dirty="0"/>
-              <a:t>를 적용할 때</a:t>
-            </a:r>
-            <a:r>
-              <a:rPr lang="en-US" altLang="ko-KR" dirty="0"/>
-              <a:t>, </a:t>
-            </a:r>
-          </a:p>
-          <a:p>
-            <a:r>
-              <a:rPr lang="en-US" altLang="ko-KR" dirty="0"/>
-              <a:t> “The</a:t>
-            </a:r>
-            <a:r>
-              <a:rPr lang="ko-KR" altLang="en-US" dirty="0"/>
-              <a:t> </a:t>
-            </a:r>
-            <a:r>
-              <a:rPr lang="en-US" altLang="ko-KR" dirty="0"/>
-              <a:t>routing</a:t>
-            </a:r>
-            <a:r>
-              <a:rPr lang="ko-KR" altLang="en-US" dirty="0"/>
-              <a:t> </a:t>
-            </a:r>
-            <a:r>
-              <a:rPr lang="en-US" altLang="ko-KR" dirty="0"/>
-              <a:t>network</a:t>
-            </a:r>
-            <a:r>
-              <a:rPr lang="ko-KR" altLang="en-US" dirty="0"/>
-              <a:t> </a:t>
-            </a:r>
-            <a:r>
-              <a:rPr lang="en-US" altLang="ko-KR" dirty="0"/>
-              <a:t>selects no more than one function block for each task in each depth” </a:t>
-            </a:r>
-            <a:r>
-              <a:rPr lang="ko-KR" altLang="en-US" dirty="0"/>
-              <a:t>로 가정하여 </a:t>
-            </a:r>
-            <a:endParaRPr lang="en-US" altLang="ko-KR" dirty="0"/>
-          </a:p>
-          <a:p>
-            <a:r>
-              <a:rPr lang="en-US" altLang="ko-KR" dirty="0"/>
-              <a:t> </a:t>
-            </a:r>
-            <a:r>
-              <a:rPr lang="ko-KR" altLang="en-US" dirty="0"/>
-              <a:t>모델의 표현력을 감소시켰습니다</a:t>
-            </a:r>
-            <a:r>
-              <a:rPr lang="en-US" altLang="ko-KR" dirty="0"/>
-              <a:t>. </a:t>
-            </a:r>
-          </a:p>
-          <a:p>
-            <a:endParaRPr lang="en-US" altLang="ko-KR" dirty="0"/>
-          </a:p>
-          <a:p>
-            <a:r>
-              <a:rPr lang="ko-KR" altLang="en-US" dirty="0"/>
-              <a:t>즉</a:t>
-            </a:r>
-            <a:r>
-              <a:rPr lang="en-US" altLang="ko-KR" dirty="0"/>
-              <a:t>, </a:t>
-            </a:r>
-            <a:r>
-              <a:rPr lang="ko-KR" altLang="en-US" dirty="0"/>
-              <a:t>이전의 모델들은 </a:t>
-            </a:r>
-            <a:r>
-              <a:rPr lang="en-US" altLang="ko-KR" dirty="0"/>
-              <a:t>Task-Specific / Task-common </a:t>
-            </a:r>
-            <a:r>
-              <a:rPr lang="ko-KR" altLang="en-US" dirty="0"/>
-              <a:t>개념을 </a:t>
-            </a:r>
-            <a:r>
-              <a:rPr lang="en-US" altLang="ko-KR" dirty="0"/>
-              <a:t>Network </a:t>
-            </a:r>
-            <a:r>
-              <a:rPr lang="ko-KR" altLang="en-US" dirty="0"/>
-              <a:t>상에서 잘 구별을 못하거나</a:t>
-            </a:r>
-            <a:r>
-              <a:rPr lang="en-US" altLang="ko-KR" dirty="0"/>
-              <a:t>, </a:t>
-            </a:r>
-            <a:r>
-              <a:rPr lang="ko-KR" altLang="en-US" dirty="0"/>
-              <a:t>일반화하기엔 충분하지 않았습니다</a:t>
-            </a:r>
-            <a:r>
-              <a:rPr lang="en-US" altLang="ko-KR" dirty="0"/>
-              <a:t>. </a:t>
-            </a:r>
-          </a:p>
-          <a:p>
-            <a:endParaRPr lang="en-US" altLang="ko-KR" dirty="0"/>
-          </a:p>
-          <a:p>
-            <a:endParaRPr lang="en-US" altLang="ko-KR" dirty="0"/>
-          </a:p>
-          <a:p>
-            <a:r>
-              <a:rPr lang="en-US" altLang="ko-KR" dirty="0"/>
-              <a:t>This is not the first time that have divided the Task-Specific/Task-common concepts to reflect the relationship between Tasks and have tried to find a better network structure. </a:t>
-            </a:r>
-          </a:p>
-          <a:p>
-            <a:endParaRPr lang="en-US" altLang="ko-KR" dirty="0"/>
-          </a:p>
-          <a:p>
-            <a:r>
-              <a:rPr lang="en-US" altLang="ko-KR" dirty="0"/>
-              <a:t>For MTAN, Task-specific / Task-common notion was first used. </a:t>
-            </a:r>
-          </a:p>
-          <a:p>
-            <a:r>
-              <a:rPr lang="en-US" altLang="ko-KR" dirty="0"/>
-              <a:t>However, before going through the Attention Network, it shared representations among different tasks, it creates an environment where interference between each characteristic could occur. </a:t>
-            </a:r>
-          </a:p>
-          <a:p>
-            <a:endParaRPr lang="en-US" altLang="ko-KR" dirty="0"/>
-          </a:p>
-          <a:p>
-            <a:r>
-              <a:rPr lang="en-US" altLang="ko-KR" dirty="0"/>
               <a:t>In the case of SNR Framework, we tried to find the optimal structure, such as applying NAS.</a:t>
             </a:r>
           </a:p>
           <a:p>
             <a:r>
-              <a:rPr lang="en-US" altLang="ko-KR" dirty="0"/>
+              <a:rPr lang="en-US" altLang="ko-KR" b="1" dirty="0"/>
               <a:t>But it assume that "The routing network selections no more than one function block for each task in each depth", </a:t>
             </a:r>
           </a:p>
           <a:p>
             <a:r>
-              <a:rPr lang="en-US" altLang="ko-KR" dirty="0"/>
+              <a:rPr lang="en-US" altLang="ko-KR" b="1" dirty="0"/>
               <a:t> which reduced the model's expressiveness. </a:t>
             </a:r>
           </a:p>
@@ -9148,28 +4316,29 @@
           <a:lstStyle/>
           <a:p>
             <a:r>
-              <a:rPr lang="ko-KR" altLang="en-US" dirty="0"/>
-              <a:t>따라서 </a:t>
-            </a:r>
-            <a:r>
-              <a:rPr lang="en-US" altLang="ko-KR" dirty="0"/>
-              <a:t>PLE</a:t>
-            </a:r>
-            <a:r>
-              <a:rPr lang="ko-KR" altLang="en-US" dirty="0"/>
-              <a:t>에서는 크게 </a:t>
-            </a:r>
-            <a:r>
-              <a:rPr lang="en-US" altLang="ko-KR" dirty="0"/>
-              <a:t>3</a:t>
-            </a:r>
-            <a:r>
-              <a:rPr lang="ko-KR" altLang="en-US" dirty="0"/>
-              <a:t>단계로 나눠 문제를 해결합니다</a:t>
-            </a:r>
-            <a:r>
-              <a:rPr lang="en-US" altLang="ko-KR" dirty="0"/>
-              <a:t>. </a:t>
+              <a:rPr lang="en-US" altLang="ko-KR" b="1" dirty="0"/>
+              <a:t>Therefore, PLE solves the problem by dividing it into three main steps. </a:t>
+            </a:r>
+          </a:p>
+          <a:p>
+            <a:endParaRPr lang="en-US" altLang="ko-KR" b="1" dirty="0"/>
+          </a:p>
+          <a:p>
+            <a:r>
+              <a:rPr lang="en-US" altLang="ko-KR" dirty="0"/>
+              <a:t>First, Customized Gate Control. I'll call it CGC. </a:t>
+            </a:r>
+          </a:p>
+          <a:p>
+            <a:r>
+              <a:rPr lang="en-US" altLang="ko-KR" dirty="0"/>
+              <a:t>The CGC is largely composed of Bottom/Gate/Tower. </a:t>
+            </a:r>
+          </a:p>
+          <a:p>
+            <a:r>
+              <a:rPr lang="en-US" altLang="ko-KR" dirty="0"/>
+              <a:t>The bottom, which is a blue area, consists of shared experts, which are responsible for common patterns between Specific Experts and Tasks, respectively.</a:t>
             </a:r>
           </a:p>
           <a:p>
@@ -9177,36 +4346,14 @@
           </a:p>
           <a:p>
             <a:r>
-              <a:rPr lang="ko-KR" altLang="en-US" dirty="0"/>
-              <a:t>첫번쨰로 </a:t>
-            </a:r>
-            <a:r>
-              <a:rPr lang="en-US" altLang="ko-KR" dirty="0"/>
-              <a:t>Customized Gate control</a:t>
-            </a:r>
-            <a:r>
-              <a:rPr lang="ko-KR" altLang="en-US" dirty="0"/>
-              <a:t>로</a:t>
-            </a:r>
-            <a:r>
-              <a:rPr lang="en-US" altLang="ko-KR" dirty="0"/>
-              <a:t>, </a:t>
-            </a:r>
-            <a:r>
-              <a:rPr lang="ko-KR" altLang="en-US" dirty="0"/>
-              <a:t>앞으로 </a:t>
-            </a:r>
-            <a:r>
-              <a:rPr lang="en-US" altLang="ko-KR" dirty="0"/>
-              <a:t>CGC</a:t>
-            </a:r>
-            <a:r>
-              <a:rPr lang="ko-KR" altLang="en-US" dirty="0"/>
-              <a:t>로 부르겠습니다</a:t>
-            </a:r>
-            <a:r>
-              <a:rPr lang="en-US" altLang="ko-KR" dirty="0"/>
-              <a:t>. </a:t>
+              <a:rPr lang="en-US" altLang="ko-KR" dirty="0"/>
+              <a:t>Afterwards, each specific expert and shared expert are dynamically combined through gate in Green.  </a:t>
+            </a:r>
+          </a:p>
+          <a:p>
+            <a:r>
+              <a:rPr lang="en-US" altLang="ko-KR" b="1" dirty="0"/>
+              <a:t>It is important to note that the connection between different Task-specific experts has been disconnected.</a:t>
             </a:r>
           </a:p>
           <a:p>
@@ -9215,357 +4362,8 @@
           <a:p>
             <a:r>
               <a:rPr lang="en-US" altLang="ko-KR" dirty="0"/>
-              <a:t>CGC</a:t>
-            </a:r>
-            <a:r>
-              <a:rPr lang="ko-KR" altLang="en-US" dirty="0"/>
-              <a:t>는 크게 </a:t>
-            </a:r>
-            <a:r>
-              <a:rPr lang="en-US" altLang="ko-KR" dirty="0"/>
-              <a:t>Bottom / Gate / Tower</a:t>
-            </a:r>
-            <a:r>
-              <a:rPr lang="ko-KR" altLang="en-US" dirty="0"/>
-              <a:t>으로 구성되어 있습니다</a:t>
-            </a:r>
-            <a:r>
-              <a:rPr lang="en-US" altLang="ko-KR" dirty="0"/>
-              <a:t>. </a:t>
-            </a:r>
-          </a:p>
-          <a:p>
-            <a:endParaRPr lang="en-US" altLang="ko-KR" dirty="0"/>
-          </a:p>
-          <a:p>
-            <a:r>
-              <a:rPr lang="ko-KR" altLang="en-US" dirty="0"/>
-              <a:t>파란색 영역인 </a:t>
-            </a:r>
-            <a:r>
-              <a:rPr lang="en-US" altLang="ko-KR" dirty="0"/>
-              <a:t>Bottom</a:t>
-            </a:r>
-            <a:r>
-              <a:rPr lang="ko-KR" altLang="en-US" dirty="0"/>
-              <a:t>은 각각 </a:t>
-            </a:r>
-            <a:r>
-              <a:rPr lang="en-US" altLang="ko-KR" dirty="0"/>
-              <a:t>Specific Experts </a:t>
-            </a:r>
-            <a:r>
-              <a:rPr lang="ko-KR" altLang="en-US" dirty="0"/>
-              <a:t>와 </a:t>
-            </a:r>
-            <a:r>
-              <a:rPr lang="en-US" altLang="ko-KR" dirty="0"/>
-              <a:t>Task </a:t>
-            </a:r>
-            <a:r>
-              <a:rPr lang="ko-KR" altLang="en-US" dirty="0"/>
-              <a:t>간의 공통된 패턴 등을 담당하는 </a:t>
-            </a:r>
-            <a:r>
-              <a:rPr lang="en-US" altLang="ko-KR" dirty="0"/>
-              <a:t>shared Expert </a:t>
-            </a:r>
-            <a:r>
-              <a:rPr lang="ko-KR" altLang="en-US" dirty="0"/>
-              <a:t>로 구성되어 있습니다</a:t>
-            </a:r>
-            <a:r>
-              <a:rPr lang="en-US" altLang="ko-KR" dirty="0"/>
-              <a:t>. </a:t>
-            </a:r>
-          </a:p>
-          <a:p>
-            <a:r>
-              <a:rPr lang="ko-KR" altLang="en-US" dirty="0"/>
-              <a:t>이때 </a:t>
-            </a:r>
-            <a:r>
-              <a:rPr lang="en-US" altLang="ko-KR" dirty="0"/>
-              <a:t>Expert</a:t>
-            </a:r>
-            <a:r>
-              <a:rPr lang="ko-KR" altLang="en-US" dirty="0"/>
-              <a:t>는 다수의 </a:t>
-            </a:r>
-            <a:r>
-              <a:rPr lang="en-US" altLang="ko-KR" dirty="0"/>
-              <a:t>sub-network</a:t>
-            </a:r>
-            <a:r>
-              <a:rPr lang="ko-KR" altLang="en-US" dirty="0"/>
-              <a:t>로 구성된 하나의 모듈로</a:t>
-            </a:r>
-            <a:r>
-              <a:rPr lang="en-US" altLang="ko-KR" dirty="0"/>
-              <a:t>, </a:t>
-            </a:r>
-            <a:r>
-              <a:rPr lang="ko-KR" altLang="en-US" dirty="0"/>
-              <a:t>주어진 </a:t>
-            </a:r>
-            <a:r>
-              <a:rPr lang="en-US" altLang="ko-KR" dirty="0"/>
-              <a:t>input</a:t>
-            </a:r>
-            <a:r>
-              <a:rPr lang="ko-KR" altLang="en-US" dirty="0"/>
-              <a:t>에 대해 학습되는 모델을 지칭합니다</a:t>
-            </a:r>
-            <a:r>
-              <a:rPr lang="en-US" altLang="ko-KR" dirty="0"/>
-              <a:t>. </a:t>
-            </a:r>
-          </a:p>
-          <a:p>
-            <a:endParaRPr lang="en-US" altLang="ko-KR" dirty="0"/>
-          </a:p>
-          <a:p>
-            <a:r>
-              <a:rPr lang="ko-KR" altLang="en-US" dirty="0"/>
-              <a:t>이후 초록색인 </a:t>
-            </a:r>
-            <a:r>
-              <a:rPr lang="en-US" altLang="ko-KR" dirty="0"/>
-              <a:t>Gate</a:t>
-            </a:r>
-            <a:r>
-              <a:rPr lang="ko-KR" altLang="en-US" dirty="0"/>
-              <a:t>를 통해서 각각의 </a:t>
-            </a:r>
-            <a:r>
-              <a:rPr lang="en-US" altLang="ko-KR" dirty="0"/>
-              <a:t>Specific expert</a:t>
-            </a:r>
-            <a:r>
-              <a:rPr lang="ko-KR" altLang="en-US" dirty="0"/>
-              <a:t>와 </a:t>
-            </a:r>
-            <a:r>
-              <a:rPr lang="en-US" altLang="ko-KR" dirty="0"/>
-              <a:t>Shared expert</a:t>
-            </a:r>
-            <a:r>
-              <a:rPr lang="ko-KR" altLang="en-US" dirty="0"/>
-              <a:t>를 </a:t>
-            </a:r>
-            <a:r>
-              <a:rPr lang="en-US" altLang="ko-KR" dirty="0"/>
-              <a:t>dynamic </a:t>
-            </a:r>
-            <a:r>
-              <a:rPr lang="ko-KR" altLang="en-US" dirty="0"/>
-              <a:t>하게 조합합니다</a:t>
-            </a:r>
-            <a:r>
-              <a:rPr lang="en-US" altLang="ko-KR" dirty="0"/>
-              <a:t>. </a:t>
-            </a:r>
-            <a:r>
-              <a:rPr lang="ko-KR" altLang="en-US" dirty="0"/>
-              <a:t> </a:t>
-            </a:r>
-            <a:endParaRPr lang="en-US" altLang="ko-KR" dirty="0"/>
-          </a:p>
-          <a:p>
-            <a:r>
-              <a:rPr lang="ko-KR" altLang="en-US" dirty="0"/>
-              <a:t>이때 서로 다른 </a:t>
-            </a:r>
-            <a:r>
-              <a:rPr lang="en-US" altLang="ko-KR" dirty="0"/>
-              <a:t>Task-specific expert </a:t>
-            </a:r>
-            <a:r>
-              <a:rPr lang="ko-KR" altLang="en-US" dirty="0"/>
-              <a:t>간의 연결은 끊었다는 점이 중요합니다</a:t>
-            </a:r>
-            <a:r>
-              <a:rPr lang="en-US" altLang="ko-KR" dirty="0"/>
-              <a:t>. </a:t>
-            </a:r>
-          </a:p>
-          <a:p>
-            <a:endParaRPr lang="en-US" altLang="ko-KR" dirty="0"/>
-          </a:p>
-          <a:p>
-            <a:r>
-              <a:rPr lang="ko-KR" altLang="en-US" dirty="0"/>
-              <a:t>마지막으로 </a:t>
-            </a:r>
-            <a:r>
-              <a:rPr lang="en-US" altLang="ko-KR" dirty="0"/>
-              <a:t>Tower</a:t>
-            </a:r>
-            <a:r>
-              <a:rPr lang="ko-KR" altLang="en-US" dirty="0"/>
-              <a:t>에서</a:t>
-            </a:r>
-            <a:r>
-              <a:rPr lang="en-US" altLang="ko-KR" dirty="0"/>
-              <a:t> Gate</a:t>
-            </a:r>
-            <a:r>
-              <a:rPr lang="ko-KR" altLang="en-US" dirty="0"/>
-              <a:t>를 통해 </a:t>
-            </a:r>
-            <a:r>
-              <a:rPr lang="en-US" altLang="ko-KR" dirty="0"/>
-              <a:t>Specific expert</a:t>
-            </a:r>
-            <a:r>
-              <a:rPr lang="ko-KR" altLang="en-US" dirty="0"/>
-              <a:t> 와 </a:t>
-            </a:r>
-            <a:r>
-              <a:rPr lang="en-US" altLang="ko-KR" dirty="0"/>
-              <a:t>Shared expert </a:t>
-            </a:r>
-            <a:r>
-              <a:rPr lang="ko-KR" altLang="en-US" dirty="0"/>
-              <a:t>의 정보를 받아 각 </a:t>
-            </a:r>
-            <a:r>
-              <a:rPr lang="en-US" altLang="ko-KR" dirty="0"/>
-              <a:t>task-specific </a:t>
-            </a:r>
-            <a:r>
-              <a:rPr lang="ko-KR" altLang="en-US" dirty="0"/>
-              <a:t>하게 결과물을 만들어냅니다</a:t>
-            </a:r>
-            <a:r>
-              <a:rPr lang="en-US" altLang="ko-KR" dirty="0"/>
-              <a:t>. </a:t>
-            </a:r>
-          </a:p>
-          <a:p>
-            <a:endParaRPr lang="en-US" altLang="ko-KR" dirty="0"/>
-          </a:p>
-          <a:p>
-            <a:r>
-              <a:rPr lang="ko-KR" altLang="en-US" dirty="0"/>
-              <a:t>이를 통해 </a:t>
-            </a:r>
-            <a:r>
-              <a:rPr lang="en-US" altLang="ko-KR" dirty="0"/>
-              <a:t>CGC</a:t>
-            </a:r>
-            <a:r>
-              <a:rPr lang="ko-KR" altLang="en-US" dirty="0"/>
-              <a:t>는 </a:t>
-            </a:r>
-            <a:r>
-              <a:rPr lang="en-US" altLang="ko-KR" dirty="0"/>
-              <a:t>Task </a:t>
-            </a:r>
-            <a:r>
-              <a:rPr lang="ko-KR" altLang="en-US" dirty="0"/>
-              <a:t>간의 균형을 조율하며</a:t>
-            </a:r>
-            <a:r>
-              <a:rPr lang="en-US" altLang="ko-KR" dirty="0"/>
-              <a:t>, Task</a:t>
-            </a:r>
-            <a:r>
-              <a:rPr lang="ko-KR" altLang="en-US" dirty="0"/>
-              <a:t> </a:t>
-            </a:r>
-            <a:r>
-              <a:rPr lang="en-US" altLang="ko-KR" dirty="0"/>
-              <a:t>conflict</a:t>
-            </a:r>
-            <a:r>
-              <a:rPr lang="ko-KR" altLang="en-US" dirty="0"/>
-              <a:t> 및 </a:t>
-            </a:r>
-            <a:r>
-              <a:rPr lang="en-US" altLang="ko-KR" dirty="0"/>
-              <a:t>sample-dependent correlation</a:t>
-            </a:r>
-            <a:r>
-              <a:rPr lang="ko-KR" altLang="en-US" dirty="0"/>
-              <a:t>을 잘 다루게 됩니다</a:t>
-            </a:r>
-            <a:r>
-              <a:rPr lang="en-US" altLang="ko-KR" dirty="0"/>
-              <a:t>. </a:t>
-            </a:r>
-          </a:p>
-          <a:p>
-            <a:endParaRPr lang="en-US" altLang="ko-KR" dirty="0"/>
-          </a:p>
-          <a:p>
-            <a:endParaRPr lang="en-US" altLang="ko-KR" dirty="0"/>
-          </a:p>
-          <a:p>
-            <a:r>
-              <a:rPr lang="en-US" altLang="ko-KR" dirty="0"/>
-              <a:t>Therefore, PLE solves the problem by dividing it into three main steps. </a:t>
-            </a:r>
-          </a:p>
-          <a:p>
-            <a:endParaRPr lang="en-US" altLang="ko-KR" dirty="0"/>
-          </a:p>
-          <a:p>
-            <a:r>
-              <a:rPr lang="en-US" altLang="ko-KR" dirty="0"/>
-              <a:t>First, Customized Gate Control. I'll call it CGC. </a:t>
-            </a:r>
-          </a:p>
-          <a:p>
-            <a:endParaRPr lang="en-US" altLang="ko-KR" dirty="0"/>
-          </a:p>
-          <a:p>
-            <a:r>
-              <a:rPr lang="en-US" altLang="ko-KR" dirty="0"/>
-              <a:t>The CGC is largely composed of Bottom/Gate/Tower. </a:t>
-            </a:r>
-          </a:p>
-          <a:p>
-            <a:endParaRPr lang="en-US" altLang="ko-KR" dirty="0"/>
-          </a:p>
-          <a:p>
-            <a:r>
-              <a:rPr lang="en-US" altLang="ko-KR" dirty="0"/>
-              <a:t>The bottom, which is a blue area, consists of shared experts, which are responsible for common patterns between Specific Experts and Tasks, respectively. </a:t>
-            </a:r>
-          </a:p>
-          <a:p>
-            <a:r>
-              <a:rPr lang="en-US" altLang="ko-KR" dirty="0"/>
-              <a:t>Expert is a module that consists of a number of sub-networks and refers to a model that is learned for a given input. </a:t>
-            </a:r>
-          </a:p>
-          <a:p>
-            <a:endParaRPr lang="en-US" altLang="ko-KR" dirty="0"/>
-          </a:p>
-          <a:p>
-            <a:r>
-              <a:rPr lang="en-US" altLang="ko-KR" dirty="0"/>
-              <a:t>Afterwards, each specific expert and shared expert are dynamically combined through gate in Green.  </a:t>
-            </a:r>
-          </a:p>
-          <a:p>
-            <a:r>
-              <a:rPr lang="en-US" altLang="ko-KR" dirty="0"/>
-              <a:t>It is important to note that the connection between different Task-specific experts has been disconnected.</a:t>
-            </a:r>
-          </a:p>
-          <a:p>
-            <a:endParaRPr lang="en-US" altLang="ko-KR" dirty="0"/>
-          </a:p>
-          <a:p>
-            <a:r>
-              <a:rPr lang="en-US" altLang="ko-KR" dirty="0"/>
               <a:t>Finally, the tower receives the information of the specific expert and the shared expert through the gate and produces the results which is related to each task-specific. </a:t>
             </a:r>
-          </a:p>
-          <a:p>
-            <a:endParaRPr lang="en-US" altLang="ko-KR" dirty="0"/>
           </a:p>
           <a:p>
             <a:r>
@@ -11636,7 +6434,7 @@
         <p:spPr>
           <a:xfrm>
             <a:off x="372891" y="1771514"/>
-            <a:ext cx="4712274" cy="4072653"/>
+            <a:ext cx="4712274" cy="3693640"/>
           </a:xfrm>
           <a:prstGeom prst="rect">
             <a:avLst/>
@@ -11680,7 +6478,7 @@
                 <a:ea typeface="KoPubWorld돋움체 Bold" panose="00000800000000000000" pitchFamily="2" charset="-127"/>
                 <a:cs typeface="KoPubWorld돋움체 Bold" panose="00000800000000000000" pitchFamily="2" charset="-127"/>
               </a:rPr>
-              <a:t>1. Routing </a:t>
+              <a:t>1. Routing Strategy</a:t>
             </a:r>
             <a:endParaRPr lang="en-US" altLang="ko-KR" sz="2000" dirty="0">
               <a:latin typeface="KoPubWorld돋움체 Bold" panose="00000800000000000000" pitchFamily="2" charset="-127"/>
@@ -11740,7 +6538,7 @@
             </a:pPr>
             <a:r>
               <a:rPr lang="en-US" altLang="ko-KR" dirty="0"/>
-              <a:t>CGC use task-shared / task-specific experts</a:t>
+              <a:t>CGC use task-shared / specific experts</a:t>
             </a:r>
           </a:p>
         </p:txBody>
@@ -11802,7 +6600,7 @@
             </a:pPr>
             <a:r>
               <a:rPr lang="en-US" altLang="ko-KR" dirty="0"/>
-              <a:t>The difference of Routing Strategy and Bottom Ingressives allows  CGC to well consider the difference and relationship among Tasks.</a:t>
+              <a:t>The difference of Routing Strategy and Bottom Ingredients allows  CGC to well consider the difference and relationship among Tasks.</a:t>
             </a:r>
             <a:endParaRPr lang="ko-KR" altLang="en-US" dirty="0"/>
           </a:p>
@@ -12263,12 +7061,12 @@
         </p:nvCxnSpPr>
         <p:spPr>
           <a:xfrm rot="10800000">
-            <a:off x="2117563" y="2662994"/>
-            <a:ext cx="3850015" cy="1452439"/>
+            <a:off x="3320177" y="2554858"/>
+            <a:ext cx="2647400" cy="1560575"/>
           </a:xfrm>
           <a:prstGeom prst="bentConnector3">
             <a:avLst>
-              <a:gd name="adj1" fmla="val 14583"/>
+              <a:gd name="adj1" fmla="val 24210"/>
             </a:avLst>
           </a:prstGeom>
           <a:ln>
@@ -15497,7 +10295,7 @@
             <a:pPr algn="just"/>
             <a:r>
               <a:rPr lang="en-US" altLang="ko-KR" dirty="0"/>
-              <a:t>→ CGC’s structure helps achieve better differentiation &amp; MMOE hard to converge CGC without prior knowledge</a:t>
+              <a:t>→ CGC’s structure helps achieve better performance &amp; MMOE hard to converge CGC without prior knowledge</a:t>
             </a:r>
           </a:p>
           <a:p>
@@ -15537,7 +10335,7 @@
             </a:pPr>
             <a:r>
               <a:rPr lang="en-US" altLang="ko-KR" dirty="0"/>
-              <a:t>Shared expert in PLE have larger influence </a:t>
+              <a:t>Shared expert in PLE have larger distribution</a:t>
             </a:r>
           </a:p>
           <a:p>
@@ -17130,14 +11928,14 @@
             <a:pPr algn="just"/>
             <a:r>
               <a:rPr lang="en-US" altLang="ko-KR" dirty="0"/>
-              <a:t> - Since ‘Negative transfer’ frequently occurs in loosely correlated multi tasks.</a:t>
+              <a:t> - Since ‘Negative transfer’ frequently occurs in loosely correlated tasks.</a:t>
             </a:r>
           </a:p>
           <a:p>
             <a:pPr algn="just"/>
             <a:r>
               <a:rPr lang="en-US" altLang="ko-KR" dirty="0"/>
-              <a:t> - On the other side, ‘Seesaw Phenomenon’ frequently occurs in strongly correlated multi tasks, especially sample-dependent situation</a:t>
+              <a:t> - On the other side, ‘Seesaw Phenomenon’ frequently occurs in strongly correlated tasks, especially sample-dependent situation</a:t>
             </a:r>
           </a:p>
           <a:p>
@@ -17464,8 +12262,8 @@
         </p:blipFill>
         <p:spPr>
           <a:xfrm>
-            <a:off x="5918850" y="2005880"/>
-            <a:ext cx="4668585" cy="2320059"/>
+            <a:off x="5540898" y="2005880"/>
+            <a:ext cx="5127102" cy="2547920"/>
           </a:xfrm>
           <a:prstGeom prst="rect">
             <a:avLst/>
@@ -18559,7 +13357,15 @@
             <a:pPr algn="just"/>
             <a:r>
               <a:rPr lang="en-US" altLang="ko-KR" sz="2000" dirty="0"/>
-              <a:t> 1) Calculation volume increase due to updating value</a:t>
+              <a:t> 1) </a:t>
+            </a:r>
+            <a:r>
+              <a:rPr lang="en-US" altLang="ko-KR" sz="2000" dirty="0">
+                <a:latin typeface="KoPubWorld돋움체 Bold" panose="00000800000000000000" pitchFamily="2" charset="-127"/>
+                <a:ea typeface="KoPubWorld돋움체 Bold" panose="00000800000000000000" pitchFamily="2" charset="-127"/>
+                <a:cs typeface="KoPubWorld돋움체 Bold" panose="00000800000000000000" pitchFamily="2" charset="-127"/>
+              </a:rPr>
+              <a:t>Calculation volume increase because of updating shared expert’s parameter</a:t>
             </a:r>
           </a:p>
           <a:p>
@@ -18795,7 +13601,7 @@
                 <a:ea typeface="KoPubWorld돋움체 Bold" panose="00000800000000000000" pitchFamily="2" charset="-127"/>
                 <a:cs typeface="KoPubWorld돋움체 Bold" panose="00000800000000000000" pitchFamily="2" charset="-127"/>
               </a:rPr>
-              <a:t> 1) Calculation volume increase due to updating value</a:t>
+              <a:t> 1) Calculation volume increase because of updating shared expert’s parameter</a:t>
             </a:r>
           </a:p>
           <a:p>
@@ -22809,8 +17615,8 @@
         </p:nvSpPr>
         <p:spPr>
           <a:xfrm>
-            <a:off x="428979" y="1167829"/>
-            <a:ext cx="11235484" cy="544765"/>
+            <a:off x="132352" y="1167829"/>
+            <a:ext cx="12254720" cy="519566"/>
           </a:xfrm>
           <a:prstGeom prst="rect">
             <a:avLst/>
@@ -22856,7 +17662,7 @@
               <a:rPr lang="en-US" altLang="ko-KR" sz="2400" b="1" dirty="0">
                 <a:ea typeface="KoPubWorld돋움체 Bold" panose="00000800000000000000"/>
               </a:rPr>
-              <a:t>to apply Task specific/shared notion and find good network structure</a:t>
+              <a:t>to apply Task specific/shared concept and find good network structure</a:t>
             </a:r>
             <a:endParaRPr lang="ko-KR" altLang="en-US" sz="2400" b="1" dirty="0">
               <a:ea typeface="KoPubWorld돋움체 Bold" panose="00000800000000000000"/>
@@ -22879,7 +17685,7 @@
         <p:spPr>
           <a:xfrm>
             <a:off x="6118265" y="2400947"/>
-            <a:ext cx="5416009" cy="2848985"/>
+            <a:ext cx="5854279" cy="2848985"/>
           </a:xfrm>
           <a:prstGeom prst="rect">
             <a:avLst/>
@@ -22943,7 +17749,7 @@
             <a:pPr algn="just"/>
             <a:r>
               <a:rPr lang="en-US" altLang="ko-KR" sz="2000" dirty="0"/>
-              <a:t>    assumptions and are not general enough</a:t>
+              <a:t>    assumptions and are not generalized enough</a:t>
             </a:r>
           </a:p>
         </p:txBody>
@@ -23020,7 +17826,7 @@
             </a:pPr>
             <a:r>
               <a:rPr lang="en-US" altLang="ko-KR" sz="2400" dirty="0"/>
-              <a:t>not enough to become proper and general</a:t>
+              <a:t>not enough to become proper and generalized</a:t>
             </a:r>
           </a:p>
         </p:txBody>
